--- a/final_report/figs/network.pptx
+++ b/final_report/figs/network.pptx
@@ -5,12 +5,16 @@
     <p:sldMasterId id="2147483648" r:id="rId1"/>
   </p:sldMasterIdLst>
   <p:notesMasterIdLst>
-    <p:notesMasterId r:id="rId5"/>
+    <p:notesMasterId r:id="rId9"/>
   </p:notesMasterIdLst>
   <p:sldIdLst>
     <p:sldId id="256" r:id="rId2"/>
     <p:sldId id="257" r:id="rId3"/>
     <p:sldId id="258" r:id="rId4"/>
+    <p:sldId id="262" r:id="rId5"/>
+    <p:sldId id="259" r:id="rId6"/>
+    <p:sldId id="260" r:id="rId7"/>
+    <p:sldId id="261" r:id="rId8"/>
   </p:sldIdLst>
   <p:sldSz cx="12192000" cy="6858000"/>
   <p:notesSz cx="6858000" cy="9144000"/>
@@ -203,7 +207,7 @@
           <a:p>
             <a:fld id="{D6FC538D-9EC3-43ED-9BEF-68A097F1EB7C}" type="datetimeFigureOut">
               <a:rPr lang="en-US" smtClean="0"/>
-              <a:t>12/11/2017</a:t>
+              <a:t>12/12/2017</a:t>
             </a:fld>
             <a:endParaRPr lang="en-US"/>
           </a:p>
@@ -731,6 +735,267 @@
 </p:notes>
 </file>
 
+<file path=ppt/notesSlides/notesSlide4.xml><?xml version="1.0" encoding="utf-8"?>
+<p:notes xmlns:a="http://schemas.openxmlformats.org/drawingml/2006/main" xmlns:r="http://schemas.openxmlformats.org/officeDocument/2006/relationships" xmlns:p="http://schemas.openxmlformats.org/presentationml/2006/main">
+  <p:cSld>
+    <p:spTree>
+      <p:nvGrpSpPr>
+        <p:cNvPr id="1" name=""/>
+        <p:cNvGrpSpPr/>
+        <p:nvPr/>
+      </p:nvGrpSpPr>
+      <p:grpSpPr>
+        <a:xfrm>
+          <a:off x="0" y="0"/>
+          <a:ext cx="0" cy="0"/>
+          <a:chOff x="0" y="0"/>
+          <a:chExt cx="0" cy="0"/>
+        </a:xfrm>
+      </p:grpSpPr>
+      <p:sp>
+        <p:nvSpPr>
+          <p:cNvPr id="2" name="Slide Image Placeholder 1"/>
+          <p:cNvSpPr>
+            <a:spLocks noGrp="1" noRot="1" noChangeAspect="1"/>
+          </p:cNvSpPr>
+          <p:nvPr>
+            <p:ph type="sldImg"/>
+          </p:nvPr>
+        </p:nvSpPr>
+        <p:spPr/>
+      </p:sp>
+      <p:sp>
+        <p:nvSpPr>
+          <p:cNvPr id="3" name="Notes Placeholder 2"/>
+          <p:cNvSpPr>
+            <a:spLocks noGrp="1"/>
+          </p:cNvSpPr>
+          <p:nvPr>
+            <p:ph type="body" idx="1"/>
+          </p:nvPr>
+        </p:nvSpPr>
+        <p:spPr/>
+        <p:txBody>
+          <a:bodyPr/>
+          <a:lstStyle/>
+          <a:p>
+            <a:r>
+              <a:rPr lang="en-US" dirty="0"/>
+              <a:t>Inception net</a:t>
+            </a:r>
+          </a:p>
+        </p:txBody>
+      </p:sp>
+      <p:sp>
+        <p:nvSpPr>
+          <p:cNvPr id="4" name="Slide Number Placeholder 3"/>
+          <p:cNvSpPr>
+            <a:spLocks noGrp="1"/>
+          </p:cNvSpPr>
+          <p:nvPr>
+            <p:ph type="sldNum" sz="quarter" idx="10"/>
+          </p:nvPr>
+        </p:nvSpPr>
+        <p:spPr/>
+        <p:txBody>
+          <a:bodyPr/>
+          <a:lstStyle/>
+          <a:p>
+            <a:fld id="{3C90FC08-57A7-4B88-BE8F-2B613A3B8980}" type="slidenum">
+              <a:rPr lang="en-US" smtClean="0"/>
+              <a:t>5</a:t>
+            </a:fld>
+            <a:endParaRPr lang="en-US"/>
+          </a:p>
+        </p:txBody>
+      </p:sp>
+    </p:spTree>
+    <p:extLst>
+      <p:ext uri="{BB962C8B-B14F-4D97-AF65-F5344CB8AC3E}">
+        <p14:creationId xmlns:p14="http://schemas.microsoft.com/office/powerpoint/2010/main" val="1810586047"/>
+      </p:ext>
+    </p:extLst>
+  </p:cSld>
+  <p:clrMapOvr>
+    <a:masterClrMapping/>
+  </p:clrMapOvr>
+</p:notes>
+</file>
+
+<file path=ppt/notesSlides/notesSlide5.xml><?xml version="1.0" encoding="utf-8"?>
+<p:notes xmlns:a="http://schemas.openxmlformats.org/drawingml/2006/main" xmlns:r="http://schemas.openxmlformats.org/officeDocument/2006/relationships" xmlns:p="http://schemas.openxmlformats.org/presentationml/2006/main">
+  <p:cSld>
+    <p:spTree>
+      <p:nvGrpSpPr>
+        <p:cNvPr id="1" name=""/>
+        <p:cNvGrpSpPr/>
+        <p:nvPr/>
+      </p:nvGrpSpPr>
+      <p:grpSpPr>
+        <a:xfrm>
+          <a:off x="0" y="0"/>
+          <a:ext cx="0" cy="0"/>
+          <a:chOff x="0" y="0"/>
+          <a:chExt cx="0" cy="0"/>
+        </a:xfrm>
+      </p:grpSpPr>
+      <p:sp>
+        <p:nvSpPr>
+          <p:cNvPr id="2" name="Slide Image Placeholder 1"/>
+          <p:cNvSpPr>
+            <a:spLocks noGrp="1" noRot="1" noChangeAspect="1"/>
+          </p:cNvSpPr>
+          <p:nvPr>
+            <p:ph type="sldImg"/>
+          </p:nvPr>
+        </p:nvSpPr>
+        <p:spPr/>
+      </p:sp>
+      <p:sp>
+        <p:nvSpPr>
+          <p:cNvPr id="3" name="Notes Placeholder 2"/>
+          <p:cNvSpPr>
+            <a:spLocks noGrp="1"/>
+          </p:cNvSpPr>
+          <p:nvPr>
+            <p:ph type="body" idx="1"/>
+          </p:nvPr>
+        </p:nvSpPr>
+        <p:spPr/>
+        <p:txBody>
+          <a:bodyPr/>
+          <a:lstStyle/>
+          <a:p>
+            <a:r>
+              <a:rPr lang="en-US" dirty="0"/>
+              <a:t>Res net</a:t>
+            </a:r>
+          </a:p>
+        </p:txBody>
+      </p:sp>
+      <p:sp>
+        <p:nvSpPr>
+          <p:cNvPr id="4" name="Slide Number Placeholder 3"/>
+          <p:cNvSpPr>
+            <a:spLocks noGrp="1"/>
+          </p:cNvSpPr>
+          <p:nvPr>
+            <p:ph type="sldNum" sz="quarter" idx="10"/>
+          </p:nvPr>
+        </p:nvSpPr>
+        <p:spPr/>
+        <p:txBody>
+          <a:bodyPr/>
+          <a:lstStyle/>
+          <a:p>
+            <a:fld id="{3C90FC08-57A7-4B88-BE8F-2B613A3B8980}" type="slidenum">
+              <a:rPr lang="en-US" smtClean="0"/>
+              <a:t>6</a:t>
+            </a:fld>
+            <a:endParaRPr lang="en-US"/>
+          </a:p>
+        </p:txBody>
+      </p:sp>
+    </p:spTree>
+    <p:extLst>
+      <p:ext uri="{BB962C8B-B14F-4D97-AF65-F5344CB8AC3E}">
+        <p14:creationId xmlns:p14="http://schemas.microsoft.com/office/powerpoint/2010/main" val="3372538763"/>
+      </p:ext>
+    </p:extLst>
+  </p:cSld>
+  <p:clrMapOvr>
+    <a:masterClrMapping/>
+  </p:clrMapOvr>
+</p:notes>
+</file>
+
+<file path=ppt/notesSlides/notesSlide6.xml><?xml version="1.0" encoding="utf-8"?>
+<p:notes xmlns:a="http://schemas.openxmlformats.org/drawingml/2006/main" xmlns:r="http://schemas.openxmlformats.org/officeDocument/2006/relationships" xmlns:p="http://schemas.openxmlformats.org/presentationml/2006/main">
+  <p:cSld>
+    <p:spTree>
+      <p:nvGrpSpPr>
+        <p:cNvPr id="1" name=""/>
+        <p:cNvGrpSpPr/>
+        <p:nvPr/>
+      </p:nvGrpSpPr>
+      <p:grpSpPr>
+        <a:xfrm>
+          <a:off x="0" y="0"/>
+          <a:ext cx="0" cy="0"/>
+          <a:chOff x="0" y="0"/>
+          <a:chExt cx="0" cy="0"/>
+        </a:xfrm>
+      </p:grpSpPr>
+      <p:sp>
+        <p:nvSpPr>
+          <p:cNvPr id="2" name="Slide Image Placeholder 1"/>
+          <p:cNvSpPr>
+            <a:spLocks noGrp="1" noRot="1" noChangeAspect="1"/>
+          </p:cNvSpPr>
+          <p:nvPr>
+            <p:ph type="sldImg"/>
+          </p:nvPr>
+        </p:nvSpPr>
+        <p:spPr/>
+      </p:sp>
+      <p:sp>
+        <p:nvSpPr>
+          <p:cNvPr id="3" name="Notes Placeholder 2"/>
+          <p:cNvSpPr>
+            <a:spLocks noGrp="1"/>
+          </p:cNvSpPr>
+          <p:nvPr>
+            <p:ph type="body" idx="1"/>
+          </p:nvPr>
+        </p:nvSpPr>
+        <p:spPr/>
+        <p:txBody>
+          <a:bodyPr/>
+          <a:lstStyle/>
+          <a:p>
+            <a:r>
+              <a:rPr lang="en-US" dirty="0"/>
+              <a:t>Andreas net</a:t>
+            </a:r>
+          </a:p>
+        </p:txBody>
+      </p:sp>
+      <p:sp>
+        <p:nvSpPr>
+          <p:cNvPr id="4" name="Slide Number Placeholder 3"/>
+          <p:cNvSpPr>
+            <a:spLocks noGrp="1"/>
+          </p:cNvSpPr>
+          <p:nvPr>
+            <p:ph type="sldNum" sz="quarter" idx="10"/>
+          </p:nvPr>
+        </p:nvSpPr>
+        <p:spPr/>
+        <p:txBody>
+          <a:bodyPr/>
+          <a:lstStyle/>
+          <a:p>
+            <a:fld id="{3C90FC08-57A7-4B88-BE8F-2B613A3B8980}" type="slidenum">
+              <a:rPr lang="en-US" smtClean="0"/>
+              <a:t>7</a:t>
+            </a:fld>
+            <a:endParaRPr lang="en-US"/>
+          </a:p>
+        </p:txBody>
+      </p:sp>
+    </p:spTree>
+    <p:extLst>
+      <p:ext uri="{BB962C8B-B14F-4D97-AF65-F5344CB8AC3E}">
+        <p14:creationId xmlns:p14="http://schemas.microsoft.com/office/powerpoint/2010/main" val="723397387"/>
+      </p:ext>
+    </p:extLst>
+  </p:cSld>
+  <p:clrMapOvr>
+    <a:masterClrMapping/>
+  </p:clrMapOvr>
+</p:notes>
+</file>
+
 <file path=ppt/slideLayouts/slideLayout1.xml><?xml version="1.0" encoding="utf-8"?>
 <p:sldLayout xmlns:a="http://schemas.openxmlformats.org/drawingml/2006/main" xmlns:r="http://schemas.openxmlformats.org/officeDocument/2006/relationships" xmlns:p="http://schemas.openxmlformats.org/presentationml/2006/main" type="title" preserve="1">
   <p:cSld name="Title Slide">
@@ -878,7 +1143,7 @@
           <a:p>
             <a:fld id="{02317D42-9B69-477B-90F1-795210F7DA1C}" type="datetimeFigureOut">
               <a:rPr lang="en-US" smtClean="0"/>
-              <a:t>12/11/2017</a:t>
+              <a:t>12/12/2017</a:t>
             </a:fld>
             <a:endParaRPr lang="en-US"/>
           </a:p>
@@ -1076,7 +1341,7 @@
           <a:p>
             <a:fld id="{02317D42-9B69-477B-90F1-795210F7DA1C}" type="datetimeFigureOut">
               <a:rPr lang="en-US" smtClean="0"/>
-              <a:t>12/11/2017</a:t>
+              <a:t>12/12/2017</a:t>
             </a:fld>
             <a:endParaRPr lang="en-US"/>
           </a:p>
@@ -1284,7 +1549,7 @@
           <a:p>
             <a:fld id="{02317D42-9B69-477B-90F1-795210F7DA1C}" type="datetimeFigureOut">
               <a:rPr lang="en-US" smtClean="0"/>
-              <a:t>12/11/2017</a:t>
+              <a:t>12/12/2017</a:t>
             </a:fld>
             <a:endParaRPr lang="en-US"/>
           </a:p>
@@ -1482,7 +1747,7 @@
           <a:p>
             <a:fld id="{02317D42-9B69-477B-90F1-795210F7DA1C}" type="datetimeFigureOut">
               <a:rPr lang="en-US" smtClean="0"/>
-              <a:t>12/11/2017</a:t>
+              <a:t>12/12/2017</a:t>
             </a:fld>
             <a:endParaRPr lang="en-US"/>
           </a:p>
@@ -1757,7 +2022,7 @@
           <a:p>
             <a:fld id="{02317D42-9B69-477B-90F1-795210F7DA1C}" type="datetimeFigureOut">
               <a:rPr lang="en-US" smtClean="0"/>
-              <a:t>12/11/2017</a:t>
+              <a:t>12/12/2017</a:t>
             </a:fld>
             <a:endParaRPr lang="en-US"/>
           </a:p>
@@ -2022,7 +2287,7 @@
           <a:p>
             <a:fld id="{02317D42-9B69-477B-90F1-795210F7DA1C}" type="datetimeFigureOut">
               <a:rPr lang="en-US" smtClean="0"/>
-              <a:t>12/11/2017</a:t>
+              <a:t>12/12/2017</a:t>
             </a:fld>
             <a:endParaRPr lang="en-US"/>
           </a:p>
@@ -2434,7 +2699,7 @@
           <a:p>
             <a:fld id="{02317D42-9B69-477B-90F1-795210F7DA1C}" type="datetimeFigureOut">
               <a:rPr lang="en-US" smtClean="0"/>
-              <a:t>12/11/2017</a:t>
+              <a:t>12/12/2017</a:t>
             </a:fld>
             <a:endParaRPr lang="en-US"/>
           </a:p>
@@ -2575,7 +2840,7 @@
           <a:p>
             <a:fld id="{02317D42-9B69-477B-90F1-795210F7DA1C}" type="datetimeFigureOut">
               <a:rPr lang="en-US" smtClean="0"/>
-              <a:t>12/11/2017</a:t>
+              <a:t>12/12/2017</a:t>
             </a:fld>
             <a:endParaRPr lang="en-US"/>
           </a:p>
@@ -2688,7 +2953,7 @@
           <a:p>
             <a:fld id="{02317D42-9B69-477B-90F1-795210F7DA1C}" type="datetimeFigureOut">
               <a:rPr lang="en-US" smtClean="0"/>
-              <a:t>12/11/2017</a:t>
+              <a:t>12/12/2017</a:t>
             </a:fld>
             <a:endParaRPr lang="en-US"/>
           </a:p>
@@ -2999,7 +3264,7 @@
           <a:p>
             <a:fld id="{02317D42-9B69-477B-90F1-795210F7DA1C}" type="datetimeFigureOut">
               <a:rPr lang="en-US" smtClean="0"/>
-              <a:t>12/11/2017</a:t>
+              <a:t>12/12/2017</a:t>
             </a:fld>
             <a:endParaRPr lang="en-US"/>
           </a:p>
@@ -3287,7 +3552,7 @@
           <a:p>
             <a:fld id="{02317D42-9B69-477B-90F1-795210F7DA1C}" type="datetimeFigureOut">
               <a:rPr lang="en-US" smtClean="0"/>
-              <a:t>12/11/2017</a:t>
+              <a:t>12/12/2017</a:t>
             </a:fld>
             <a:endParaRPr lang="en-US"/>
           </a:p>
@@ -3528,7 +3793,7 @@
           <a:p>
             <a:fld id="{02317D42-9B69-477B-90F1-795210F7DA1C}" type="datetimeFigureOut">
               <a:rPr lang="en-US" smtClean="0"/>
-              <a:t>12/11/2017</a:t>
+              <a:t>12/12/2017</a:t>
             </a:fld>
             <a:endParaRPr lang="en-US"/>
           </a:p>
@@ -5834,6 +6099,46 @@
           </a:fontRef>
         </p:style>
       </p:cxnSp>
+      <p:sp>
+        <p:nvSpPr>
+          <p:cNvPr id="59" name="TextBox 58">
+            <a:extLst>
+              <a:ext uri="{FF2B5EF4-FFF2-40B4-BE49-F238E27FC236}">
+                <a16:creationId xmlns:a16="http://schemas.microsoft.com/office/drawing/2014/main" id="{8C5A0EF6-4C48-46AD-902E-62FEE788D53C}"/>
+              </a:ext>
+            </a:extLst>
+          </p:cNvPr>
+          <p:cNvSpPr txBox="1"/>
+          <p:nvPr/>
+        </p:nvSpPr>
+        <p:spPr>
+          <a:xfrm>
+            <a:off x="458043" y="5941518"/>
+            <a:ext cx="3757355" cy="1015663"/>
+          </a:xfrm>
+          <a:prstGeom prst="rect">
+            <a:avLst/>
+          </a:prstGeom>
+          <a:noFill/>
+        </p:spPr>
+        <p:txBody>
+          <a:bodyPr wrap="square" rtlCol="0">
+            <a:spAutoFit/>
+          </a:bodyPr>
+          <a:lstStyle/>
+          <a:p>
+            <a:pPr algn="ctr"/>
+            <a:r>
+              <a:rPr lang="en-US" sz="6000" dirty="0">
+                <a:solidFill>
+                  <a:srgbClr val="FF0000"/>
+                </a:solidFill>
+              </a:rPr>
+              <a:t>ARCHIVE</a:t>
+            </a:r>
+          </a:p>
+        </p:txBody>
+      </p:sp>
     </p:spTree>
     <p:extLst>
       <p:ext uri="{BB962C8B-B14F-4D97-AF65-F5344CB8AC3E}">
@@ -7895,6 +8200,46 @@
           </a:fontRef>
         </p:style>
       </p:cxnSp>
+      <p:sp>
+        <p:nvSpPr>
+          <p:cNvPr id="52" name="TextBox 51">
+            <a:extLst>
+              <a:ext uri="{FF2B5EF4-FFF2-40B4-BE49-F238E27FC236}">
+                <a16:creationId xmlns:a16="http://schemas.microsoft.com/office/drawing/2014/main" id="{5503CF9B-BA06-4D5A-BB49-B3C33F56CC12}"/>
+              </a:ext>
+            </a:extLst>
+          </p:cNvPr>
+          <p:cNvSpPr txBox="1"/>
+          <p:nvPr/>
+        </p:nvSpPr>
+        <p:spPr>
+          <a:xfrm>
+            <a:off x="458043" y="5941518"/>
+            <a:ext cx="3757355" cy="1015663"/>
+          </a:xfrm>
+          <a:prstGeom prst="rect">
+            <a:avLst/>
+          </a:prstGeom>
+          <a:noFill/>
+        </p:spPr>
+        <p:txBody>
+          <a:bodyPr wrap="square" rtlCol="0">
+            <a:spAutoFit/>
+          </a:bodyPr>
+          <a:lstStyle/>
+          <a:p>
+            <a:pPr algn="ctr"/>
+            <a:r>
+              <a:rPr lang="en-US" sz="6000" dirty="0">
+                <a:solidFill>
+                  <a:srgbClr val="FF0000"/>
+                </a:solidFill>
+              </a:rPr>
+              <a:t>ARCHIVE</a:t>
+            </a:r>
+          </a:p>
+        </p:txBody>
+      </p:sp>
     </p:spTree>
     <p:extLst>
       <p:ext uri="{BB962C8B-B14F-4D97-AF65-F5344CB8AC3E}">
@@ -9401,10 +9746,6209 @@
           </a:p>
         </p:txBody>
       </p:sp>
+      <p:sp>
+        <p:nvSpPr>
+          <p:cNvPr id="44" name="TextBox 43">
+            <a:extLst>
+              <a:ext uri="{FF2B5EF4-FFF2-40B4-BE49-F238E27FC236}">
+                <a16:creationId xmlns:a16="http://schemas.microsoft.com/office/drawing/2014/main" id="{276F3781-DF20-435B-9F1B-EDA553D403B3}"/>
+              </a:ext>
+            </a:extLst>
+          </p:cNvPr>
+          <p:cNvSpPr txBox="1"/>
+          <p:nvPr/>
+        </p:nvSpPr>
+        <p:spPr>
+          <a:xfrm>
+            <a:off x="458043" y="5941518"/>
+            <a:ext cx="3757355" cy="1015663"/>
+          </a:xfrm>
+          <a:prstGeom prst="rect">
+            <a:avLst/>
+          </a:prstGeom>
+          <a:noFill/>
+        </p:spPr>
+        <p:txBody>
+          <a:bodyPr wrap="square" rtlCol="0">
+            <a:spAutoFit/>
+          </a:bodyPr>
+          <a:lstStyle/>
+          <a:p>
+            <a:pPr algn="ctr"/>
+            <a:r>
+              <a:rPr lang="en-US" sz="6000" dirty="0">
+                <a:solidFill>
+                  <a:srgbClr val="FF0000"/>
+                </a:solidFill>
+              </a:rPr>
+              <a:t>ARCHIVE</a:t>
+            </a:r>
+          </a:p>
+        </p:txBody>
+      </p:sp>
     </p:spTree>
     <p:extLst>
       <p:ext uri="{BB962C8B-B14F-4D97-AF65-F5344CB8AC3E}">
         <p14:creationId xmlns:p14="http://schemas.microsoft.com/office/powerpoint/2010/main" val="1540798366"/>
+      </p:ext>
+    </p:extLst>
+  </p:cSld>
+  <p:clrMapOvr>
+    <a:masterClrMapping/>
+  </p:clrMapOvr>
+</p:sld>
+</file>
+
+<file path=ppt/slides/slide4.xml><?xml version="1.0" encoding="utf-8"?>
+<p:sld xmlns:a="http://schemas.openxmlformats.org/drawingml/2006/main" xmlns:r="http://schemas.openxmlformats.org/officeDocument/2006/relationships" xmlns:p="http://schemas.openxmlformats.org/presentationml/2006/main">
+  <p:cSld>
+    <p:spTree>
+      <p:nvGrpSpPr>
+        <p:cNvPr id="1" name=""/>
+        <p:cNvGrpSpPr/>
+        <p:nvPr/>
+      </p:nvGrpSpPr>
+      <p:grpSpPr>
+        <a:xfrm>
+          <a:off x="0" y="0"/>
+          <a:ext cx="0" cy="0"/>
+          <a:chOff x="0" y="0"/>
+          <a:chExt cx="0" cy="0"/>
+        </a:xfrm>
+      </p:grpSpPr>
+      <p:sp>
+        <p:nvSpPr>
+          <p:cNvPr id="3" name="Content Placeholder 2">
+            <a:extLst>
+              <a:ext uri="{FF2B5EF4-FFF2-40B4-BE49-F238E27FC236}">
+                <a16:creationId xmlns:a16="http://schemas.microsoft.com/office/drawing/2014/main" id="{99487EBC-27DC-47D1-B7ED-19BCD24BD256}"/>
+              </a:ext>
+            </a:extLst>
+          </p:cNvPr>
+          <p:cNvSpPr>
+            <a:spLocks noGrp="1"/>
+          </p:cNvSpPr>
+          <p:nvPr>
+            <p:ph idx="1"/>
+          </p:nvPr>
+        </p:nvSpPr>
+        <p:spPr>
+          <a:xfrm>
+            <a:off x="0" y="0"/>
+            <a:ext cx="12192000" cy="6858000"/>
+          </a:xfrm>
+          <a:solidFill>
+            <a:schemeClr val="accent1"/>
+          </a:solidFill>
+        </p:spPr>
+        <p:txBody>
+          <a:bodyPr/>
+          <a:lstStyle/>
+          <a:p>
+            <a:endParaRPr lang="en-US" dirty="0"/>
+          </a:p>
+        </p:txBody>
+      </p:sp>
+    </p:spTree>
+    <p:extLst>
+      <p:ext uri="{BB962C8B-B14F-4D97-AF65-F5344CB8AC3E}">
+        <p14:creationId xmlns:p14="http://schemas.microsoft.com/office/powerpoint/2010/main" val="2186410883"/>
+      </p:ext>
+    </p:extLst>
+  </p:cSld>
+  <p:clrMapOvr>
+    <a:masterClrMapping/>
+  </p:clrMapOvr>
+</p:sld>
+</file>
+
+<file path=ppt/slides/slide5.xml><?xml version="1.0" encoding="utf-8"?>
+<p:sld xmlns:a="http://schemas.openxmlformats.org/drawingml/2006/main" xmlns:r="http://schemas.openxmlformats.org/officeDocument/2006/relationships" xmlns:p="http://schemas.openxmlformats.org/presentationml/2006/main">
+  <p:cSld>
+    <p:spTree>
+      <p:nvGrpSpPr>
+        <p:cNvPr id="1" name=""/>
+        <p:cNvGrpSpPr/>
+        <p:nvPr/>
+      </p:nvGrpSpPr>
+      <p:grpSpPr>
+        <a:xfrm>
+          <a:off x="0" y="0"/>
+          <a:ext cx="0" cy="0"/>
+          <a:chOff x="0" y="0"/>
+          <a:chExt cx="0" cy="0"/>
+        </a:xfrm>
+      </p:grpSpPr>
+      <p:sp>
+        <p:nvSpPr>
+          <p:cNvPr id="5" name="Cube 4">
+            <a:extLst>
+              <a:ext uri="{FF2B5EF4-FFF2-40B4-BE49-F238E27FC236}">
+                <a16:creationId xmlns:a16="http://schemas.microsoft.com/office/drawing/2014/main" id="{CD12023E-850E-4068-A1A0-2E52114F7CF4}"/>
+              </a:ext>
+            </a:extLst>
+          </p:cNvPr>
+          <p:cNvSpPr/>
+          <p:nvPr/>
+        </p:nvSpPr>
+        <p:spPr>
+          <a:xfrm>
+            <a:off x="1632857" y="484366"/>
+            <a:ext cx="485898" cy="3897086"/>
+          </a:xfrm>
+          <a:prstGeom prst="cube">
+            <a:avLst>
+              <a:gd name="adj" fmla="val 11275"/>
+            </a:avLst>
+          </a:prstGeom>
+        </p:spPr>
+        <p:style>
+          <a:lnRef idx="2">
+            <a:schemeClr val="dk1"/>
+          </a:lnRef>
+          <a:fillRef idx="1">
+            <a:schemeClr val="lt1"/>
+          </a:fillRef>
+          <a:effectRef idx="0">
+            <a:schemeClr val="dk1"/>
+          </a:effectRef>
+          <a:fontRef idx="minor">
+            <a:schemeClr val="dk1"/>
+          </a:fontRef>
+        </p:style>
+        <p:txBody>
+          <a:bodyPr rtlCol="0" anchor="ctr"/>
+          <a:lstStyle/>
+          <a:p>
+            <a:pPr algn="ctr"/>
+            <a:endParaRPr lang="en-US"/>
+          </a:p>
+        </p:txBody>
+      </p:sp>
+      <p:sp>
+        <p:nvSpPr>
+          <p:cNvPr id="7" name="TextBox 6">
+            <a:extLst>
+              <a:ext uri="{FF2B5EF4-FFF2-40B4-BE49-F238E27FC236}">
+                <a16:creationId xmlns:a16="http://schemas.microsoft.com/office/drawing/2014/main" id="{8370FE98-8906-4208-ADBB-71CE9C8757B4}"/>
+              </a:ext>
+            </a:extLst>
+          </p:cNvPr>
+          <p:cNvSpPr txBox="1"/>
+          <p:nvPr/>
+        </p:nvSpPr>
+        <p:spPr>
+          <a:xfrm>
+            <a:off x="1549234" y="-13106"/>
+            <a:ext cx="653143" cy="369332"/>
+          </a:xfrm>
+          <a:prstGeom prst="rect">
+            <a:avLst/>
+          </a:prstGeom>
+          <a:noFill/>
+        </p:spPr>
+        <p:txBody>
+          <a:bodyPr wrap="square" rtlCol="0">
+            <a:spAutoFit/>
+          </a:bodyPr>
+          <a:lstStyle/>
+          <a:p>
+            <a:r>
+              <a:rPr lang="en-US" dirty="0"/>
+              <a:t>Conv</a:t>
+            </a:r>
+          </a:p>
+        </p:txBody>
+      </p:sp>
+      <p:sp>
+        <p:nvSpPr>
+          <p:cNvPr id="8" name="Cube 7">
+            <a:extLst>
+              <a:ext uri="{FF2B5EF4-FFF2-40B4-BE49-F238E27FC236}">
+                <a16:creationId xmlns:a16="http://schemas.microsoft.com/office/drawing/2014/main" id="{22A6DCDF-699F-451F-95D5-C5E2A0285B43}"/>
+              </a:ext>
+            </a:extLst>
+          </p:cNvPr>
+          <p:cNvSpPr/>
+          <p:nvPr/>
+        </p:nvSpPr>
+        <p:spPr>
+          <a:xfrm>
+            <a:off x="3457399" y="500743"/>
+            <a:ext cx="326572" cy="838959"/>
+          </a:xfrm>
+          <a:prstGeom prst="cube">
+            <a:avLst>
+              <a:gd name="adj" fmla="val 11275"/>
+            </a:avLst>
+          </a:prstGeom>
+        </p:spPr>
+        <p:style>
+          <a:lnRef idx="2">
+            <a:schemeClr val="dk1"/>
+          </a:lnRef>
+          <a:fillRef idx="1">
+            <a:schemeClr val="lt1"/>
+          </a:fillRef>
+          <a:effectRef idx="0">
+            <a:schemeClr val="dk1"/>
+          </a:effectRef>
+          <a:fontRef idx="minor">
+            <a:schemeClr val="dk1"/>
+          </a:fontRef>
+        </p:style>
+        <p:txBody>
+          <a:bodyPr rtlCol="0" anchor="ctr"/>
+          <a:lstStyle/>
+          <a:p>
+            <a:pPr algn="ctr"/>
+            <a:endParaRPr lang="en-US"/>
+          </a:p>
+        </p:txBody>
+      </p:sp>
+      <p:sp>
+        <p:nvSpPr>
+          <p:cNvPr id="9" name="Cube 8">
+            <a:extLst>
+              <a:ext uri="{FF2B5EF4-FFF2-40B4-BE49-F238E27FC236}">
+                <a16:creationId xmlns:a16="http://schemas.microsoft.com/office/drawing/2014/main" id="{61C1EB99-0576-4BAA-B8C6-5E7BB907353E}"/>
+              </a:ext>
+            </a:extLst>
+          </p:cNvPr>
+          <p:cNvSpPr/>
+          <p:nvPr/>
+        </p:nvSpPr>
+        <p:spPr>
+          <a:xfrm>
+            <a:off x="3457399" y="2029806"/>
+            <a:ext cx="326572" cy="838959"/>
+          </a:xfrm>
+          <a:prstGeom prst="cube">
+            <a:avLst>
+              <a:gd name="adj" fmla="val 11275"/>
+            </a:avLst>
+          </a:prstGeom>
+        </p:spPr>
+        <p:style>
+          <a:lnRef idx="2">
+            <a:schemeClr val="dk1"/>
+          </a:lnRef>
+          <a:fillRef idx="1">
+            <a:schemeClr val="lt1"/>
+          </a:fillRef>
+          <a:effectRef idx="0">
+            <a:schemeClr val="dk1"/>
+          </a:effectRef>
+          <a:fontRef idx="minor">
+            <a:schemeClr val="dk1"/>
+          </a:fontRef>
+        </p:style>
+        <p:txBody>
+          <a:bodyPr rtlCol="0" anchor="ctr"/>
+          <a:lstStyle/>
+          <a:p>
+            <a:pPr algn="ctr"/>
+            <a:endParaRPr lang="en-US"/>
+          </a:p>
+        </p:txBody>
+      </p:sp>
+      <p:sp>
+        <p:nvSpPr>
+          <p:cNvPr id="10" name="Cube 9">
+            <a:extLst>
+              <a:ext uri="{FF2B5EF4-FFF2-40B4-BE49-F238E27FC236}">
+                <a16:creationId xmlns:a16="http://schemas.microsoft.com/office/drawing/2014/main" id="{F4A1D9B7-6AF5-44B8-94CF-EAB157BDCCEE}"/>
+              </a:ext>
+            </a:extLst>
+          </p:cNvPr>
+          <p:cNvSpPr/>
+          <p:nvPr/>
+        </p:nvSpPr>
+        <p:spPr>
+          <a:xfrm>
+            <a:off x="3448029" y="3558869"/>
+            <a:ext cx="326572" cy="838959"/>
+          </a:xfrm>
+          <a:prstGeom prst="cube">
+            <a:avLst>
+              <a:gd name="adj" fmla="val 11275"/>
+            </a:avLst>
+          </a:prstGeom>
+        </p:spPr>
+        <p:style>
+          <a:lnRef idx="2">
+            <a:schemeClr val="dk1"/>
+          </a:lnRef>
+          <a:fillRef idx="1">
+            <a:schemeClr val="lt1"/>
+          </a:fillRef>
+          <a:effectRef idx="0">
+            <a:schemeClr val="dk1"/>
+          </a:effectRef>
+          <a:fontRef idx="minor">
+            <a:schemeClr val="dk1"/>
+          </a:fontRef>
+        </p:style>
+        <p:txBody>
+          <a:bodyPr rtlCol="0" anchor="ctr"/>
+          <a:lstStyle/>
+          <a:p>
+            <a:pPr algn="ctr"/>
+            <a:endParaRPr lang="en-US"/>
+          </a:p>
+        </p:txBody>
+      </p:sp>
+      <p:sp>
+        <p:nvSpPr>
+          <p:cNvPr id="12" name="TextBox 11">
+            <a:extLst>
+              <a:ext uri="{FF2B5EF4-FFF2-40B4-BE49-F238E27FC236}">
+                <a16:creationId xmlns:a16="http://schemas.microsoft.com/office/drawing/2014/main" id="{62526BD9-B127-4BA0-84BA-6A8649E75789}"/>
+              </a:ext>
+            </a:extLst>
+          </p:cNvPr>
+          <p:cNvSpPr txBox="1"/>
+          <p:nvPr/>
+        </p:nvSpPr>
+        <p:spPr>
+          <a:xfrm>
+            <a:off x="3217913" y="-13106"/>
+            <a:ext cx="653143" cy="369332"/>
+          </a:xfrm>
+          <a:prstGeom prst="rect">
+            <a:avLst/>
+          </a:prstGeom>
+          <a:noFill/>
+        </p:spPr>
+        <p:txBody>
+          <a:bodyPr wrap="square" rtlCol="0">
+            <a:spAutoFit/>
+          </a:bodyPr>
+          <a:lstStyle/>
+          <a:p>
+            <a:r>
+              <a:rPr lang="en-US" dirty="0"/>
+              <a:t>Conv</a:t>
+            </a:r>
+          </a:p>
+        </p:txBody>
+      </p:sp>
+      <p:sp>
+        <p:nvSpPr>
+          <p:cNvPr id="13" name="TextBox 12">
+            <a:extLst>
+              <a:ext uri="{FF2B5EF4-FFF2-40B4-BE49-F238E27FC236}">
+                <a16:creationId xmlns:a16="http://schemas.microsoft.com/office/drawing/2014/main" id="{393C0EE9-1F3B-48E3-A68A-40BA4C7F2ACD}"/>
+              </a:ext>
+            </a:extLst>
+          </p:cNvPr>
+          <p:cNvSpPr txBox="1"/>
+          <p:nvPr/>
+        </p:nvSpPr>
+        <p:spPr>
+          <a:xfrm>
+            <a:off x="4954703" y="-13106"/>
+            <a:ext cx="724254" cy="369332"/>
+          </a:xfrm>
+          <a:prstGeom prst="rect">
+            <a:avLst/>
+          </a:prstGeom>
+          <a:noFill/>
+        </p:spPr>
+        <p:txBody>
+          <a:bodyPr wrap="square" rtlCol="0">
+            <a:spAutoFit/>
+          </a:bodyPr>
+          <a:lstStyle/>
+          <a:p>
+            <a:pPr algn="ctr"/>
+            <a:r>
+              <a:rPr lang="en-US" dirty="0"/>
+              <a:t>MP</a:t>
+            </a:r>
+          </a:p>
+        </p:txBody>
+      </p:sp>
+      <p:sp>
+        <p:nvSpPr>
+          <p:cNvPr id="14" name="Cube 13">
+            <a:extLst>
+              <a:ext uri="{FF2B5EF4-FFF2-40B4-BE49-F238E27FC236}">
+                <a16:creationId xmlns:a16="http://schemas.microsoft.com/office/drawing/2014/main" id="{5F7D9763-8081-4EDA-A0C9-D0687C5E86F7}"/>
+              </a:ext>
+            </a:extLst>
+          </p:cNvPr>
+          <p:cNvSpPr/>
+          <p:nvPr/>
+        </p:nvSpPr>
+        <p:spPr>
+          <a:xfrm>
+            <a:off x="4265739" y="484366"/>
+            <a:ext cx="326573" cy="3897086"/>
+          </a:xfrm>
+          <a:prstGeom prst="cube">
+            <a:avLst>
+              <a:gd name="adj" fmla="val 11275"/>
+            </a:avLst>
+          </a:prstGeom>
+        </p:spPr>
+        <p:style>
+          <a:lnRef idx="2">
+            <a:schemeClr val="dk1"/>
+          </a:lnRef>
+          <a:fillRef idx="1">
+            <a:schemeClr val="lt1"/>
+          </a:fillRef>
+          <a:effectRef idx="0">
+            <a:schemeClr val="dk1"/>
+          </a:effectRef>
+          <a:fontRef idx="minor">
+            <a:schemeClr val="dk1"/>
+          </a:fontRef>
+        </p:style>
+        <p:txBody>
+          <a:bodyPr rtlCol="0" anchor="ctr"/>
+          <a:lstStyle/>
+          <a:p>
+            <a:pPr algn="ctr"/>
+            <a:endParaRPr lang="en-US"/>
+          </a:p>
+        </p:txBody>
+      </p:sp>
+      <p:sp>
+        <p:nvSpPr>
+          <p:cNvPr id="15" name="TextBox 14">
+            <a:extLst>
+              <a:ext uri="{FF2B5EF4-FFF2-40B4-BE49-F238E27FC236}">
+                <a16:creationId xmlns:a16="http://schemas.microsoft.com/office/drawing/2014/main" id="{DE6E9A83-6270-4B74-A6BB-AB442A96DAE2}"/>
+              </a:ext>
+            </a:extLst>
+          </p:cNvPr>
+          <p:cNvSpPr txBox="1"/>
+          <p:nvPr/>
+        </p:nvSpPr>
+        <p:spPr>
+          <a:xfrm>
+            <a:off x="3963787" y="-13106"/>
+            <a:ext cx="1010808" cy="369332"/>
+          </a:xfrm>
+          <a:prstGeom prst="rect">
+            <a:avLst/>
+          </a:prstGeom>
+          <a:noFill/>
+        </p:spPr>
+        <p:txBody>
+          <a:bodyPr wrap="square" rtlCol="0">
+            <a:spAutoFit/>
+          </a:bodyPr>
+          <a:lstStyle/>
+          <a:p>
+            <a:pPr algn="ctr"/>
+            <a:r>
+              <a:rPr lang="en-US" dirty="0" err="1"/>
+              <a:t>Concat</a:t>
+            </a:r>
+            <a:endParaRPr lang="en-US" dirty="0"/>
+          </a:p>
+        </p:txBody>
+      </p:sp>
+      <p:sp>
+        <p:nvSpPr>
+          <p:cNvPr id="17" name="Cube 16">
+            <a:extLst>
+              <a:ext uri="{FF2B5EF4-FFF2-40B4-BE49-F238E27FC236}">
+                <a16:creationId xmlns:a16="http://schemas.microsoft.com/office/drawing/2014/main" id="{6F169343-9DDD-46A0-A89E-0DCE5E266F6D}"/>
+              </a:ext>
+            </a:extLst>
+          </p:cNvPr>
+          <p:cNvSpPr/>
+          <p:nvPr/>
+        </p:nvSpPr>
+        <p:spPr>
+          <a:xfrm>
+            <a:off x="8925236" y="2029806"/>
+            <a:ext cx="326573" cy="3897086"/>
+          </a:xfrm>
+          <a:prstGeom prst="cube">
+            <a:avLst>
+              <a:gd name="adj" fmla="val 11275"/>
+            </a:avLst>
+          </a:prstGeom>
+        </p:spPr>
+        <p:style>
+          <a:lnRef idx="2">
+            <a:schemeClr val="dk1"/>
+          </a:lnRef>
+          <a:fillRef idx="1">
+            <a:schemeClr val="lt1"/>
+          </a:fillRef>
+          <a:effectRef idx="0">
+            <a:schemeClr val="dk1"/>
+          </a:effectRef>
+          <a:fontRef idx="minor">
+            <a:schemeClr val="dk1"/>
+          </a:fontRef>
+        </p:style>
+        <p:txBody>
+          <a:bodyPr rtlCol="0" anchor="ctr"/>
+          <a:lstStyle/>
+          <a:p>
+            <a:pPr algn="ctr"/>
+            <a:endParaRPr lang="en-US"/>
+          </a:p>
+        </p:txBody>
+      </p:sp>
+      <p:sp>
+        <p:nvSpPr>
+          <p:cNvPr id="18" name="TextBox 17">
+            <a:extLst>
+              <a:ext uri="{FF2B5EF4-FFF2-40B4-BE49-F238E27FC236}">
+                <a16:creationId xmlns:a16="http://schemas.microsoft.com/office/drawing/2014/main" id="{01F7BFCA-D299-4E35-966E-7A3D14A5A83A}"/>
+              </a:ext>
+            </a:extLst>
+          </p:cNvPr>
+          <p:cNvSpPr txBox="1"/>
+          <p:nvPr/>
+        </p:nvSpPr>
+        <p:spPr>
+          <a:xfrm>
+            <a:off x="8546646" y="1524000"/>
+            <a:ext cx="1046190" cy="375154"/>
+          </a:xfrm>
+          <a:prstGeom prst="rect">
+            <a:avLst/>
+          </a:prstGeom>
+          <a:noFill/>
+        </p:spPr>
+        <p:txBody>
+          <a:bodyPr wrap="square" rtlCol="0">
+            <a:spAutoFit/>
+          </a:bodyPr>
+          <a:lstStyle/>
+          <a:p>
+            <a:pPr algn="ctr"/>
+            <a:r>
+              <a:rPr lang="en-US" dirty="0" err="1"/>
+              <a:t>Concat</a:t>
+            </a:r>
+            <a:endParaRPr lang="en-US" dirty="0"/>
+          </a:p>
+        </p:txBody>
+      </p:sp>
+      <p:sp>
+        <p:nvSpPr>
+          <p:cNvPr id="19" name="Cube 18">
+            <a:extLst>
+              <a:ext uri="{FF2B5EF4-FFF2-40B4-BE49-F238E27FC236}">
+                <a16:creationId xmlns:a16="http://schemas.microsoft.com/office/drawing/2014/main" id="{580D88BB-C22C-4836-BE19-A6227C7BF814}"/>
+              </a:ext>
+            </a:extLst>
+          </p:cNvPr>
+          <p:cNvSpPr/>
+          <p:nvPr/>
+        </p:nvSpPr>
+        <p:spPr>
+          <a:xfrm>
+            <a:off x="9544433" y="2029806"/>
+            <a:ext cx="326573" cy="3897086"/>
+          </a:xfrm>
+          <a:prstGeom prst="cube">
+            <a:avLst>
+              <a:gd name="adj" fmla="val 11275"/>
+            </a:avLst>
+          </a:prstGeom>
+        </p:spPr>
+        <p:style>
+          <a:lnRef idx="2">
+            <a:schemeClr val="dk1"/>
+          </a:lnRef>
+          <a:fillRef idx="1">
+            <a:schemeClr val="lt1"/>
+          </a:fillRef>
+          <a:effectRef idx="0">
+            <a:schemeClr val="dk1"/>
+          </a:effectRef>
+          <a:fontRef idx="minor">
+            <a:schemeClr val="dk1"/>
+          </a:fontRef>
+        </p:style>
+        <p:txBody>
+          <a:bodyPr rtlCol="0" anchor="ctr"/>
+          <a:lstStyle/>
+          <a:p>
+            <a:pPr algn="ctr"/>
+            <a:endParaRPr lang="en-US"/>
+          </a:p>
+        </p:txBody>
+      </p:sp>
+      <p:sp>
+        <p:nvSpPr>
+          <p:cNvPr id="20" name="TextBox 19">
+            <a:extLst>
+              <a:ext uri="{FF2B5EF4-FFF2-40B4-BE49-F238E27FC236}">
+                <a16:creationId xmlns:a16="http://schemas.microsoft.com/office/drawing/2014/main" id="{248DB4C9-CF37-48CE-98EE-BC111D2CDDF0}"/>
+              </a:ext>
+            </a:extLst>
+          </p:cNvPr>
+          <p:cNvSpPr txBox="1"/>
+          <p:nvPr/>
+        </p:nvSpPr>
+        <p:spPr>
+          <a:xfrm>
+            <a:off x="9485955" y="1524000"/>
+            <a:ext cx="653143" cy="374395"/>
+          </a:xfrm>
+          <a:prstGeom prst="rect">
+            <a:avLst/>
+          </a:prstGeom>
+          <a:noFill/>
+        </p:spPr>
+        <p:txBody>
+          <a:bodyPr wrap="square" rtlCol="0">
+            <a:spAutoFit/>
+          </a:bodyPr>
+          <a:lstStyle/>
+          <a:p>
+            <a:r>
+              <a:rPr lang="en-US" dirty="0"/>
+              <a:t>FC</a:t>
+            </a:r>
+          </a:p>
+        </p:txBody>
+      </p:sp>
+      <p:sp>
+        <p:nvSpPr>
+          <p:cNvPr id="21" name="Cube 20">
+            <a:extLst>
+              <a:ext uri="{FF2B5EF4-FFF2-40B4-BE49-F238E27FC236}">
+                <a16:creationId xmlns:a16="http://schemas.microsoft.com/office/drawing/2014/main" id="{CC343430-77BF-424D-A4A7-232F0DC32330}"/>
+              </a:ext>
+            </a:extLst>
+          </p:cNvPr>
+          <p:cNvSpPr/>
+          <p:nvPr/>
+        </p:nvSpPr>
+        <p:spPr>
+          <a:xfrm>
+            <a:off x="10161162" y="2029806"/>
+            <a:ext cx="326573" cy="3897086"/>
+          </a:xfrm>
+          <a:prstGeom prst="cube">
+            <a:avLst>
+              <a:gd name="adj" fmla="val 11275"/>
+            </a:avLst>
+          </a:prstGeom>
+        </p:spPr>
+        <p:style>
+          <a:lnRef idx="2">
+            <a:schemeClr val="dk1"/>
+          </a:lnRef>
+          <a:fillRef idx="1">
+            <a:schemeClr val="lt1"/>
+          </a:fillRef>
+          <a:effectRef idx="0">
+            <a:schemeClr val="dk1"/>
+          </a:effectRef>
+          <a:fontRef idx="minor">
+            <a:schemeClr val="dk1"/>
+          </a:fontRef>
+        </p:style>
+        <p:txBody>
+          <a:bodyPr rtlCol="0" anchor="ctr"/>
+          <a:lstStyle/>
+          <a:p>
+            <a:pPr algn="ctr"/>
+            <a:endParaRPr lang="en-US"/>
+          </a:p>
+        </p:txBody>
+      </p:sp>
+      <p:sp>
+        <p:nvSpPr>
+          <p:cNvPr id="22" name="TextBox 21">
+            <a:extLst>
+              <a:ext uri="{FF2B5EF4-FFF2-40B4-BE49-F238E27FC236}">
+                <a16:creationId xmlns:a16="http://schemas.microsoft.com/office/drawing/2014/main" id="{080D28A0-42E2-4368-8205-6A4288503DD8}"/>
+              </a:ext>
+            </a:extLst>
+          </p:cNvPr>
+          <p:cNvSpPr txBox="1"/>
+          <p:nvPr/>
+        </p:nvSpPr>
+        <p:spPr>
+          <a:xfrm>
+            <a:off x="10102684" y="1524000"/>
+            <a:ext cx="653143" cy="374395"/>
+          </a:xfrm>
+          <a:prstGeom prst="rect">
+            <a:avLst/>
+          </a:prstGeom>
+          <a:noFill/>
+        </p:spPr>
+        <p:txBody>
+          <a:bodyPr wrap="square" rtlCol="0">
+            <a:spAutoFit/>
+          </a:bodyPr>
+          <a:lstStyle/>
+          <a:p>
+            <a:r>
+              <a:rPr lang="en-US" dirty="0"/>
+              <a:t>FC</a:t>
+            </a:r>
+          </a:p>
+        </p:txBody>
+      </p:sp>
+      <p:cxnSp>
+        <p:nvCxnSpPr>
+          <p:cNvPr id="26" name="Straight Arrow Connector 25">
+            <a:extLst>
+              <a:ext uri="{FF2B5EF4-FFF2-40B4-BE49-F238E27FC236}">
+                <a16:creationId xmlns:a16="http://schemas.microsoft.com/office/drawing/2014/main" id="{B93B5BCB-68AA-413D-8F90-B69477C1F0A4}"/>
+              </a:ext>
+            </a:extLst>
+          </p:cNvPr>
+          <p:cNvCxnSpPr>
+            <a:stCxn id="8" idx="5"/>
+            <a:endCxn id="14" idx="2"/>
+          </p:cNvCxnSpPr>
+          <p:nvPr/>
+        </p:nvCxnSpPr>
+        <p:spPr>
+          <a:xfrm>
+            <a:off x="3783971" y="901812"/>
+            <a:ext cx="481768" cy="1549508"/>
+          </a:xfrm>
+          <a:prstGeom prst="straightConnector1">
+            <a:avLst/>
+          </a:prstGeom>
+          <a:ln>
+            <a:tailEnd type="triangle" w="lg" len="lg"/>
+          </a:ln>
+        </p:spPr>
+        <p:style>
+          <a:lnRef idx="1">
+            <a:schemeClr val="dk1"/>
+          </a:lnRef>
+          <a:fillRef idx="0">
+            <a:schemeClr val="dk1"/>
+          </a:fillRef>
+          <a:effectRef idx="0">
+            <a:schemeClr val="dk1"/>
+          </a:effectRef>
+          <a:fontRef idx="minor">
+            <a:schemeClr val="tx1"/>
+          </a:fontRef>
+        </p:style>
+      </p:cxnSp>
+      <p:cxnSp>
+        <p:nvCxnSpPr>
+          <p:cNvPr id="27" name="Straight Arrow Connector 26">
+            <a:extLst>
+              <a:ext uri="{FF2B5EF4-FFF2-40B4-BE49-F238E27FC236}">
+                <a16:creationId xmlns:a16="http://schemas.microsoft.com/office/drawing/2014/main" id="{505724D4-2893-4E40-AEE0-F98E5AE65F4D}"/>
+              </a:ext>
+            </a:extLst>
+          </p:cNvPr>
+          <p:cNvCxnSpPr>
+            <a:cxnSpLocks/>
+          </p:cNvCxnSpPr>
+          <p:nvPr/>
+        </p:nvCxnSpPr>
+        <p:spPr>
+          <a:xfrm>
+            <a:off x="1182586" y="5209558"/>
+            <a:ext cx="6541076" cy="0"/>
+          </a:xfrm>
+          <a:prstGeom prst="straightConnector1">
+            <a:avLst/>
+          </a:prstGeom>
+          <a:ln>
+            <a:tailEnd type="none" w="lg" len="lg"/>
+          </a:ln>
+        </p:spPr>
+        <p:style>
+          <a:lnRef idx="1">
+            <a:schemeClr val="dk1"/>
+          </a:lnRef>
+          <a:fillRef idx="0">
+            <a:schemeClr val="dk1"/>
+          </a:fillRef>
+          <a:effectRef idx="0">
+            <a:schemeClr val="dk1"/>
+          </a:effectRef>
+          <a:fontRef idx="minor">
+            <a:schemeClr val="tx1"/>
+          </a:fontRef>
+        </p:style>
+      </p:cxnSp>
+      <p:cxnSp>
+        <p:nvCxnSpPr>
+          <p:cNvPr id="28" name="Straight Arrow Connector 27">
+            <a:extLst>
+              <a:ext uri="{FF2B5EF4-FFF2-40B4-BE49-F238E27FC236}">
+                <a16:creationId xmlns:a16="http://schemas.microsoft.com/office/drawing/2014/main" id="{C57C984A-4B95-4C1A-8A9E-B3EF3F1293E8}"/>
+              </a:ext>
+            </a:extLst>
+          </p:cNvPr>
+          <p:cNvCxnSpPr>
+            <a:cxnSpLocks/>
+            <a:stCxn id="9" idx="5"/>
+            <a:endCxn id="14" idx="2"/>
+          </p:cNvCxnSpPr>
+          <p:nvPr/>
+        </p:nvCxnSpPr>
+        <p:spPr>
+          <a:xfrm>
+            <a:off x="3783971" y="2430875"/>
+            <a:ext cx="481768" cy="20445"/>
+          </a:xfrm>
+          <a:prstGeom prst="straightConnector1">
+            <a:avLst/>
+          </a:prstGeom>
+          <a:ln>
+            <a:tailEnd type="triangle" w="lg" len="lg"/>
+          </a:ln>
+        </p:spPr>
+        <p:style>
+          <a:lnRef idx="1">
+            <a:schemeClr val="dk1"/>
+          </a:lnRef>
+          <a:fillRef idx="0">
+            <a:schemeClr val="dk1"/>
+          </a:fillRef>
+          <a:effectRef idx="0">
+            <a:schemeClr val="dk1"/>
+          </a:effectRef>
+          <a:fontRef idx="minor">
+            <a:schemeClr val="tx1"/>
+          </a:fontRef>
+        </p:style>
+      </p:cxnSp>
+      <p:cxnSp>
+        <p:nvCxnSpPr>
+          <p:cNvPr id="31" name="Straight Arrow Connector 30">
+            <a:extLst>
+              <a:ext uri="{FF2B5EF4-FFF2-40B4-BE49-F238E27FC236}">
+                <a16:creationId xmlns:a16="http://schemas.microsoft.com/office/drawing/2014/main" id="{B2673953-437F-4915-9E06-2D46C2B6F41E}"/>
+              </a:ext>
+            </a:extLst>
+          </p:cNvPr>
+          <p:cNvCxnSpPr>
+            <a:cxnSpLocks/>
+            <a:stCxn id="10" idx="5"/>
+            <a:endCxn id="14" idx="2"/>
+          </p:cNvCxnSpPr>
+          <p:nvPr/>
+        </p:nvCxnSpPr>
+        <p:spPr>
+          <a:xfrm flipV="1">
+            <a:off x="3774601" y="2451320"/>
+            <a:ext cx="491138" cy="1508618"/>
+          </a:xfrm>
+          <a:prstGeom prst="straightConnector1">
+            <a:avLst/>
+          </a:prstGeom>
+          <a:ln>
+            <a:tailEnd type="triangle" w="lg" len="lg"/>
+          </a:ln>
+        </p:spPr>
+        <p:style>
+          <a:lnRef idx="1">
+            <a:schemeClr val="dk1"/>
+          </a:lnRef>
+          <a:fillRef idx="0">
+            <a:schemeClr val="dk1"/>
+          </a:fillRef>
+          <a:effectRef idx="0">
+            <a:schemeClr val="dk1"/>
+          </a:effectRef>
+          <a:fontRef idx="minor">
+            <a:schemeClr val="tx1"/>
+          </a:fontRef>
+        </p:style>
+      </p:cxnSp>
+      <p:cxnSp>
+        <p:nvCxnSpPr>
+          <p:cNvPr id="34" name="Straight Arrow Connector 33">
+            <a:extLst>
+              <a:ext uri="{FF2B5EF4-FFF2-40B4-BE49-F238E27FC236}">
+                <a16:creationId xmlns:a16="http://schemas.microsoft.com/office/drawing/2014/main" id="{F14E8B37-08B5-40ED-88D8-11A82749FCD5}"/>
+              </a:ext>
+            </a:extLst>
+          </p:cNvPr>
+          <p:cNvCxnSpPr>
+            <a:cxnSpLocks/>
+            <a:endCxn id="46" idx="2"/>
+          </p:cNvCxnSpPr>
+          <p:nvPr/>
+        </p:nvCxnSpPr>
+        <p:spPr>
+          <a:xfrm>
+            <a:off x="4572503" y="2446579"/>
+            <a:ext cx="501378" cy="0"/>
+          </a:xfrm>
+          <a:prstGeom prst="straightConnector1">
+            <a:avLst/>
+          </a:prstGeom>
+          <a:ln>
+            <a:tailEnd type="triangle" w="lg" len="lg"/>
+          </a:ln>
+        </p:spPr>
+        <p:style>
+          <a:lnRef idx="1">
+            <a:schemeClr val="dk1"/>
+          </a:lnRef>
+          <a:fillRef idx="0">
+            <a:schemeClr val="dk1"/>
+          </a:fillRef>
+          <a:effectRef idx="0">
+            <a:schemeClr val="dk1"/>
+          </a:effectRef>
+          <a:fontRef idx="minor">
+            <a:schemeClr val="tx1"/>
+          </a:fontRef>
+        </p:style>
+      </p:cxnSp>
+      <p:cxnSp>
+        <p:nvCxnSpPr>
+          <p:cNvPr id="37" name="Straight Arrow Connector 36">
+            <a:extLst>
+              <a:ext uri="{FF2B5EF4-FFF2-40B4-BE49-F238E27FC236}">
+                <a16:creationId xmlns:a16="http://schemas.microsoft.com/office/drawing/2014/main" id="{E556650E-EA88-4FF2-A795-50F7FA100FA4}"/>
+              </a:ext>
+            </a:extLst>
+          </p:cNvPr>
+          <p:cNvCxnSpPr>
+            <a:cxnSpLocks/>
+            <a:endCxn id="8" idx="2"/>
+          </p:cNvCxnSpPr>
+          <p:nvPr/>
+        </p:nvCxnSpPr>
+        <p:spPr>
+          <a:xfrm flipV="1">
+            <a:off x="2800524" y="938633"/>
+            <a:ext cx="656875" cy="0"/>
+          </a:xfrm>
+          <a:prstGeom prst="straightConnector1">
+            <a:avLst/>
+          </a:prstGeom>
+          <a:ln>
+            <a:tailEnd type="triangle" w="lg" len="lg"/>
+          </a:ln>
+        </p:spPr>
+        <p:style>
+          <a:lnRef idx="1">
+            <a:schemeClr val="dk1"/>
+          </a:lnRef>
+          <a:fillRef idx="0">
+            <a:schemeClr val="dk1"/>
+          </a:fillRef>
+          <a:effectRef idx="0">
+            <a:schemeClr val="dk1"/>
+          </a:effectRef>
+          <a:fontRef idx="minor">
+            <a:schemeClr val="tx1"/>
+          </a:fontRef>
+        </p:style>
+      </p:cxnSp>
+      <p:cxnSp>
+        <p:nvCxnSpPr>
+          <p:cNvPr id="40" name="Straight Arrow Connector 39">
+            <a:extLst>
+              <a:ext uri="{FF2B5EF4-FFF2-40B4-BE49-F238E27FC236}">
+                <a16:creationId xmlns:a16="http://schemas.microsoft.com/office/drawing/2014/main" id="{D854C067-5833-4D39-86F7-2FE52AA80244}"/>
+              </a:ext>
+            </a:extLst>
+          </p:cNvPr>
+          <p:cNvCxnSpPr>
+            <a:cxnSpLocks/>
+            <a:stCxn id="38" idx="4"/>
+            <a:endCxn id="9" idx="2"/>
+          </p:cNvCxnSpPr>
+          <p:nvPr/>
+        </p:nvCxnSpPr>
+        <p:spPr>
+          <a:xfrm>
+            <a:off x="2767834" y="2460301"/>
+            <a:ext cx="689565" cy="7395"/>
+          </a:xfrm>
+          <a:prstGeom prst="straightConnector1">
+            <a:avLst/>
+          </a:prstGeom>
+          <a:ln>
+            <a:tailEnd type="triangle" w="lg" len="lg"/>
+          </a:ln>
+        </p:spPr>
+        <p:style>
+          <a:lnRef idx="1">
+            <a:schemeClr val="dk1"/>
+          </a:lnRef>
+          <a:fillRef idx="0">
+            <a:schemeClr val="dk1"/>
+          </a:fillRef>
+          <a:effectRef idx="0">
+            <a:schemeClr val="dk1"/>
+          </a:effectRef>
+          <a:fontRef idx="minor">
+            <a:schemeClr val="tx1"/>
+          </a:fontRef>
+        </p:style>
+      </p:cxnSp>
+      <p:cxnSp>
+        <p:nvCxnSpPr>
+          <p:cNvPr id="42" name="Straight Arrow Connector 41">
+            <a:extLst>
+              <a:ext uri="{FF2B5EF4-FFF2-40B4-BE49-F238E27FC236}">
+                <a16:creationId xmlns:a16="http://schemas.microsoft.com/office/drawing/2014/main" id="{7EFDF588-6FBA-4BA4-B9F6-585E3F87A4E8}"/>
+              </a:ext>
+            </a:extLst>
+          </p:cNvPr>
+          <p:cNvCxnSpPr>
+            <a:cxnSpLocks/>
+            <a:endCxn id="10" idx="2"/>
+          </p:cNvCxnSpPr>
+          <p:nvPr/>
+        </p:nvCxnSpPr>
+        <p:spPr>
+          <a:xfrm flipV="1">
+            <a:off x="2767834" y="3996759"/>
+            <a:ext cx="680195" cy="0"/>
+          </a:xfrm>
+          <a:prstGeom prst="straightConnector1">
+            <a:avLst/>
+          </a:prstGeom>
+          <a:ln>
+            <a:tailEnd type="triangle" w="lg" len="lg"/>
+          </a:ln>
+        </p:spPr>
+        <p:style>
+          <a:lnRef idx="1">
+            <a:schemeClr val="dk1"/>
+          </a:lnRef>
+          <a:fillRef idx="0">
+            <a:schemeClr val="dk1"/>
+          </a:fillRef>
+          <a:effectRef idx="0">
+            <a:schemeClr val="dk1"/>
+          </a:effectRef>
+          <a:fontRef idx="minor">
+            <a:schemeClr val="tx1"/>
+          </a:fontRef>
+        </p:style>
+      </p:cxnSp>
+      <p:cxnSp>
+        <p:nvCxnSpPr>
+          <p:cNvPr id="44" name="Straight Arrow Connector 43">
+            <a:extLst>
+              <a:ext uri="{FF2B5EF4-FFF2-40B4-BE49-F238E27FC236}">
+                <a16:creationId xmlns:a16="http://schemas.microsoft.com/office/drawing/2014/main" id="{BA3CB466-AB3D-4573-A73B-A9FC1DE8FC02}"/>
+              </a:ext>
+            </a:extLst>
+          </p:cNvPr>
+          <p:cNvCxnSpPr>
+            <a:cxnSpLocks/>
+            <a:stCxn id="56" idx="4"/>
+            <a:endCxn id="17" idx="2"/>
+          </p:cNvCxnSpPr>
+          <p:nvPr/>
+        </p:nvCxnSpPr>
+        <p:spPr>
+          <a:xfrm>
+            <a:off x="8191956" y="2460301"/>
+            <a:ext cx="733280" cy="1536459"/>
+          </a:xfrm>
+          <a:prstGeom prst="straightConnector1">
+            <a:avLst/>
+          </a:prstGeom>
+          <a:ln>
+            <a:tailEnd type="triangle" w="lg" len="lg"/>
+          </a:ln>
+        </p:spPr>
+        <p:style>
+          <a:lnRef idx="1">
+            <a:schemeClr val="dk1"/>
+          </a:lnRef>
+          <a:fillRef idx="0">
+            <a:schemeClr val="dk1"/>
+          </a:fillRef>
+          <a:effectRef idx="0">
+            <a:schemeClr val="dk1"/>
+          </a:effectRef>
+          <a:fontRef idx="minor">
+            <a:schemeClr val="tx1"/>
+          </a:fontRef>
+        </p:style>
+      </p:cxnSp>
+      <p:cxnSp>
+        <p:nvCxnSpPr>
+          <p:cNvPr id="47" name="Straight Arrow Connector 46">
+            <a:extLst>
+              <a:ext uri="{FF2B5EF4-FFF2-40B4-BE49-F238E27FC236}">
+                <a16:creationId xmlns:a16="http://schemas.microsoft.com/office/drawing/2014/main" id="{59F7B8A3-27C1-4A8D-919E-3E5F165AD15B}"/>
+              </a:ext>
+            </a:extLst>
+          </p:cNvPr>
+          <p:cNvCxnSpPr>
+            <a:cxnSpLocks/>
+            <a:stCxn id="17" idx="4"/>
+            <a:endCxn id="19" idx="2"/>
+          </p:cNvCxnSpPr>
+          <p:nvPr/>
+        </p:nvCxnSpPr>
+        <p:spPr>
+          <a:xfrm>
+            <a:off x="9214988" y="3996760"/>
+            <a:ext cx="329445" cy="0"/>
+          </a:xfrm>
+          <a:prstGeom prst="straightConnector1">
+            <a:avLst/>
+          </a:prstGeom>
+          <a:ln>
+            <a:tailEnd type="triangle" w="lg" len="lg"/>
+          </a:ln>
+        </p:spPr>
+        <p:style>
+          <a:lnRef idx="1">
+            <a:schemeClr val="dk1"/>
+          </a:lnRef>
+          <a:fillRef idx="0">
+            <a:schemeClr val="dk1"/>
+          </a:fillRef>
+          <a:effectRef idx="0">
+            <a:schemeClr val="dk1"/>
+          </a:effectRef>
+          <a:fontRef idx="minor">
+            <a:schemeClr val="tx1"/>
+          </a:fontRef>
+        </p:style>
+      </p:cxnSp>
+      <p:cxnSp>
+        <p:nvCxnSpPr>
+          <p:cNvPr id="51" name="Straight Arrow Connector 50">
+            <a:extLst>
+              <a:ext uri="{FF2B5EF4-FFF2-40B4-BE49-F238E27FC236}">
+                <a16:creationId xmlns:a16="http://schemas.microsoft.com/office/drawing/2014/main" id="{DA50D93A-D2E3-4B22-9DF1-5976C6ED339F}"/>
+              </a:ext>
+            </a:extLst>
+          </p:cNvPr>
+          <p:cNvCxnSpPr>
+            <a:cxnSpLocks/>
+            <a:stCxn id="19" idx="4"/>
+            <a:endCxn id="21" idx="2"/>
+          </p:cNvCxnSpPr>
+          <p:nvPr/>
+        </p:nvCxnSpPr>
+        <p:spPr>
+          <a:xfrm>
+            <a:off x="9834185" y="3996760"/>
+            <a:ext cx="326977" cy="0"/>
+          </a:xfrm>
+          <a:prstGeom prst="straightConnector1">
+            <a:avLst/>
+          </a:prstGeom>
+          <a:ln>
+            <a:tailEnd type="triangle" w="lg" len="lg"/>
+          </a:ln>
+        </p:spPr>
+        <p:style>
+          <a:lnRef idx="1">
+            <a:schemeClr val="dk1"/>
+          </a:lnRef>
+          <a:fillRef idx="0">
+            <a:schemeClr val="dk1"/>
+          </a:fillRef>
+          <a:effectRef idx="0">
+            <a:schemeClr val="dk1"/>
+          </a:effectRef>
+          <a:fontRef idx="minor">
+            <a:schemeClr val="tx1"/>
+          </a:fontRef>
+        </p:style>
+      </p:cxnSp>
+      <p:sp>
+        <p:nvSpPr>
+          <p:cNvPr id="55" name="TextBox 54">
+            <a:extLst>
+              <a:ext uri="{FF2B5EF4-FFF2-40B4-BE49-F238E27FC236}">
+                <a16:creationId xmlns:a16="http://schemas.microsoft.com/office/drawing/2014/main" id="{26E38080-BAB5-4AEA-B17A-619F1A4C7E3C}"/>
+              </a:ext>
+            </a:extLst>
+          </p:cNvPr>
+          <p:cNvSpPr txBox="1"/>
+          <p:nvPr/>
+        </p:nvSpPr>
+        <p:spPr>
+          <a:xfrm>
+            <a:off x="0" y="5024892"/>
+            <a:ext cx="1334972" cy="369332"/>
+          </a:xfrm>
+          <a:prstGeom prst="rect">
+            <a:avLst/>
+          </a:prstGeom>
+          <a:noFill/>
+        </p:spPr>
+        <p:txBody>
+          <a:bodyPr wrap="square" rtlCol="0">
+            <a:spAutoFit/>
+          </a:bodyPr>
+          <a:lstStyle/>
+          <a:p>
+            <a:pPr algn="ctr"/>
+            <a:r>
+              <a:rPr lang="en-US" dirty="0"/>
+              <a:t>Z-Value</a:t>
+            </a:r>
+          </a:p>
+        </p:txBody>
+      </p:sp>
+      <p:cxnSp>
+        <p:nvCxnSpPr>
+          <p:cNvPr id="60" name="Straight Arrow Connector 59">
+            <a:extLst>
+              <a:ext uri="{FF2B5EF4-FFF2-40B4-BE49-F238E27FC236}">
+                <a16:creationId xmlns:a16="http://schemas.microsoft.com/office/drawing/2014/main" id="{0A4D6289-2A5E-46D8-A7E5-1A1DD992DF48}"/>
+              </a:ext>
+            </a:extLst>
+          </p:cNvPr>
+          <p:cNvCxnSpPr>
+            <a:cxnSpLocks/>
+            <a:endCxn id="17" idx="2"/>
+          </p:cNvCxnSpPr>
+          <p:nvPr/>
+        </p:nvCxnSpPr>
+        <p:spPr>
+          <a:xfrm flipV="1">
+            <a:off x="7723662" y="3996760"/>
+            <a:ext cx="1201574" cy="1212798"/>
+          </a:xfrm>
+          <a:prstGeom prst="straightConnector1">
+            <a:avLst/>
+          </a:prstGeom>
+          <a:ln>
+            <a:tailEnd type="triangle" w="lg" len="lg"/>
+          </a:ln>
+        </p:spPr>
+        <p:style>
+          <a:lnRef idx="1">
+            <a:schemeClr val="dk1"/>
+          </a:lnRef>
+          <a:fillRef idx="0">
+            <a:schemeClr val="dk1"/>
+          </a:fillRef>
+          <a:effectRef idx="0">
+            <a:schemeClr val="dk1"/>
+          </a:effectRef>
+          <a:fontRef idx="minor">
+            <a:schemeClr val="tx1"/>
+          </a:fontRef>
+        </p:style>
+      </p:cxnSp>
+      <p:sp>
+        <p:nvSpPr>
+          <p:cNvPr id="64" name="TextBox 63">
+            <a:extLst>
+              <a:ext uri="{FF2B5EF4-FFF2-40B4-BE49-F238E27FC236}">
+                <a16:creationId xmlns:a16="http://schemas.microsoft.com/office/drawing/2014/main" id="{A78FDA8A-116E-4A76-865B-769006AC892F}"/>
+              </a:ext>
+            </a:extLst>
+          </p:cNvPr>
+          <p:cNvSpPr txBox="1"/>
+          <p:nvPr/>
+        </p:nvSpPr>
+        <p:spPr>
+          <a:xfrm>
+            <a:off x="19010" y="1155036"/>
+            <a:ext cx="1454029" cy="369332"/>
+          </a:xfrm>
+          <a:prstGeom prst="rect">
+            <a:avLst/>
+          </a:prstGeom>
+          <a:noFill/>
+        </p:spPr>
+        <p:txBody>
+          <a:bodyPr wrap="square" rtlCol="0">
+            <a:spAutoFit/>
+          </a:bodyPr>
+          <a:lstStyle/>
+          <a:p>
+            <a:pPr algn="ctr"/>
+            <a:r>
+              <a:rPr lang="en-US" dirty="0"/>
+              <a:t>Depth Image</a:t>
+            </a:r>
+          </a:p>
+        </p:txBody>
+      </p:sp>
+      <p:pic>
+        <p:nvPicPr>
+          <p:cNvPr id="3" name="Picture 2">
+            <a:extLst>
+              <a:ext uri="{FF2B5EF4-FFF2-40B4-BE49-F238E27FC236}">
+                <a16:creationId xmlns:a16="http://schemas.microsoft.com/office/drawing/2014/main" id="{0C500444-ACE4-4C06-994C-A16DBDF17D66}"/>
+              </a:ext>
+            </a:extLst>
+          </p:cNvPr>
+          <p:cNvPicPr>
+            <a:picLocks noChangeAspect="1"/>
+          </p:cNvPicPr>
+          <p:nvPr/>
+        </p:nvPicPr>
+        <p:blipFill>
+          <a:blip r:embed="rId3">
+            <a:extLst>
+              <a:ext uri="{28A0092B-C50C-407E-A947-70E740481C1C}">
+                <a14:useLocalDpi xmlns:a14="http://schemas.microsoft.com/office/drawing/2010/main" val="0"/>
+              </a:ext>
+            </a:extLst>
+          </a:blip>
+          <a:stretch>
+            <a:fillRect/>
+          </a:stretch>
+        </p:blipFill>
+        <p:spPr>
+          <a:xfrm flipH="1">
+            <a:off x="65369" y="1737823"/>
+            <a:ext cx="1218893" cy="926618"/>
+          </a:xfrm>
+          <a:prstGeom prst="rect">
+            <a:avLst/>
+          </a:prstGeom>
+        </p:spPr>
+      </p:pic>
+      <p:cxnSp>
+        <p:nvCxnSpPr>
+          <p:cNvPr id="36" name="Straight Arrow Connector 35">
+            <a:extLst>
+              <a:ext uri="{FF2B5EF4-FFF2-40B4-BE49-F238E27FC236}">
+                <a16:creationId xmlns:a16="http://schemas.microsoft.com/office/drawing/2014/main" id="{FCCC8F6A-2904-4F30-9D17-3B0B5BB736FA}"/>
+              </a:ext>
+            </a:extLst>
+          </p:cNvPr>
+          <p:cNvCxnSpPr>
+            <a:cxnSpLocks/>
+          </p:cNvCxnSpPr>
+          <p:nvPr/>
+        </p:nvCxnSpPr>
+        <p:spPr>
+          <a:xfrm flipV="1">
+            <a:off x="1221342" y="2323812"/>
+            <a:ext cx="420414" cy="0"/>
+          </a:xfrm>
+          <a:prstGeom prst="straightConnector1">
+            <a:avLst/>
+          </a:prstGeom>
+          <a:ln>
+            <a:tailEnd type="triangle" w="lg" len="lg"/>
+          </a:ln>
+        </p:spPr>
+        <p:style>
+          <a:lnRef idx="1">
+            <a:schemeClr val="dk1"/>
+          </a:lnRef>
+          <a:fillRef idx="0">
+            <a:schemeClr val="dk1"/>
+          </a:fillRef>
+          <a:effectRef idx="0">
+            <a:schemeClr val="dk1"/>
+          </a:effectRef>
+          <a:fontRef idx="minor">
+            <a:schemeClr val="tx1"/>
+          </a:fontRef>
+        </p:style>
+      </p:cxnSp>
+      <p:cxnSp>
+        <p:nvCxnSpPr>
+          <p:cNvPr id="39" name="Straight Arrow Connector 38">
+            <a:extLst>
+              <a:ext uri="{FF2B5EF4-FFF2-40B4-BE49-F238E27FC236}">
+                <a16:creationId xmlns:a16="http://schemas.microsoft.com/office/drawing/2014/main" id="{45D07F38-B835-4BD9-8B14-CC650A74A1CC}"/>
+              </a:ext>
+            </a:extLst>
+          </p:cNvPr>
+          <p:cNvCxnSpPr>
+            <a:cxnSpLocks/>
+            <a:endCxn id="41" idx="1"/>
+          </p:cNvCxnSpPr>
+          <p:nvPr/>
+        </p:nvCxnSpPr>
+        <p:spPr>
+          <a:xfrm>
+            <a:off x="10487735" y="3996759"/>
+            <a:ext cx="749206" cy="0"/>
+          </a:xfrm>
+          <a:prstGeom prst="straightConnector1">
+            <a:avLst/>
+          </a:prstGeom>
+          <a:ln>
+            <a:tailEnd type="triangle" w="lg" len="lg"/>
+          </a:ln>
+        </p:spPr>
+        <p:style>
+          <a:lnRef idx="1">
+            <a:schemeClr val="dk1"/>
+          </a:lnRef>
+          <a:fillRef idx="0">
+            <a:schemeClr val="dk1"/>
+          </a:fillRef>
+          <a:effectRef idx="0">
+            <a:schemeClr val="dk1"/>
+          </a:effectRef>
+          <a:fontRef idx="minor">
+            <a:schemeClr val="tx1"/>
+          </a:fontRef>
+        </p:style>
+      </p:cxnSp>
+      <p:sp>
+        <p:nvSpPr>
+          <p:cNvPr id="41" name="TextBox 40">
+            <a:extLst>
+              <a:ext uri="{FF2B5EF4-FFF2-40B4-BE49-F238E27FC236}">
+                <a16:creationId xmlns:a16="http://schemas.microsoft.com/office/drawing/2014/main" id="{4B7B7306-BD54-4E0B-AD6E-0332F7F3219C}"/>
+              </a:ext>
+            </a:extLst>
+          </p:cNvPr>
+          <p:cNvSpPr txBox="1"/>
+          <p:nvPr/>
+        </p:nvSpPr>
+        <p:spPr>
+          <a:xfrm>
+            <a:off x="11236941" y="3812093"/>
+            <a:ext cx="992280" cy="369332"/>
+          </a:xfrm>
+          <a:prstGeom prst="rect">
+            <a:avLst/>
+          </a:prstGeom>
+          <a:noFill/>
+        </p:spPr>
+        <p:txBody>
+          <a:bodyPr wrap="square" rtlCol="0">
+            <a:spAutoFit/>
+          </a:bodyPr>
+          <a:lstStyle/>
+          <a:p>
+            <a:pPr algn="ctr"/>
+            <a:r>
+              <a:rPr lang="en-US" dirty="0"/>
+              <a:t>Output</a:t>
+            </a:r>
+          </a:p>
+        </p:txBody>
+      </p:sp>
+      <p:sp>
+        <p:nvSpPr>
+          <p:cNvPr id="38" name="Cube 37">
+            <a:extLst>
+              <a:ext uri="{FF2B5EF4-FFF2-40B4-BE49-F238E27FC236}">
+                <a16:creationId xmlns:a16="http://schemas.microsoft.com/office/drawing/2014/main" id="{D987C389-C7D0-4599-BAA3-ED05D85E62E6}"/>
+              </a:ext>
+            </a:extLst>
+          </p:cNvPr>
+          <p:cNvSpPr/>
+          <p:nvPr/>
+        </p:nvSpPr>
+        <p:spPr>
+          <a:xfrm>
+            <a:off x="2336721" y="484366"/>
+            <a:ext cx="485898" cy="3897086"/>
+          </a:xfrm>
+          <a:prstGeom prst="cube">
+            <a:avLst>
+              <a:gd name="adj" fmla="val 11275"/>
+            </a:avLst>
+          </a:prstGeom>
+        </p:spPr>
+        <p:style>
+          <a:lnRef idx="2">
+            <a:schemeClr val="dk1"/>
+          </a:lnRef>
+          <a:fillRef idx="1">
+            <a:schemeClr val="lt1"/>
+          </a:fillRef>
+          <a:effectRef idx="0">
+            <a:schemeClr val="dk1"/>
+          </a:effectRef>
+          <a:fontRef idx="minor">
+            <a:schemeClr val="dk1"/>
+          </a:fontRef>
+        </p:style>
+        <p:txBody>
+          <a:bodyPr rtlCol="0" anchor="ctr"/>
+          <a:lstStyle/>
+          <a:p>
+            <a:pPr algn="ctr"/>
+            <a:endParaRPr lang="en-US"/>
+          </a:p>
+        </p:txBody>
+      </p:sp>
+      <p:sp>
+        <p:nvSpPr>
+          <p:cNvPr id="43" name="TextBox 42">
+            <a:extLst>
+              <a:ext uri="{FF2B5EF4-FFF2-40B4-BE49-F238E27FC236}">
+                <a16:creationId xmlns:a16="http://schemas.microsoft.com/office/drawing/2014/main" id="{ED7FB938-DD9F-40B4-A98F-05B1D83C9F7A}"/>
+              </a:ext>
+            </a:extLst>
+          </p:cNvPr>
+          <p:cNvSpPr txBox="1"/>
+          <p:nvPr/>
+        </p:nvSpPr>
+        <p:spPr>
+          <a:xfrm>
+            <a:off x="2253098" y="-13106"/>
+            <a:ext cx="653143" cy="369332"/>
+          </a:xfrm>
+          <a:prstGeom prst="rect">
+            <a:avLst/>
+          </a:prstGeom>
+          <a:noFill/>
+        </p:spPr>
+        <p:txBody>
+          <a:bodyPr wrap="square" rtlCol="0">
+            <a:spAutoFit/>
+          </a:bodyPr>
+          <a:lstStyle/>
+          <a:p>
+            <a:pPr algn="ctr"/>
+            <a:r>
+              <a:rPr lang="en-US" dirty="0"/>
+              <a:t>BN</a:t>
+            </a:r>
+          </a:p>
+        </p:txBody>
+      </p:sp>
+      <p:cxnSp>
+        <p:nvCxnSpPr>
+          <p:cNvPr id="45" name="Straight Arrow Connector 44">
+            <a:extLst>
+              <a:ext uri="{FF2B5EF4-FFF2-40B4-BE49-F238E27FC236}">
+                <a16:creationId xmlns:a16="http://schemas.microsoft.com/office/drawing/2014/main" id="{490A470A-51AE-472F-972E-DD8D1C7683C5}"/>
+              </a:ext>
+            </a:extLst>
+          </p:cNvPr>
+          <p:cNvCxnSpPr>
+            <a:cxnSpLocks/>
+          </p:cNvCxnSpPr>
+          <p:nvPr/>
+        </p:nvCxnSpPr>
+        <p:spPr>
+          <a:xfrm>
+            <a:off x="2105303" y="2323812"/>
+            <a:ext cx="231418" cy="0"/>
+          </a:xfrm>
+          <a:prstGeom prst="straightConnector1">
+            <a:avLst/>
+          </a:prstGeom>
+          <a:ln>
+            <a:tailEnd type="triangle" w="lg" len="lg"/>
+          </a:ln>
+        </p:spPr>
+        <p:style>
+          <a:lnRef idx="1">
+            <a:schemeClr val="dk1"/>
+          </a:lnRef>
+          <a:fillRef idx="0">
+            <a:schemeClr val="dk1"/>
+          </a:fillRef>
+          <a:effectRef idx="0">
+            <a:schemeClr val="dk1"/>
+          </a:effectRef>
+          <a:fontRef idx="minor">
+            <a:schemeClr val="tx1"/>
+          </a:fontRef>
+        </p:style>
+      </p:cxnSp>
+      <p:sp>
+        <p:nvSpPr>
+          <p:cNvPr id="46" name="Cube 45">
+            <a:extLst>
+              <a:ext uri="{FF2B5EF4-FFF2-40B4-BE49-F238E27FC236}">
+                <a16:creationId xmlns:a16="http://schemas.microsoft.com/office/drawing/2014/main" id="{8DF446A4-B3A4-46F7-A8D7-D25EDCDFF255}"/>
+              </a:ext>
+            </a:extLst>
+          </p:cNvPr>
+          <p:cNvSpPr/>
+          <p:nvPr/>
+        </p:nvSpPr>
+        <p:spPr>
+          <a:xfrm>
+            <a:off x="5073881" y="484366"/>
+            <a:ext cx="485898" cy="3897086"/>
+          </a:xfrm>
+          <a:prstGeom prst="cube">
+            <a:avLst>
+              <a:gd name="adj" fmla="val 11275"/>
+            </a:avLst>
+          </a:prstGeom>
+        </p:spPr>
+        <p:style>
+          <a:lnRef idx="2">
+            <a:schemeClr val="dk1"/>
+          </a:lnRef>
+          <a:fillRef idx="1">
+            <a:schemeClr val="lt1"/>
+          </a:fillRef>
+          <a:effectRef idx="0">
+            <a:schemeClr val="dk1"/>
+          </a:effectRef>
+          <a:fontRef idx="minor">
+            <a:schemeClr val="dk1"/>
+          </a:fontRef>
+        </p:style>
+        <p:txBody>
+          <a:bodyPr rtlCol="0" anchor="ctr"/>
+          <a:lstStyle/>
+          <a:p>
+            <a:pPr algn="ctr"/>
+            <a:endParaRPr lang="en-US"/>
+          </a:p>
+        </p:txBody>
+      </p:sp>
+      <p:sp>
+        <p:nvSpPr>
+          <p:cNvPr id="48" name="Cube 47">
+            <a:extLst>
+              <a:ext uri="{FF2B5EF4-FFF2-40B4-BE49-F238E27FC236}">
+                <a16:creationId xmlns:a16="http://schemas.microsoft.com/office/drawing/2014/main" id="{9B239FBF-FA66-4E8C-9E9B-9D27C4CB6E5B}"/>
+              </a:ext>
+            </a:extLst>
+          </p:cNvPr>
+          <p:cNvSpPr/>
+          <p:nvPr/>
+        </p:nvSpPr>
+        <p:spPr>
+          <a:xfrm>
+            <a:off x="5861905" y="484366"/>
+            <a:ext cx="485898" cy="3897086"/>
+          </a:xfrm>
+          <a:prstGeom prst="cube">
+            <a:avLst>
+              <a:gd name="adj" fmla="val 11275"/>
+            </a:avLst>
+          </a:prstGeom>
+        </p:spPr>
+        <p:style>
+          <a:lnRef idx="2">
+            <a:schemeClr val="dk1"/>
+          </a:lnRef>
+          <a:fillRef idx="1">
+            <a:schemeClr val="lt1"/>
+          </a:fillRef>
+          <a:effectRef idx="0">
+            <a:schemeClr val="dk1"/>
+          </a:effectRef>
+          <a:fontRef idx="minor">
+            <a:schemeClr val="dk1"/>
+          </a:fontRef>
+        </p:style>
+        <p:txBody>
+          <a:bodyPr rtlCol="0" anchor="ctr"/>
+          <a:lstStyle/>
+          <a:p>
+            <a:pPr algn="ctr"/>
+            <a:endParaRPr lang="en-US"/>
+          </a:p>
+        </p:txBody>
+      </p:sp>
+      <p:sp>
+        <p:nvSpPr>
+          <p:cNvPr id="49" name="TextBox 48">
+            <a:extLst>
+              <a:ext uri="{FF2B5EF4-FFF2-40B4-BE49-F238E27FC236}">
+                <a16:creationId xmlns:a16="http://schemas.microsoft.com/office/drawing/2014/main" id="{D9669C64-7B4F-41BB-8C1D-7DD1BB06D2C8}"/>
+              </a:ext>
+            </a:extLst>
+          </p:cNvPr>
+          <p:cNvSpPr txBox="1"/>
+          <p:nvPr/>
+        </p:nvSpPr>
+        <p:spPr>
+          <a:xfrm>
+            <a:off x="5778282" y="-13106"/>
+            <a:ext cx="653143" cy="369332"/>
+          </a:xfrm>
+          <a:prstGeom prst="rect">
+            <a:avLst/>
+          </a:prstGeom>
+          <a:noFill/>
+        </p:spPr>
+        <p:txBody>
+          <a:bodyPr wrap="square" rtlCol="0">
+            <a:spAutoFit/>
+          </a:bodyPr>
+          <a:lstStyle/>
+          <a:p>
+            <a:pPr algn="ctr"/>
+            <a:r>
+              <a:rPr lang="en-US" dirty="0"/>
+              <a:t>BN</a:t>
+            </a:r>
+          </a:p>
+        </p:txBody>
+      </p:sp>
+      <p:cxnSp>
+        <p:nvCxnSpPr>
+          <p:cNvPr id="50" name="Straight Arrow Connector 49">
+            <a:extLst>
+              <a:ext uri="{FF2B5EF4-FFF2-40B4-BE49-F238E27FC236}">
+                <a16:creationId xmlns:a16="http://schemas.microsoft.com/office/drawing/2014/main" id="{082C55EE-AD43-49B4-8DAF-ACD97C68A824}"/>
+              </a:ext>
+            </a:extLst>
+          </p:cNvPr>
+          <p:cNvCxnSpPr>
+            <a:cxnSpLocks/>
+          </p:cNvCxnSpPr>
+          <p:nvPr/>
+        </p:nvCxnSpPr>
+        <p:spPr>
+          <a:xfrm>
+            <a:off x="5541511" y="2453086"/>
+            <a:ext cx="320394" cy="0"/>
+          </a:xfrm>
+          <a:prstGeom prst="straightConnector1">
+            <a:avLst/>
+          </a:prstGeom>
+          <a:ln>
+            <a:tailEnd type="triangle" w="lg" len="lg"/>
+          </a:ln>
+        </p:spPr>
+        <p:style>
+          <a:lnRef idx="1">
+            <a:schemeClr val="dk1"/>
+          </a:lnRef>
+          <a:fillRef idx="0">
+            <a:schemeClr val="dk1"/>
+          </a:fillRef>
+          <a:effectRef idx="0">
+            <a:schemeClr val="dk1"/>
+          </a:effectRef>
+          <a:fontRef idx="minor">
+            <a:schemeClr val="tx1"/>
+          </a:fontRef>
+        </p:style>
+      </p:cxnSp>
+      <p:sp>
+        <p:nvSpPr>
+          <p:cNvPr id="52" name="Cube 51">
+            <a:extLst>
+              <a:ext uri="{FF2B5EF4-FFF2-40B4-BE49-F238E27FC236}">
+                <a16:creationId xmlns:a16="http://schemas.microsoft.com/office/drawing/2014/main" id="{1FAA2D0D-CCEA-4753-AF02-6DA0134AEB7A}"/>
+              </a:ext>
+            </a:extLst>
+          </p:cNvPr>
+          <p:cNvSpPr/>
+          <p:nvPr/>
+        </p:nvSpPr>
+        <p:spPr>
+          <a:xfrm>
+            <a:off x="7014969" y="484366"/>
+            <a:ext cx="485898" cy="3897086"/>
+          </a:xfrm>
+          <a:prstGeom prst="cube">
+            <a:avLst>
+              <a:gd name="adj" fmla="val 11275"/>
+            </a:avLst>
+          </a:prstGeom>
+        </p:spPr>
+        <p:style>
+          <a:lnRef idx="2">
+            <a:schemeClr val="dk1"/>
+          </a:lnRef>
+          <a:fillRef idx="1">
+            <a:schemeClr val="lt1"/>
+          </a:fillRef>
+          <a:effectRef idx="0">
+            <a:schemeClr val="dk1"/>
+          </a:effectRef>
+          <a:fontRef idx="minor">
+            <a:schemeClr val="dk1"/>
+          </a:fontRef>
+        </p:style>
+        <p:txBody>
+          <a:bodyPr rtlCol="0" anchor="ctr"/>
+          <a:lstStyle/>
+          <a:p>
+            <a:pPr algn="ctr"/>
+            <a:endParaRPr lang="en-US"/>
+          </a:p>
+        </p:txBody>
+      </p:sp>
+      <p:sp>
+        <p:nvSpPr>
+          <p:cNvPr id="53" name="TextBox 52">
+            <a:extLst>
+              <a:ext uri="{FF2B5EF4-FFF2-40B4-BE49-F238E27FC236}">
+                <a16:creationId xmlns:a16="http://schemas.microsoft.com/office/drawing/2014/main" id="{09B6363A-F484-4EC1-9B5B-4B75D0D99791}"/>
+              </a:ext>
+            </a:extLst>
+          </p:cNvPr>
+          <p:cNvSpPr txBox="1"/>
+          <p:nvPr/>
+        </p:nvSpPr>
+        <p:spPr>
+          <a:xfrm>
+            <a:off x="6931346" y="-13106"/>
+            <a:ext cx="653143" cy="369332"/>
+          </a:xfrm>
+          <a:prstGeom prst="rect">
+            <a:avLst/>
+          </a:prstGeom>
+          <a:noFill/>
+        </p:spPr>
+        <p:txBody>
+          <a:bodyPr wrap="square" rtlCol="0">
+            <a:spAutoFit/>
+          </a:bodyPr>
+          <a:lstStyle/>
+          <a:p>
+            <a:pPr algn="ctr"/>
+            <a:r>
+              <a:rPr lang="en-US" dirty="0"/>
+              <a:t>Drop</a:t>
+            </a:r>
+          </a:p>
+        </p:txBody>
+      </p:sp>
+      <p:cxnSp>
+        <p:nvCxnSpPr>
+          <p:cNvPr id="54" name="Straight Arrow Connector 53">
+            <a:extLst>
+              <a:ext uri="{FF2B5EF4-FFF2-40B4-BE49-F238E27FC236}">
+                <a16:creationId xmlns:a16="http://schemas.microsoft.com/office/drawing/2014/main" id="{C14BEA73-6CA7-4E07-BF97-DC8BEEC0B1F8}"/>
+              </a:ext>
+            </a:extLst>
+          </p:cNvPr>
+          <p:cNvCxnSpPr>
+            <a:cxnSpLocks/>
+            <a:endCxn id="52" idx="2"/>
+          </p:cNvCxnSpPr>
+          <p:nvPr/>
+        </p:nvCxnSpPr>
+        <p:spPr>
+          <a:xfrm>
+            <a:off x="6351675" y="2453086"/>
+            <a:ext cx="663294" cy="0"/>
+          </a:xfrm>
+          <a:prstGeom prst="straightConnector1">
+            <a:avLst/>
+          </a:prstGeom>
+          <a:ln>
+            <a:tailEnd type="triangle" w="lg" len="lg"/>
+          </a:ln>
+        </p:spPr>
+        <p:style>
+          <a:lnRef idx="1">
+            <a:schemeClr val="dk1"/>
+          </a:lnRef>
+          <a:fillRef idx="0">
+            <a:schemeClr val="dk1"/>
+          </a:fillRef>
+          <a:effectRef idx="0">
+            <a:schemeClr val="dk1"/>
+          </a:effectRef>
+          <a:fontRef idx="minor">
+            <a:schemeClr val="tx1"/>
+          </a:fontRef>
+        </p:style>
+      </p:cxnSp>
+      <p:sp>
+        <p:nvSpPr>
+          <p:cNvPr id="56" name="Cube 55">
+            <a:extLst>
+              <a:ext uri="{FF2B5EF4-FFF2-40B4-BE49-F238E27FC236}">
+                <a16:creationId xmlns:a16="http://schemas.microsoft.com/office/drawing/2014/main" id="{85C704EC-6115-41AB-9E68-6ADBD2B18B3B}"/>
+              </a:ext>
+            </a:extLst>
+          </p:cNvPr>
+          <p:cNvSpPr/>
+          <p:nvPr/>
+        </p:nvSpPr>
+        <p:spPr>
+          <a:xfrm>
+            <a:off x="7760843" y="484366"/>
+            <a:ext cx="485898" cy="3897086"/>
+          </a:xfrm>
+          <a:prstGeom prst="cube">
+            <a:avLst>
+              <a:gd name="adj" fmla="val 11275"/>
+            </a:avLst>
+          </a:prstGeom>
+        </p:spPr>
+        <p:style>
+          <a:lnRef idx="2">
+            <a:schemeClr val="dk1"/>
+          </a:lnRef>
+          <a:fillRef idx="1">
+            <a:schemeClr val="lt1"/>
+          </a:fillRef>
+          <a:effectRef idx="0">
+            <a:schemeClr val="dk1"/>
+          </a:effectRef>
+          <a:fontRef idx="minor">
+            <a:schemeClr val="dk1"/>
+          </a:fontRef>
+        </p:style>
+        <p:txBody>
+          <a:bodyPr rtlCol="0" anchor="ctr"/>
+          <a:lstStyle/>
+          <a:p>
+            <a:pPr algn="ctr"/>
+            <a:endParaRPr lang="en-US"/>
+          </a:p>
+        </p:txBody>
+      </p:sp>
+      <p:sp>
+        <p:nvSpPr>
+          <p:cNvPr id="57" name="TextBox 56">
+            <a:extLst>
+              <a:ext uri="{FF2B5EF4-FFF2-40B4-BE49-F238E27FC236}">
+                <a16:creationId xmlns:a16="http://schemas.microsoft.com/office/drawing/2014/main" id="{48AA775E-22F7-4BFA-8C39-2354994EE447}"/>
+              </a:ext>
+            </a:extLst>
+          </p:cNvPr>
+          <p:cNvSpPr txBox="1"/>
+          <p:nvPr/>
+        </p:nvSpPr>
+        <p:spPr>
+          <a:xfrm>
+            <a:off x="7679638" y="-13106"/>
+            <a:ext cx="653143" cy="369332"/>
+          </a:xfrm>
+          <a:prstGeom prst="rect">
+            <a:avLst/>
+          </a:prstGeom>
+          <a:noFill/>
+        </p:spPr>
+        <p:txBody>
+          <a:bodyPr wrap="square" rtlCol="0">
+            <a:spAutoFit/>
+          </a:bodyPr>
+          <a:lstStyle/>
+          <a:p>
+            <a:pPr algn="ctr"/>
+            <a:r>
+              <a:rPr lang="en-US" dirty="0"/>
+              <a:t>GAP</a:t>
+            </a:r>
+          </a:p>
+        </p:txBody>
+      </p:sp>
+      <p:cxnSp>
+        <p:nvCxnSpPr>
+          <p:cNvPr id="58" name="Straight Arrow Connector 57">
+            <a:extLst>
+              <a:ext uri="{FF2B5EF4-FFF2-40B4-BE49-F238E27FC236}">
+                <a16:creationId xmlns:a16="http://schemas.microsoft.com/office/drawing/2014/main" id="{9203EEEB-65E5-4045-BABF-27DD12883372}"/>
+              </a:ext>
+            </a:extLst>
+          </p:cNvPr>
+          <p:cNvCxnSpPr>
+            <a:cxnSpLocks/>
+          </p:cNvCxnSpPr>
+          <p:nvPr/>
+        </p:nvCxnSpPr>
+        <p:spPr>
+          <a:xfrm>
+            <a:off x="7440449" y="2447349"/>
+            <a:ext cx="320394" cy="0"/>
+          </a:xfrm>
+          <a:prstGeom prst="straightConnector1">
+            <a:avLst/>
+          </a:prstGeom>
+          <a:ln>
+            <a:tailEnd type="triangle" w="lg" len="lg"/>
+          </a:ln>
+        </p:spPr>
+        <p:style>
+          <a:lnRef idx="1">
+            <a:schemeClr val="dk1"/>
+          </a:lnRef>
+          <a:fillRef idx="0">
+            <a:schemeClr val="dk1"/>
+          </a:fillRef>
+          <a:effectRef idx="0">
+            <a:schemeClr val="dk1"/>
+          </a:effectRef>
+          <a:fontRef idx="minor">
+            <a:schemeClr val="tx1"/>
+          </a:fontRef>
+        </p:style>
+      </p:cxnSp>
+      <p:sp>
+        <p:nvSpPr>
+          <p:cNvPr id="61" name="TextBox 60">
+            <a:extLst>
+              <a:ext uri="{FF2B5EF4-FFF2-40B4-BE49-F238E27FC236}">
+                <a16:creationId xmlns:a16="http://schemas.microsoft.com/office/drawing/2014/main" id="{9F6B82BC-E8F0-4BB4-A662-0D7A1C4505B6}"/>
+              </a:ext>
+            </a:extLst>
+          </p:cNvPr>
+          <p:cNvSpPr txBox="1"/>
+          <p:nvPr/>
+        </p:nvSpPr>
+        <p:spPr>
+          <a:xfrm>
+            <a:off x="2821087" y="983290"/>
+            <a:ext cx="653143" cy="369332"/>
+          </a:xfrm>
+          <a:prstGeom prst="rect">
+            <a:avLst/>
+          </a:prstGeom>
+          <a:noFill/>
+        </p:spPr>
+        <p:txBody>
+          <a:bodyPr wrap="square" rtlCol="0">
+            <a:spAutoFit/>
+          </a:bodyPr>
+          <a:lstStyle/>
+          <a:p>
+            <a:r>
+              <a:rPr lang="en-US" dirty="0" err="1"/>
+              <a:t>ReLu</a:t>
+            </a:r>
+            <a:endParaRPr lang="en-US" dirty="0"/>
+          </a:p>
+        </p:txBody>
+      </p:sp>
+      <p:sp>
+        <p:nvSpPr>
+          <p:cNvPr id="62" name="TextBox 61">
+            <a:extLst>
+              <a:ext uri="{FF2B5EF4-FFF2-40B4-BE49-F238E27FC236}">
+                <a16:creationId xmlns:a16="http://schemas.microsoft.com/office/drawing/2014/main" id="{FB50AC55-C77D-4A9D-BA37-87854CDC404D}"/>
+              </a:ext>
+            </a:extLst>
+          </p:cNvPr>
+          <p:cNvSpPr txBox="1"/>
+          <p:nvPr/>
+        </p:nvSpPr>
+        <p:spPr>
+          <a:xfrm>
+            <a:off x="2800524" y="2512417"/>
+            <a:ext cx="653143" cy="369332"/>
+          </a:xfrm>
+          <a:prstGeom prst="rect">
+            <a:avLst/>
+          </a:prstGeom>
+          <a:noFill/>
+        </p:spPr>
+        <p:txBody>
+          <a:bodyPr wrap="square" rtlCol="0">
+            <a:spAutoFit/>
+          </a:bodyPr>
+          <a:lstStyle/>
+          <a:p>
+            <a:r>
+              <a:rPr lang="en-US" dirty="0" err="1"/>
+              <a:t>ReLu</a:t>
+            </a:r>
+            <a:endParaRPr lang="en-US" dirty="0"/>
+          </a:p>
+        </p:txBody>
+      </p:sp>
+      <p:sp>
+        <p:nvSpPr>
+          <p:cNvPr id="63" name="TextBox 62">
+            <a:extLst>
+              <a:ext uri="{FF2B5EF4-FFF2-40B4-BE49-F238E27FC236}">
+                <a16:creationId xmlns:a16="http://schemas.microsoft.com/office/drawing/2014/main" id="{283792B2-2579-49D6-AEF0-76D4C0E4B198}"/>
+              </a:ext>
+            </a:extLst>
+          </p:cNvPr>
+          <p:cNvSpPr txBox="1"/>
+          <p:nvPr/>
+        </p:nvSpPr>
+        <p:spPr>
+          <a:xfrm>
+            <a:off x="2801766" y="4051014"/>
+            <a:ext cx="653143" cy="369332"/>
+          </a:xfrm>
+          <a:prstGeom prst="rect">
+            <a:avLst/>
+          </a:prstGeom>
+          <a:noFill/>
+        </p:spPr>
+        <p:txBody>
+          <a:bodyPr wrap="square" rtlCol="0">
+            <a:spAutoFit/>
+          </a:bodyPr>
+          <a:lstStyle/>
+          <a:p>
+            <a:r>
+              <a:rPr lang="en-US" dirty="0" err="1"/>
+              <a:t>ReLu</a:t>
+            </a:r>
+            <a:endParaRPr lang="en-US" dirty="0"/>
+          </a:p>
+        </p:txBody>
+      </p:sp>
+      <p:sp>
+        <p:nvSpPr>
+          <p:cNvPr id="65" name="TextBox 64">
+            <a:extLst>
+              <a:ext uri="{FF2B5EF4-FFF2-40B4-BE49-F238E27FC236}">
+                <a16:creationId xmlns:a16="http://schemas.microsoft.com/office/drawing/2014/main" id="{D079AD65-A06E-4BA8-8628-913E3AAD8553}"/>
+              </a:ext>
+            </a:extLst>
+          </p:cNvPr>
+          <p:cNvSpPr txBox="1"/>
+          <p:nvPr/>
+        </p:nvSpPr>
+        <p:spPr>
+          <a:xfrm>
+            <a:off x="6364131" y="2512417"/>
+            <a:ext cx="653143" cy="369332"/>
+          </a:xfrm>
+          <a:prstGeom prst="rect">
+            <a:avLst/>
+          </a:prstGeom>
+          <a:noFill/>
+        </p:spPr>
+        <p:txBody>
+          <a:bodyPr wrap="square" rtlCol="0">
+            <a:spAutoFit/>
+          </a:bodyPr>
+          <a:lstStyle/>
+          <a:p>
+            <a:r>
+              <a:rPr lang="en-US" dirty="0" err="1"/>
+              <a:t>ReLu</a:t>
+            </a:r>
+            <a:endParaRPr lang="en-US" dirty="0"/>
+          </a:p>
+        </p:txBody>
+      </p:sp>
+      <p:sp>
+        <p:nvSpPr>
+          <p:cNvPr id="66" name="TextBox 65">
+            <a:extLst>
+              <a:ext uri="{FF2B5EF4-FFF2-40B4-BE49-F238E27FC236}">
+                <a16:creationId xmlns:a16="http://schemas.microsoft.com/office/drawing/2014/main" id="{57EFA825-67A8-42E3-8FE1-B2730FDB74FB}"/>
+              </a:ext>
+            </a:extLst>
+          </p:cNvPr>
+          <p:cNvSpPr txBox="1"/>
+          <p:nvPr/>
+        </p:nvSpPr>
+        <p:spPr>
+          <a:xfrm>
+            <a:off x="10559143" y="4052232"/>
+            <a:ext cx="653143" cy="369332"/>
+          </a:xfrm>
+          <a:prstGeom prst="rect">
+            <a:avLst/>
+          </a:prstGeom>
+          <a:noFill/>
+        </p:spPr>
+        <p:txBody>
+          <a:bodyPr wrap="square" rtlCol="0">
+            <a:spAutoFit/>
+          </a:bodyPr>
+          <a:lstStyle/>
+          <a:p>
+            <a:pPr algn="ctr"/>
+            <a:r>
+              <a:rPr lang="en-US" dirty="0"/>
+              <a:t>SM</a:t>
+            </a:r>
+          </a:p>
+        </p:txBody>
+      </p:sp>
+    </p:spTree>
+    <p:extLst>
+      <p:ext uri="{BB962C8B-B14F-4D97-AF65-F5344CB8AC3E}">
+        <p14:creationId xmlns:p14="http://schemas.microsoft.com/office/powerpoint/2010/main" val="2423031949"/>
+      </p:ext>
+    </p:extLst>
+  </p:cSld>
+  <p:clrMapOvr>
+    <a:masterClrMapping/>
+  </p:clrMapOvr>
+</p:sld>
+</file>
+
+<file path=ppt/slides/slide6.xml><?xml version="1.0" encoding="utf-8"?>
+<p:sld xmlns:a="http://schemas.openxmlformats.org/drawingml/2006/main" xmlns:r="http://schemas.openxmlformats.org/officeDocument/2006/relationships" xmlns:p="http://schemas.openxmlformats.org/presentationml/2006/main">
+  <p:cSld>
+    <p:spTree>
+      <p:nvGrpSpPr>
+        <p:cNvPr id="1" name=""/>
+        <p:cNvGrpSpPr/>
+        <p:nvPr/>
+      </p:nvGrpSpPr>
+      <p:grpSpPr>
+        <a:xfrm>
+          <a:off x="0" y="0"/>
+          <a:ext cx="0" cy="0"/>
+          <a:chOff x="0" y="0"/>
+          <a:chExt cx="0" cy="0"/>
+        </a:xfrm>
+      </p:grpSpPr>
+      <p:sp>
+        <p:nvSpPr>
+          <p:cNvPr id="5" name="Cube 4">
+            <a:extLst>
+              <a:ext uri="{FF2B5EF4-FFF2-40B4-BE49-F238E27FC236}">
+                <a16:creationId xmlns:a16="http://schemas.microsoft.com/office/drawing/2014/main" id="{CD12023E-850E-4068-A1A0-2E52114F7CF4}"/>
+              </a:ext>
+            </a:extLst>
+          </p:cNvPr>
+          <p:cNvSpPr/>
+          <p:nvPr/>
+        </p:nvSpPr>
+        <p:spPr>
+          <a:xfrm>
+            <a:off x="1632856" y="479704"/>
+            <a:ext cx="365760" cy="3897086"/>
+          </a:xfrm>
+          <a:prstGeom prst="cube">
+            <a:avLst>
+              <a:gd name="adj" fmla="val 11275"/>
+            </a:avLst>
+          </a:prstGeom>
+        </p:spPr>
+        <p:style>
+          <a:lnRef idx="2">
+            <a:schemeClr val="dk1"/>
+          </a:lnRef>
+          <a:fillRef idx="1">
+            <a:schemeClr val="lt1"/>
+          </a:fillRef>
+          <a:effectRef idx="0">
+            <a:schemeClr val="dk1"/>
+          </a:effectRef>
+          <a:fontRef idx="minor">
+            <a:schemeClr val="dk1"/>
+          </a:fontRef>
+        </p:style>
+        <p:txBody>
+          <a:bodyPr rtlCol="0" anchor="ctr"/>
+          <a:lstStyle/>
+          <a:p>
+            <a:pPr algn="ctr"/>
+            <a:endParaRPr lang="en-US"/>
+          </a:p>
+        </p:txBody>
+      </p:sp>
+      <p:sp>
+        <p:nvSpPr>
+          <p:cNvPr id="7" name="TextBox 6">
+            <a:extLst>
+              <a:ext uri="{FF2B5EF4-FFF2-40B4-BE49-F238E27FC236}">
+                <a16:creationId xmlns:a16="http://schemas.microsoft.com/office/drawing/2014/main" id="{8370FE98-8906-4208-ADBB-71CE9C8757B4}"/>
+              </a:ext>
+            </a:extLst>
+          </p:cNvPr>
+          <p:cNvSpPr txBox="1"/>
+          <p:nvPr/>
+        </p:nvSpPr>
+        <p:spPr>
+          <a:xfrm>
+            <a:off x="1524090" y="-4011"/>
+            <a:ext cx="653143" cy="369332"/>
+          </a:xfrm>
+          <a:prstGeom prst="rect">
+            <a:avLst/>
+          </a:prstGeom>
+          <a:noFill/>
+        </p:spPr>
+        <p:txBody>
+          <a:bodyPr wrap="square" rtlCol="0">
+            <a:spAutoFit/>
+          </a:bodyPr>
+          <a:lstStyle/>
+          <a:p>
+            <a:r>
+              <a:rPr lang="en-US" dirty="0"/>
+              <a:t>Conv</a:t>
+            </a:r>
+          </a:p>
+        </p:txBody>
+      </p:sp>
+      <p:sp>
+        <p:nvSpPr>
+          <p:cNvPr id="17" name="Cube 16">
+            <a:extLst>
+              <a:ext uri="{FF2B5EF4-FFF2-40B4-BE49-F238E27FC236}">
+                <a16:creationId xmlns:a16="http://schemas.microsoft.com/office/drawing/2014/main" id="{6F169343-9DDD-46A0-A89E-0DCE5E266F6D}"/>
+              </a:ext>
+            </a:extLst>
+          </p:cNvPr>
+          <p:cNvSpPr/>
+          <p:nvPr/>
+        </p:nvSpPr>
+        <p:spPr>
+          <a:xfrm>
+            <a:off x="10018855" y="2003467"/>
+            <a:ext cx="326573" cy="3897086"/>
+          </a:xfrm>
+          <a:prstGeom prst="cube">
+            <a:avLst>
+              <a:gd name="adj" fmla="val 11275"/>
+            </a:avLst>
+          </a:prstGeom>
+        </p:spPr>
+        <p:style>
+          <a:lnRef idx="2">
+            <a:schemeClr val="dk1"/>
+          </a:lnRef>
+          <a:fillRef idx="1">
+            <a:schemeClr val="lt1"/>
+          </a:fillRef>
+          <a:effectRef idx="0">
+            <a:schemeClr val="dk1"/>
+          </a:effectRef>
+          <a:fontRef idx="minor">
+            <a:schemeClr val="dk1"/>
+          </a:fontRef>
+        </p:style>
+        <p:txBody>
+          <a:bodyPr rtlCol="0" anchor="ctr"/>
+          <a:lstStyle/>
+          <a:p>
+            <a:pPr algn="ctr"/>
+            <a:endParaRPr lang="en-US"/>
+          </a:p>
+        </p:txBody>
+      </p:sp>
+      <p:sp>
+        <p:nvSpPr>
+          <p:cNvPr id="18" name="TextBox 17">
+            <a:extLst>
+              <a:ext uri="{FF2B5EF4-FFF2-40B4-BE49-F238E27FC236}">
+                <a16:creationId xmlns:a16="http://schemas.microsoft.com/office/drawing/2014/main" id="{01F7BFCA-D299-4E35-966E-7A3D14A5A83A}"/>
+              </a:ext>
+            </a:extLst>
+          </p:cNvPr>
+          <p:cNvSpPr txBox="1"/>
+          <p:nvPr/>
+        </p:nvSpPr>
+        <p:spPr>
+          <a:xfrm>
+            <a:off x="9696442" y="1529063"/>
+            <a:ext cx="942090" cy="369332"/>
+          </a:xfrm>
+          <a:prstGeom prst="rect">
+            <a:avLst/>
+          </a:prstGeom>
+          <a:noFill/>
+        </p:spPr>
+        <p:txBody>
+          <a:bodyPr wrap="square" rtlCol="0">
+            <a:spAutoFit/>
+          </a:bodyPr>
+          <a:lstStyle/>
+          <a:p>
+            <a:pPr algn="ctr"/>
+            <a:r>
+              <a:rPr lang="en-US" dirty="0" err="1"/>
+              <a:t>Concat</a:t>
+            </a:r>
+            <a:endParaRPr lang="en-US" dirty="0"/>
+          </a:p>
+        </p:txBody>
+      </p:sp>
+      <p:sp>
+        <p:nvSpPr>
+          <p:cNvPr id="19" name="Cube 18">
+            <a:extLst>
+              <a:ext uri="{FF2B5EF4-FFF2-40B4-BE49-F238E27FC236}">
+                <a16:creationId xmlns:a16="http://schemas.microsoft.com/office/drawing/2014/main" id="{580D88BB-C22C-4836-BE19-A6227C7BF814}"/>
+              </a:ext>
+            </a:extLst>
+          </p:cNvPr>
+          <p:cNvSpPr/>
+          <p:nvPr/>
+        </p:nvSpPr>
+        <p:spPr>
+          <a:xfrm>
+            <a:off x="10607306" y="2003467"/>
+            <a:ext cx="326573" cy="3897086"/>
+          </a:xfrm>
+          <a:prstGeom prst="cube">
+            <a:avLst>
+              <a:gd name="adj" fmla="val 11275"/>
+            </a:avLst>
+          </a:prstGeom>
+        </p:spPr>
+        <p:style>
+          <a:lnRef idx="2">
+            <a:schemeClr val="dk1"/>
+          </a:lnRef>
+          <a:fillRef idx="1">
+            <a:schemeClr val="lt1"/>
+          </a:fillRef>
+          <a:effectRef idx="0">
+            <a:schemeClr val="dk1"/>
+          </a:effectRef>
+          <a:fontRef idx="minor">
+            <a:schemeClr val="dk1"/>
+          </a:fontRef>
+        </p:style>
+        <p:txBody>
+          <a:bodyPr rtlCol="0" anchor="ctr"/>
+          <a:lstStyle/>
+          <a:p>
+            <a:pPr algn="ctr"/>
+            <a:endParaRPr lang="en-US"/>
+          </a:p>
+        </p:txBody>
+      </p:sp>
+      <p:sp>
+        <p:nvSpPr>
+          <p:cNvPr id="22" name="TextBox 21">
+            <a:extLst>
+              <a:ext uri="{FF2B5EF4-FFF2-40B4-BE49-F238E27FC236}">
+                <a16:creationId xmlns:a16="http://schemas.microsoft.com/office/drawing/2014/main" id="{080D28A0-42E2-4368-8205-6A4288503DD8}"/>
+              </a:ext>
+            </a:extLst>
+          </p:cNvPr>
+          <p:cNvSpPr txBox="1"/>
+          <p:nvPr/>
+        </p:nvSpPr>
+        <p:spPr>
+          <a:xfrm>
+            <a:off x="10525828" y="1529063"/>
+            <a:ext cx="653143" cy="374395"/>
+          </a:xfrm>
+          <a:prstGeom prst="rect">
+            <a:avLst/>
+          </a:prstGeom>
+          <a:noFill/>
+        </p:spPr>
+        <p:txBody>
+          <a:bodyPr wrap="square" rtlCol="0">
+            <a:spAutoFit/>
+          </a:bodyPr>
+          <a:lstStyle/>
+          <a:p>
+            <a:pPr algn="ctr"/>
+            <a:r>
+              <a:rPr lang="en-US" dirty="0"/>
+              <a:t>FC</a:t>
+            </a:r>
+          </a:p>
+        </p:txBody>
+      </p:sp>
+      <p:cxnSp>
+        <p:nvCxnSpPr>
+          <p:cNvPr id="27" name="Straight Arrow Connector 26">
+            <a:extLst>
+              <a:ext uri="{FF2B5EF4-FFF2-40B4-BE49-F238E27FC236}">
+                <a16:creationId xmlns:a16="http://schemas.microsoft.com/office/drawing/2014/main" id="{505724D4-2893-4E40-AEE0-F98E5AE65F4D}"/>
+              </a:ext>
+            </a:extLst>
+          </p:cNvPr>
+          <p:cNvCxnSpPr>
+            <a:cxnSpLocks/>
+          </p:cNvCxnSpPr>
+          <p:nvPr/>
+        </p:nvCxnSpPr>
+        <p:spPr>
+          <a:xfrm flipV="1">
+            <a:off x="1132562" y="5491773"/>
+            <a:ext cx="7680960" cy="0"/>
+          </a:xfrm>
+          <a:prstGeom prst="straightConnector1">
+            <a:avLst/>
+          </a:prstGeom>
+          <a:ln>
+            <a:tailEnd type="none" w="lg" len="lg"/>
+          </a:ln>
+        </p:spPr>
+        <p:style>
+          <a:lnRef idx="1">
+            <a:schemeClr val="dk1"/>
+          </a:lnRef>
+          <a:fillRef idx="0">
+            <a:schemeClr val="dk1"/>
+          </a:fillRef>
+          <a:effectRef idx="0">
+            <a:schemeClr val="dk1"/>
+          </a:effectRef>
+          <a:fontRef idx="minor">
+            <a:schemeClr val="tx1"/>
+          </a:fontRef>
+        </p:style>
+      </p:cxnSp>
+      <p:cxnSp>
+        <p:nvCxnSpPr>
+          <p:cNvPr id="40" name="Straight Arrow Connector 39">
+            <a:extLst>
+              <a:ext uri="{FF2B5EF4-FFF2-40B4-BE49-F238E27FC236}">
+                <a16:creationId xmlns:a16="http://schemas.microsoft.com/office/drawing/2014/main" id="{D854C067-5833-4D39-86F7-2FE52AA80244}"/>
+              </a:ext>
+            </a:extLst>
+          </p:cNvPr>
+          <p:cNvCxnSpPr>
+            <a:cxnSpLocks/>
+          </p:cNvCxnSpPr>
+          <p:nvPr/>
+        </p:nvCxnSpPr>
+        <p:spPr>
+          <a:xfrm>
+            <a:off x="2019838" y="2313787"/>
+            <a:ext cx="249174" cy="0"/>
+          </a:xfrm>
+          <a:prstGeom prst="straightConnector1">
+            <a:avLst/>
+          </a:prstGeom>
+          <a:ln>
+            <a:tailEnd type="triangle" w="lg" len="lg"/>
+          </a:ln>
+        </p:spPr>
+        <p:style>
+          <a:lnRef idx="1">
+            <a:schemeClr val="dk1"/>
+          </a:lnRef>
+          <a:fillRef idx="0">
+            <a:schemeClr val="dk1"/>
+          </a:fillRef>
+          <a:effectRef idx="0">
+            <a:schemeClr val="dk1"/>
+          </a:effectRef>
+          <a:fontRef idx="minor">
+            <a:schemeClr val="tx1"/>
+          </a:fontRef>
+        </p:style>
+      </p:cxnSp>
+      <p:cxnSp>
+        <p:nvCxnSpPr>
+          <p:cNvPr id="44" name="Straight Arrow Connector 43">
+            <a:extLst>
+              <a:ext uri="{FF2B5EF4-FFF2-40B4-BE49-F238E27FC236}">
+                <a16:creationId xmlns:a16="http://schemas.microsoft.com/office/drawing/2014/main" id="{BA3CB466-AB3D-4573-A73B-A9FC1DE8FC02}"/>
+              </a:ext>
+            </a:extLst>
+          </p:cNvPr>
+          <p:cNvCxnSpPr>
+            <a:cxnSpLocks/>
+            <a:stCxn id="89" idx="5"/>
+            <a:endCxn id="17" idx="2"/>
+          </p:cNvCxnSpPr>
+          <p:nvPr/>
+        </p:nvCxnSpPr>
+        <p:spPr>
+          <a:xfrm>
+            <a:off x="9503076" y="2407627"/>
+            <a:ext cx="515779" cy="1562794"/>
+          </a:xfrm>
+          <a:prstGeom prst="straightConnector1">
+            <a:avLst/>
+          </a:prstGeom>
+          <a:ln>
+            <a:tailEnd type="triangle" w="lg" len="lg"/>
+          </a:ln>
+        </p:spPr>
+        <p:style>
+          <a:lnRef idx="1">
+            <a:schemeClr val="dk1"/>
+          </a:lnRef>
+          <a:fillRef idx="0">
+            <a:schemeClr val="dk1"/>
+          </a:fillRef>
+          <a:effectRef idx="0">
+            <a:schemeClr val="dk1"/>
+          </a:effectRef>
+          <a:fontRef idx="minor">
+            <a:schemeClr val="tx1"/>
+          </a:fontRef>
+        </p:style>
+      </p:cxnSp>
+      <p:cxnSp>
+        <p:nvCxnSpPr>
+          <p:cNvPr id="47" name="Straight Arrow Connector 46">
+            <a:extLst>
+              <a:ext uri="{FF2B5EF4-FFF2-40B4-BE49-F238E27FC236}">
+                <a16:creationId xmlns:a16="http://schemas.microsoft.com/office/drawing/2014/main" id="{59F7B8A3-27C1-4A8D-919E-3E5F165AD15B}"/>
+              </a:ext>
+            </a:extLst>
+          </p:cNvPr>
+          <p:cNvCxnSpPr>
+            <a:cxnSpLocks/>
+            <a:stCxn id="17" idx="4"/>
+            <a:endCxn id="19" idx="2"/>
+          </p:cNvCxnSpPr>
+          <p:nvPr/>
+        </p:nvCxnSpPr>
+        <p:spPr>
+          <a:xfrm>
+            <a:off x="10308607" y="3970421"/>
+            <a:ext cx="298699" cy="0"/>
+          </a:xfrm>
+          <a:prstGeom prst="straightConnector1">
+            <a:avLst/>
+          </a:prstGeom>
+          <a:ln>
+            <a:tailEnd type="triangle" w="lg" len="lg"/>
+          </a:ln>
+        </p:spPr>
+        <p:style>
+          <a:lnRef idx="1">
+            <a:schemeClr val="dk1"/>
+          </a:lnRef>
+          <a:fillRef idx="0">
+            <a:schemeClr val="dk1"/>
+          </a:fillRef>
+          <a:effectRef idx="0">
+            <a:schemeClr val="dk1"/>
+          </a:effectRef>
+          <a:fontRef idx="minor">
+            <a:schemeClr val="tx1"/>
+          </a:fontRef>
+        </p:style>
+      </p:cxnSp>
+      <p:cxnSp>
+        <p:nvCxnSpPr>
+          <p:cNvPr id="51" name="Straight Arrow Connector 50">
+            <a:extLst>
+              <a:ext uri="{FF2B5EF4-FFF2-40B4-BE49-F238E27FC236}">
+                <a16:creationId xmlns:a16="http://schemas.microsoft.com/office/drawing/2014/main" id="{DA50D93A-D2E3-4B22-9DF1-5976C6ED339F}"/>
+              </a:ext>
+            </a:extLst>
+          </p:cNvPr>
+          <p:cNvCxnSpPr>
+            <a:cxnSpLocks/>
+            <a:stCxn id="19" idx="4"/>
+          </p:cNvCxnSpPr>
+          <p:nvPr/>
+        </p:nvCxnSpPr>
+        <p:spPr>
+          <a:xfrm flipV="1">
+            <a:off x="10897058" y="3952010"/>
+            <a:ext cx="591936" cy="18411"/>
+          </a:xfrm>
+          <a:prstGeom prst="straightConnector1">
+            <a:avLst/>
+          </a:prstGeom>
+          <a:ln>
+            <a:tailEnd type="triangle" w="lg" len="lg"/>
+          </a:ln>
+        </p:spPr>
+        <p:style>
+          <a:lnRef idx="1">
+            <a:schemeClr val="dk1"/>
+          </a:lnRef>
+          <a:fillRef idx="0">
+            <a:schemeClr val="dk1"/>
+          </a:fillRef>
+          <a:effectRef idx="0">
+            <a:schemeClr val="dk1"/>
+          </a:effectRef>
+          <a:fontRef idx="minor">
+            <a:schemeClr val="tx1"/>
+          </a:fontRef>
+        </p:style>
+      </p:cxnSp>
+      <p:cxnSp>
+        <p:nvCxnSpPr>
+          <p:cNvPr id="60" name="Straight Arrow Connector 59">
+            <a:extLst>
+              <a:ext uri="{FF2B5EF4-FFF2-40B4-BE49-F238E27FC236}">
+                <a16:creationId xmlns:a16="http://schemas.microsoft.com/office/drawing/2014/main" id="{0A4D6289-2A5E-46D8-A7E5-1A1DD992DF48}"/>
+              </a:ext>
+            </a:extLst>
+          </p:cNvPr>
+          <p:cNvCxnSpPr>
+            <a:cxnSpLocks/>
+            <a:endCxn id="17" idx="2"/>
+          </p:cNvCxnSpPr>
+          <p:nvPr/>
+        </p:nvCxnSpPr>
+        <p:spPr>
+          <a:xfrm flipV="1">
+            <a:off x="8813522" y="3970421"/>
+            <a:ext cx="1205333" cy="1521538"/>
+          </a:xfrm>
+          <a:prstGeom prst="straightConnector1">
+            <a:avLst/>
+          </a:prstGeom>
+          <a:ln>
+            <a:tailEnd type="triangle" w="lg" len="lg"/>
+          </a:ln>
+        </p:spPr>
+        <p:style>
+          <a:lnRef idx="1">
+            <a:schemeClr val="dk1"/>
+          </a:lnRef>
+          <a:fillRef idx="0">
+            <a:schemeClr val="dk1"/>
+          </a:fillRef>
+          <a:effectRef idx="0">
+            <a:schemeClr val="dk1"/>
+          </a:effectRef>
+          <a:fontRef idx="minor">
+            <a:schemeClr val="tx1"/>
+          </a:fontRef>
+        </p:style>
+      </p:cxnSp>
+      <p:sp>
+        <p:nvSpPr>
+          <p:cNvPr id="64" name="TextBox 63">
+            <a:extLst>
+              <a:ext uri="{FF2B5EF4-FFF2-40B4-BE49-F238E27FC236}">
+                <a16:creationId xmlns:a16="http://schemas.microsoft.com/office/drawing/2014/main" id="{A78FDA8A-116E-4A76-865B-769006AC892F}"/>
+              </a:ext>
+            </a:extLst>
+          </p:cNvPr>
+          <p:cNvSpPr txBox="1"/>
+          <p:nvPr/>
+        </p:nvSpPr>
+        <p:spPr>
+          <a:xfrm>
+            <a:off x="19010" y="1155036"/>
+            <a:ext cx="1454029" cy="369332"/>
+          </a:xfrm>
+          <a:prstGeom prst="rect">
+            <a:avLst/>
+          </a:prstGeom>
+          <a:noFill/>
+        </p:spPr>
+        <p:txBody>
+          <a:bodyPr wrap="square" rtlCol="0">
+            <a:spAutoFit/>
+          </a:bodyPr>
+          <a:lstStyle/>
+          <a:p>
+            <a:pPr algn="ctr"/>
+            <a:r>
+              <a:rPr lang="en-US" dirty="0"/>
+              <a:t>Depth Image</a:t>
+            </a:r>
+          </a:p>
+        </p:txBody>
+      </p:sp>
+      <p:pic>
+        <p:nvPicPr>
+          <p:cNvPr id="3" name="Picture 2">
+            <a:extLst>
+              <a:ext uri="{FF2B5EF4-FFF2-40B4-BE49-F238E27FC236}">
+                <a16:creationId xmlns:a16="http://schemas.microsoft.com/office/drawing/2014/main" id="{0C500444-ACE4-4C06-994C-A16DBDF17D66}"/>
+              </a:ext>
+            </a:extLst>
+          </p:cNvPr>
+          <p:cNvPicPr>
+            <a:picLocks noChangeAspect="1"/>
+          </p:cNvPicPr>
+          <p:nvPr/>
+        </p:nvPicPr>
+        <p:blipFill>
+          <a:blip r:embed="rId3">
+            <a:extLst>
+              <a:ext uri="{28A0092B-C50C-407E-A947-70E740481C1C}">
+                <a14:useLocalDpi xmlns:a14="http://schemas.microsoft.com/office/drawing/2010/main" val="0"/>
+              </a:ext>
+            </a:extLst>
+          </a:blip>
+          <a:stretch>
+            <a:fillRect/>
+          </a:stretch>
+        </p:blipFill>
+        <p:spPr>
+          <a:xfrm flipH="1">
+            <a:off x="65369" y="1737823"/>
+            <a:ext cx="1218893" cy="926618"/>
+          </a:xfrm>
+          <a:prstGeom prst="rect">
+            <a:avLst/>
+          </a:prstGeom>
+        </p:spPr>
+      </p:pic>
+      <p:cxnSp>
+        <p:nvCxnSpPr>
+          <p:cNvPr id="36" name="Straight Arrow Connector 35">
+            <a:extLst>
+              <a:ext uri="{FF2B5EF4-FFF2-40B4-BE49-F238E27FC236}">
+                <a16:creationId xmlns:a16="http://schemas.microsoft.com/office/drawing/2014/main" id="{FCCC8F6A-2904-4F30-9D17-3B0B5BB736FA}"/>
+              </a:ext>
+            </a:extLst>
+          </p:cNvPr>
+          <p:cNvCxnSpPr>
+            <a:cxnSpLocks/>
+          </p:cNvCxnSpPr>
+          <p:nvPr/>
+        </p:nvCxnSpPr>
+        <p:spPr>
+          <a:xfrm flipV="1">
+            <a:off x="1221342" y="2313787"/>
+            <a:ext cx="420414" cy="0"/>
+          </a:xfrm>
+          <a:prstGeom prst="straightConnector1">
+            <a:avLst/>
+          </a:prstGeom>
+          <a:ln>
+            <a:tailEnd type="triangle" w="lg" len="lg"/>
+          </a:ln>
+        </p:spPr>
+        <p:style>
+          <a:lnRef idx="1">
+            <a:schemeClr val="dk1"/>
+          </a:lnRef>
+          <a:fillRef idx="0">
+            <a:schemeClr val="dk1"/>
+          </a:fillRef>
+          <a:effectRef idx="0">
+            <a:schemeClr val="dk1"/>
+          </a:effectRef>
+          <a:fontRef idx="minor">
+            <a:schemeClr val="tx1"/>
+          </a:fontRef>
+        </p:style>
+      </p:cxnSp>
+      <p:sp>
+        <p:nvSpPr>
+          <p:cNvPr id="41" name="TextBox 40">
+            <a:extLst>
+              <a:ext uri="{FF2B5EF4-FFF2-40B4-BE49-F238E27FC236}">
+                <a16:creationId xmlns:a16="http://schemas.microsoft.com/office/drawing/2014/main" id="{4B7B7306-BD54-4E0B-AD6E-0332F7F3219C}"/>
+              </a:ext>
+            </a:extLst>
+          </p:cNvPr>
+          <p:cNvSpPr txBox="1"/>
+          <p:nvPr/>
+        </p:nvSpPr>
+        <p:spPr>
+          <a:xfrm>
+            <a:off x="11349515" y="3785755"/>
+            <a:ext cx="916406" cy="369332"/>
+          </a:xfrm>
+          <a:prstGeom prst="rect">
+            <a:avLst/>
+          </a:prstGeom>
+          <a:noFill/>
+        </p:spPr>
+        <p:txBody>
+          <a:bodyPr wrap="square" rtlCol="0">
+            <a:spAutoFit/>
+          </a:bodyPr>
+          <a:lstStyle/>
+          <a:p>
+            <a:pPr algn="ctr"/>
+            <a:r>
+              <a:rPr lang="en-US" dirty="0"/>
+              <a:t>Output</a:t>
+            </a:r>
+          </a:p>
+        </p:txBody>
+      </p:sp>
+      <p:sp>
+        <p:nvSpPr>
+          <p:cNvPr id="43" name="TextBox 42">
+            <a:extLst>
+              <a:ext uri="{FF2B5EF4-FFF2-40B4-BE49-F238E27FC236}">
+                <a16:creationId xmlns:a16="http://schemas.microsoft.com/office/drawing/2014/main" id="{A6A1694A-5C61-41DE-B1B1-7EB4524EC076}"/>
+              </a:ext>
+            </a:extLst>
+          </p:cNvPr>
+          <p:cNvSpPr txBox="1"/>
+          <p:nvPr/>
+        </p:nvSpPr>
+        <p:spPr>
+          <a:xfrm>
+            <a:off x="2269012" y="-4011"/>
+            <a:ext cx="653143" cy="369332"/>
+          </a:xfrm>
+          <a:prstGeom prst="rect">
+            <a:avLst/>
+          </a:prstGeom>
+          <a:noFill/>
+        </p:spPr>
+        <p:txBody>
+          <a:bodyPr wrap="square" rtlCol="0">
+            <a:spAutoFit/>
+          </a:bodyPr>
+          <a:lstStyle/>
+          <a:p>
+            <a:pPr algn="ctr"/>
+            <a:r>
+              <a:rPr lang="en-US" dirty="0"/>
+              <a:t>BN</a:t>
+            </a:r>
+          </a:p>
+        </p:txBody>
+      </p:sp>
+      <p:cxnSp>
+        <p:nvCxnSpPr>
+          <p:cNvPr id="49" name="Straight Arrow Connector 48">
+            <a:extLst>
+              <a:ext uri="{FF2B5EF4-FFF2-40B4-BE49-F238E27FC236}">
+                <a16:creationId xmlns:a16="http://schemas.microsoft.com/office/drawing/2014/main" id="{686C4C8B-E74E-4C14-891C-541450F44E84}"/>
+              </a:ext>
+            </a:extLst>
+          </p:cNvPr>
+          <p:cNvCxnSpPr>
+            <a:cxnSpLocks/>
+          </p:cNvCxnSpPr>
+          <p:nvPr/>
+        </p:nvCxnSpPr>
+        <p:spPr>
+          <a:xfrm>
+            <a:off x="2595583" y="2313787"/>
+            <a:ext cx="645431" cy="0"/>
+          </a:xfrm>
+          <a:prstGeom prst="straightConnector1">
+            <a:avLst/>
+          </a:prstGeom>
+          <a:ln>
+            <a:tailEnd type="triangle" w="lg" len="lg"/>
+          </a:ln>
+        </p:spPr>
+        <p:style>
+          <a:lnRef idx="1">
+            <a:schemeClr val="dk1"/>
+          </a:lnRef>
+          <a:fillRef idx="0">
+            <a:schemeClr val="dk1"/>
+          </a:fillRef>
+          <a:effectRef idx="0">
+            <a:schemeClr val="dk1"/>
+          </a:effectRef>
+          <a:fontRef idx="minor">
+            <a:schemeClr val="tx1"/>
+          </a:fontRef>
+        </p:style>
+      </p:cxnSp>
+      <p:cxnSp>
+        <p:nvCxnSpPr>
+          <p:cNvPr id="59" name="Straight Arrow Connector 58">
+            <a:extLst>
+              <a:ext uri="{FF2B5EF4-FFF2-40B4-BE49-F238E27FC236}">
+                <a16:creationId xmlns:a16="http://schemas.microsoft.com/office/drawing/2014/main" id="{37AF8141-E986-44B6-92A6-B48C0F9F45A6}"/>
+              </a:ext>
+            </a:extLst>
+          </p:cNvPr>
+          <p:cNvCxnSpPr>
+            <a:cxnSpLocks/>
+          </p:cNvCxnSpPr>
+          <p:nvPr/>
+        </p:nvCxnSpPr>
+        <p:spPr>
+          <a:xfrm flipV="1">
+            <a:off x="2461909" y="4717450"/>
+            <a:ext cx="4023360" cy="0"/>
+          </a:xfrm>
+          <a:prstGeom prst="straightConnector1">
+            <a:avLst/>
+          </a:prstGeom>
+          <a:ln>
+            <a:tailEnd type="none" w="lg" len="lg"/>
+          </a:ln>
+        </p:spPr>
+        <p:style>
+          <a:lnRef idx="1">
+            <a:schemeClr val="dk1"/>
+          </a:lnRef>
+          <a:fillRef idx="0">
+            <a:schemeClr val="dk1"/>
+          </a:fillRef>
+          <a:effectRef idx="0">
+            <a:schemeClr val="dk1"/>
+          </a:effectRef>
+          <a:fontRef idx="minor">
+            <a:schemeClr val="tx1"/>
+          </a:fontRef>
+        </p:style>
+      </p:cxnSp>
+      <p:cxnSp>
+        <p:nvCxnSpPr>
+          <p:cNvPr id="61" name="Straight Arrow Connector 60">
+            <a:extLst>
+              <a:ext uri="{FF2B5EF4-FFF2-40B4-BE49-F238E27FC236}">
+                <a16:creationId xmlns:a16="http://schemas.microsoft.com/office/drawing/2014/main" id="{308D88B5-E035-48B4-A4C3-B04A2AB0B5CF}"/>
+              </a:ext>
+            </a:extLst>
+          </p:cNvPr>
+          <p:cNvCxnSpPr>
+            <a:cxnSpLocks/>
+          </p:cNvCxnSpPr>
+          <p:nvPr/>
+        </p:nvCxnSpPr>
+        <p:spPr>
+          <a:xfrm flipH="1">
+            <a:off x="2472170" y="4397410"/>
+            <a:ext cx="0" cy="320040"/>
+          </a:xfrm>
+          <a:prstGeom prst="straightConnector1">
+            <a:avLst/>
+          </a:prstGeom>
+          <a:ln>
+            <a:tailEnd type="none" w="lg" len="lg"/>
+          </a:ln>
+        </p:spPr>
+        <p:style>
+          <a:lnRef idx="1">
+            <a:schemeClr val="dk1"/>
+          </a:lnRef>
+          <a:fillRef idx="0">
+            <a:schemeClr val="dk1"/>
+          </a:fillRef>
+          <a:effectRef idx="0">
+            <a:schemeClr val="dk1"/>
+          </a:effectRef>
+          <a:fontRef idx="minor">
+            <a:schemeClr val="tx1"/>
+          </a:fontRef>
+        </p:style>
+      </p:cxnSp>
+      <p:cxnSp>
+        <p:nvCxnSpPr>
+          <p:cNvPr id="62" name="Straight Arrow Connector 61">
+            <a:extLst>
+              <a:ext uri="{FF2B5EF4-FFF2-40B4-BE49-F238E27FC236}">
+                <a16:creationId xmlns:a16="http://schemas.microsoft.com/office/drawing/2014/main" id="{DA5A63EB-9F37-414D-A292-3ACC4459F8DE}"/>
+              </a:ext>
+            </a:extLst>
+          </p:cNvPr>
+          <p:cNvCxnSpPr>
+            <a:cxnSpLocks/>
+          </p:cNvCxnSpPr>
+          <p:nvPr/>
+        </p:nvCxnSpPr>
+        <p:spPr>
+          <a:xfrm flipV="1">
+            <a:off x="6475980" y="4391815"/>
+            <a:ext cx="0" cy="320040"/>
+          </a:xfrm>
+          <a:prstGeom prst="straightConnector1">
+            <a:avLst/>
+          </a:prstGeom>
+          <a:ln>
+            <a:tailEnd type="triangle" w="lg" len="lg"/>
+          </a:ln>
+        </p:spPr>
+        <p:style>
+          <a:lnRef idx="1">
+            <a:schemeClr val="dk1"/>
+          </a:lnRef>
+          <a:fillRef idx="0">
+            <a:schemeClr val="dk1"/>
+          </a:fillRef>
+          <a:effectRef idx="0">
+            <a:schemeClr val="dk1"/>
+          </a:effectRef>
+          <a:fontRef idx="minor">
+            <a:schemeClr val="tx1"/>
+          </a:fontRef>
+        </p:style>
+      </p:cxnSp>
+      <p:sp>
+        <p:nvSpPr>
+          <p:cNvPr id="75" name="TextBox 74">
+            <a:extLst>
+              <a:ext uri="{FF2B5EF4-FFF2-40B4-BE49-F238E27FC236}">
+                <a16:creationId xmlns:a16="http://schemas.microsoft.com/office/drawing/2014/main" id="{1EDF3A8C-5113-4314-9D34-88A16D13B9CA}"/>
+              </a:ext>
+            </a:extLst>
+          </p:cNvPr>
+          <p:cNvSpPr txBox="1"/>
+          <p:nvPr/>
+        </p:nvSpPr>
+        <p:spPr>
+          <a:xfrm>
+            <a:off x="-52200" y="5307107"/>
+            <a:ext cx="1454029" cy="369332"/>
+          </a:xfrm>
+          <a:prstGeom prst="rect">
+            <a:avLst/>
+          </a:prstGeom>
+          <a:noFill/>
+        </p:spPr>
+        <p:txBody>
+          <a:bodyPr wrap="square" rtlCol="0">
+            <a:spAutoFit/>
+          </a:bodyPr>
+          <a:lstStyle/>
+          <a:p>
+            <a:pPr algn="ctr"/>
+            <a:r>
+              <a:rPr lang="en-US" dirty="0"/>
+              <a:t>Z Value</a:t>
+            </a:r>
+          </a:p>
+        </p:txBody>
+      </p:sp>
+      <p:sp>
+        <p:nvSpPr>
+          <p:cNvPr id="42" name="Cube 41">
+            <a:extLst>
+              <a:ext uri="{FF2B5EF4-FFF2-40B4-BE49-F238E27FC236}">
+                <a16:creationId xmlns:a16="http://schemas.microsoft.com/office/drawing/2014/main" id="{A74E259D-CAC1-490D-8297-6207D6D50844}"/>
+              </a:ext>
+            </a:extLst>
+          </p:cNvPr>
+          <p:cNvSpPr/>
+          <p:nvPr/>
+        </p:nvSpPr>
+        <p:spPr>
+          <a:xfrm>
+            <a:off x="3241014" y="479704"/>
+            <a:ext cx="365760" cy="3897086"/>
+          </a:xfrm>
+          <a:prstGeom prst="cube">
+            <a:avLst>
+              <a:gd name="adj" fmla="val 11275"/>
+            </a:avLst>
+          </a:prstGeom>
+        </p:spPr>
+        <p:style>
+          <a:lnRef idx="2">
+            <a:schemeClr val="dk1"/>
+          </a:lnRef>
+          <a:fillRef idx="1">
+            <a:schemeClr val="lt1"/>
+          </a:fillRef>
+          <a:effectRef idx="0">
+            <a:schemeClr val="dk1"/>
+          </a:effectRef>
+          <a:fontRef idx="minor">
+            <a:schemeClr val="dk1"/>
+          </a:fontRef>
+        </p:style>
+        <p:txBody>
+          <a:bodyPr rtlCol="0" anchor="ctr"/>
+          <a:lstStyle/>
+          <a:p>
+            <a:pPr algn="ctr"/>
+            <a:endParaRPr lang="en-US"/>
+          </a:p>
+        </p:txBody>
+      </p:sp>
+      <p:cxnSp>
+        <p:nvCxnSpPr>
+          <p:cNvPr id="55" name="Straight Arrow Connector 54">
+            <a:extLst>
+              <a:ext uri="{FF2B5EF4-FFF2-40B4-BE49-F238E27FC236}">
+                <a16:creationId xmlns:a16="http://schemas.microsoft.com/office/drawing/2014/main" id="{602F0F20-3B89-4F8D-BC12-596189013AB8}"/>
+              </a:ext>
+            </a:extLst>
+          </p:cNvPr>
+          <p:cNvCxnSpPr>
+            <a:cxnSpLocks/>
+          </p:cNvCxnSpPr>
+          <p:nvPr/>
+        </p:nvCxnSpPr>
+        <p:spPr>
+          <a:xfrm flipV="1">
+            <a:off x="3623355" y="2313787"/>
+            <a:ext cx="274320" cy="0"/>
+          </a:xfrm>
+          <a:prstGeom prst="straightConnector1">
+            <a:avLst/>
+          </a:prstGeom>
+          <a:ln>
+            <a:tailEnd type="triangle" w="lg" len="lg"/>
+          </a:ln>
+        </p:spPr>
+        <p:style>
+          <a:lnRef idx="1">
+            <a:schemeClr val="dk1"/>
+          </a:lnRef>
+          <a:fillRef idx="0">
+            <a:schemeClr val="dk1"/>
+          </a:fillRef>
+          <a:effectRef idx="0">
+            <a:schemeClr val="dk1"/>
+          </a:effectRef>
+          <a:fontRef idx="minor">
+            <a:schemeClr val="tx1"/>
+          </a:fontRef>
+        </p:style>
+      </p:cxnSp>
+      <p:sp>
+        <p:nvSpPr>
+          <p:cNvPr id="56" name="Cube 55">
+            <a:extLst>
+              <a:ext uri="{FF2B5EF4-FFF2-40B4-BE49-F238E27FC236}">
+                <a16:creationId xmlns:a16="http://schemas.microsoft.com/office/drawing/2014/main" id="{F1EC567B-BDA2-4494-8A55-E97F6B1AEFC1}"/>
+              </a:ext>
+            </a:extLst>
+          </p:cNvPr>
+          <p:cNvSpPr/>
+          <p:nvPr/>
+        </p:nvSpPr>
+        <p:spPr>
+          <a:xfrm>
+            <a:off x="3912423" y="479704"/>
+            <a:ext cx="365760" cy="3897086"/>
+          </a:xfrm>
+          <a:prstGeom prst="cube">
+            <a:avLst>
+              <a:gd name="adj" fmla="val 11275"/>
+            </a:avLst>
+          </a:prstGeom>
+        </p:spPr>
+        <p:style>
+          <a:lnRef idx="2">
+            <a:schemeClr val="dk1"/>
+          </a:lnRef>
+          <a:fillRef idx="1">
+            <a:schemeClr val="lt1"/>
+          </a:fillRef>
+          <a:effectRef idx="0">
+            <a:schemeClr val="dk1"/>
+          </a:effectRef>
+          <a:fontRef idx="minor">
+            <a:schemeClr val="dk1"/>
+          </a:fontRef>
+        </p:style>
+        <p:txBody>
+          <a:bodyPr rtlCol="0" anchor="ctr"/>
+          <a:lstStyle/>
+          <a:p>
+            <a:pPr algn="ctr"/>
+            <a:endParaRPr lang="en-US"/>
+          </a:p>
+        </p:txBody>
+      </p:sp>
+      <p:sp>
+        <p:nvSpPr>
+          <p:cNvPr id="67" name="TextBox 66">
+            <a:extLst>
+              <a:ext uri="{FF2B5EF4-FFF2-40B4-BE49-F238E27FC236}">
+                <a16:creationId xmlns:a16="http://schemas.microsoft.com/office/drawing/2014/main" id="{85DAE5E6-D86C-4582-A3E0-7D340A935CF7}"/>
+              </a:ext>
+            </a:extLst>
+          </p:cNvPr>
+          <p:cNvSpPr txBox="1"/>
+          <p:nvPr/>
+        </p:nvSpPr>
+        <p:spPr>
+          <a:xfrm>
+            <a:off x="3077442" y="-4011"/>
+            <a:ext cx="653143" cy="369332"/>
+          </a:xfrm>
+          <a:prstGeom prst="rect">
+            <a:avLst/>
+          </a:prstGeom>
+          <a:noFill/>
+        </p:spPr>
+        <p:txBody>
+          <a:bodyPr wrap="square" rtlCol="0">
+            <a:spAutoFit/>
+          </a:bodyPr>
+          <a:lstStyle/>
+          <a:p>
+            <a:r>
+              <a:rPr lang="en-US" dirty="0"/>
+              <a:t>Conv</a:t>
+            </a:r>
+          </a:p>
+        </p:txBody>
+      </p:sp>
+      <p:sp>
+        <p:nvSpPr>
+          <p:cNvPr id="68" name="TextBox 67">
+            <a:extLst>
+              <a:ext uri="{FF2B5EF4-FFF2-40B4-BE49-F238E27FC236}">
+                <a16:creationId xmlns:a16="http://schemas.microsoft.com/office/drawing/2014/main" id="{C6B06E34-6424-4077-9F45-69FD7D5859D4}"/>
+              </a:ext>
+            </a:extLst>
+          </p:cNvPr>
+          <p:cNvSpPr txBox="1"/>
+          <p:nvPr/>
+        </p:nvSpPr>
+        <p:spPr>
+          <a:xfrm>
+            <a:off x="3803657" y="-4011"/>
+            <a:ext cx="653143" cy="369332"/>
+          </a:xfrm>
+          <a:prstGeom prst="rect">
+            <a:avLst/>
+          </a:prstGeom>
+          <a:noFill/>
+        </p:spPr>
+        <p:txBody>
+          <a:bodyPr wrap="square" rtlCol="0">
+            <a:spAutoFit/>
+          </a:bodyPr>
+          <a:lstStyle/>
+          <a:p>
+            <a:pPr algn="ctr"/>
+            <a:r>
+              <a:rPr lang="en-US" dirty="0"/>
+              <a:t>BN</a:t>
+            </a:r>
+          </a:p>
+        </p:txBody>
+      </p:sp>
+      <p:cxnSp>
+        <p:nvCxnSpPr>
+          <p:cNvPr id="69" name="Straight Arrow Connector 68">
+            <a:extLst>
+              <a:ext uri="{FF2B5EF4-FFF2-40B4-BE49-F238E27FC236}">
+                <a16:creationId xmlns:a16="http://schemas.microsoft.com/office/drawing/2014/main" id="{7966A0A9-8C19-4AB4-94E7-74FF94584A6B}"/>
+              </a:ext>
+            </a:extLst>
+          </p:cNvPr>
+          <p:cNvCxnSpPr>
+            <a:cxnSpLocks/>
+          </p:cNvCxnSpPr>
+          <p:nvPr/>
+        </p:nvCxnSpPr>
+        <p:spPr>
+          <a:xfrm>
+            <a:off x="4278183" y="2313787"/>
+            <a:ext cx="494734" cy="0"/>
+          </a:xfrm>
+          <a:prstGeom prst="straightConnector1">
+            <a:avLst/>
+          </a:prstGeom>
+          <a:ln>
+            <a:tailEnd type="triangle" w="lg" len="lg"/>
+          </a:ln>
+        </p:spPr>
+        <p:style>
+          <a:lnRef idx="1">
+            <a:schemeClr val="dk1"/>
+          </a:lnRef>
+          <a:fillRef idx="0">
+            <a:schemeClr val="dk1"/>
+          </a:fillRef>
+          <a:effectRef idx="0">
+            <a:schemeClr val="dk1"/>
+          </a:effectRef>
+          <a:fontRef idx="minor">
+            <a:schemeClr val="tx1"/>
+          </a:fontRef>
+        </p:style>
+      </p:cxnSp>
+      <p:sp>
+        <p:nvSpPr>
+          <p:cNvPr id="70" name="Cube 69">
+            <a:extLst>
+              <a:ext uri="{FF2B5EF4-FFF2-40B4-BE49-F238E27FC236}">
+                <a16:creationId xmlns:a16="http://schemas.microsoft.com/office/drawing/2014/main" id="{2216FA10-C038-4C1F-856A-DD85B1C87E1B}"/>
+              </a:ext>
+            </a:extLst>
+          </p:cNvPr>
+          <p:cNvSpPr/>
+          <p:nvPr/>
+        </p:nvSpPr>
+        <p:spPr>
+          <a:xfrm>
+            <a:off x="4772917" y="479704"/>
+            <a:ext cx="365760" cy="3897086"/>
+          </a:xfrm>
+          <a:prstGeom prst="cube">
+            <a:avLst>
+              <a:gd name="adj" fmla="val 11275"/>
+            </a:avLst>
+          </a:prstGeom>
+        </p:spPr>
+        <p:style>
+          <a:lnRef idx="2">
+            <a:schemeClr val="dk1"/>
+          </a:lnRef>
+          <a:fillRef idx="1">
+            <a:schemeClr val="lt1"/>
+          </a:fillRef>
+          <a:effectRef idx="0">
+            <a:schemeClr val="dk1"/>
+          </a:effectRef>
+          <a:fontRef idx="minor">
+            <a:schemeClr val="dk1"/>
+          </a:fontRef>
+        </p:style>
+        <p:txBody>
+          <a:bodyPr rtlCol="0" anchor="ctr"/>
+          <a:lstStyle/>
+          <a:p>
+            <a:pPr algn="ctr"/>
+            <a:endParaRPr lang="en-US"/>
+          </a:p>
+        </p:txBody>
+      </p:sp>
+      <p:cxnSp>
+        <p:nvCxnSpPr>
+          <p:cNvPr id="71" name="Straight Arrow Connector 70">
+            <a:extLst>
+              <a:ext uri="{FF2B5EF4-FFF2-40B4-BE49-F238E27FC236}">
+                <a16:creationId xmlns:a16="http://schemas.microsoft.com/office/drawing/2014/main" id="{5AB9A936-7027-4B3F-A624-0D474111AA4B}"/>
+              </a:ext>
+            </a:extLst>
+          </p:cNvPr>
+          <p:cNvCxnSpPr>
+            <a:cxnSpLocks/>
+          </p:cNvCxnSpPr>
+          <p:nvPr/>
+        </p:nvCxnSpPr>
+        <p:spPr>
+          <a:xfrm flipV="1">
+            <a:off x="5145378" y="2313787"/>
+            <a:ext cx="274320" cy="0"/>
+          </a:xfrm>
+          <a:prstGeom prst="straightConnector1">
+            <a:avLst/>
+          </a:prstGeom>
+          <a:ln>
+            <a:tailEnd type="triangle" w="lg" len="lg"/>
+          </a:ln>
+        </p:spPr>
+        <p:style>
+          <a:lnRef idx="1">
+            <a:schemeClr val="dk1"/>
+          </a:lnRef>
+          <a:fillRef idx="0">
+            <a:schemeClr val="dk1"/>
+          </a:fillRef>
+          <a:effectRef idx="0">
+            <a:schemeClr val="dk1"/>
+          </a:effectRef>
+          <a:fontRef idx="minor">
+            <a:schemeClr val="tx1"/>
+          </a:fontRef>
+        </p:style>
+      </p:cxnSp>
+      <p:sp>
+        <p:nvSpPr>
+          <p:cNvPr id="72" name="Cube 71">
+            <a:extLst>
+              <a:ext uri="{FF2B5EF4-FFF2-40B4-BE49-F238E27FC236}">
+                <a16:creationId xmlns:a16="http://schemas.microsoft.com/office/drawing/2014/main" id="{691EDF28-91E4-473A-8820-1CA886345DE3}"/>
+              </a:ext>
+            </a:extLst>
+          </p:cNvPr>
+          <p:cNvSpPr/>
+          <p:nvPr/>
+        </p:nvSpPr>
+        <p:spPr>
+          <a:xfrm>
+            <a:off x="5444326" y="479704"/>
+            <a:ext cx="365760" cy="3897086"/>
+          </a:xfrm>
+          <a:prstGeom prst="cube">
+            <a:avLst>
+              <a:gd name="adj" fmla="val 11275"/>
+            </a:avLst>
+          </a:prstGeom>
+        </p:spPr>
+        <p:style>
+          <a:lnRef idx="2">
+            <a:schemeClr val="dk1"/>
+          </a:lnRef>
+          <a:fillRef idx="1">
+            <a:schemeClr val="lt1"/>
+          </a:fillRef>
+          <a:effectRef idx="0">
+            <a:schemeClr val="dk1"/>
+          </a:effectRef>
+          <a:fontRef idx="minor">
+            <a:schemeClr val="dk1"/>
+          </a:fontRef>
+        </p:style>
+        <p:txBody>
+          <a:bodyPr rtlCol="0" anchor="ctr"/>
+          <a:lstStyle/>
+          <a:p>
+            <a:pPr algn="ctr"/>
+            <a:endParaRPr lang="en-US"/>
+          </a:p>
+        </p:txBody>
+      </p:sp>
+      <p:sp>
+        <p:nvSpPr>
+          <p:cNvPr id="73" name="TextBox 72">
+            <a:extLst>
+              <a:ext uri="{FF2B5EF4-FFF2-40B4-BE49-F238E27FC236}">
+                <a16:creationId xmlns:a16="http://schemas.microsoft.com/office/drawing/2014/main" id="{E1D8F62C-4F34-4EA5-9984-A117E816F10E}"/>
+              </a:ext>
+            </a:extLst>
+          </p:cNvPr>
+          <p:cNvSpPr txBox="1"/>
+          <p:nvPr/>
+        </p:nvSpPr>
+        <p:spPr>
+          <a:xfrm>
+            <a:off x="4609345" y="-4011"/>
+            <a:ext cx="653143" cy="369332"/>
+          </a:xfrm>
+          <a:prstGeom prst="rect">
+            <a:avLst/>
+          </a:prstGeom>
+          <a:noFill/>
+        </p:spPr>
+        <p:txBody>
+          <a:bodyPr wrap="square" rtlCol="0">
+            <a:spAutoFit/>
+          </a:bodyPr>
+          <a:lstStyle/>
+          <a:p>
+            <a:r>
+              <a:rPr lang="en-US" dirty="0"/>
+              <a:t>Conv</a:t>
+            </a:r>
+          </a:p>
+        </p:txBody>
+      </p:sp>
+      <p:sp>
+        <p:nvSpPr>
+          <p:cNvPr id="74" name="TextBox 73">
+            <a:extLst>
+              <a:ext uri="{FF2B5EF4-FFF2-40B4-BE49-F238E27FC236}">
+                <a16:creationId xmlns:a16="http://schemas.microsoft.com/office/drawing/2014/main" id="{9F9F7298-2552-4658-922F-F9AE09BAE778}"/>
+              </a:ext>
+            </a:extLst>
+          </p:cNvPr>
+          <p:cNvSpPr txBox="1"/>
+          <p:nvPr/>
+        </p:nvSpPr>
+        <p:spPr>
+          <a:xfrm>
+            <a:off x="5367269" y="-4011"/>
+            <a:ext cx="653143" cy="369332"/>
+          </a:xfrm>
+          <a:prstGeom prst="rect">
+            <a:avLst/>
+          </a:prstGeom>
+          <a:noFill/>
+        </p:spPr>
+        <p:txBody>
+          <a:bodyPr wrap="square" rtlCol="0">
+            <a:spAutoFit/>
+          </a:bodyPr>
+          <a:lstStyle/>
+          <a:p>
+            <a:pPr algn="ctr"/>
+            <a:r>
+              <a:rPr lang="en-US" dirty="0"/>
+              <a:t>BN</a:t>
+            </a:r>
+          </a:p>
+        </p:txBody>
+      </p:sp>
+      <p:cxnSp>
+        <p:nvCxnSpPr>
+          <p:cNvPr id="76" name="Straight Arrow Connector 75">
+            <a:extLst>
+              <a:ext uri="{FF2B5EF4-FFF2-40B4-BE49-F238E27FC236}">
+                <a16:creationId xmlns:a16="http://schemas.microsoft.com/office/drawing/2014/main" id="{41E511FA-928E-4A9A-8D6A-4B06800D79A4}"/>
+              </a:ext>
+            </a:extLst>
+          </p:cNvPr>
+          <p:cNvCxnSpPr>
+            <a:cxnSpLocks/>
+          </p:cNvCxnSpPr>
+          <p:nvPr/>
+        </p:nvCxnSpPr>
+        <p:spPr>
+          <a:xfrm>
+            <a:off x="5742907" y="2313787"/>
+            <a:ext cx="534600" cy="0"/>
+          </a:xfrm>
+          <a:prstGeom prst="straightConnector1">
+            <a:avLst/>
+          </a:prstGeom>
+          <a:ln>
+            <a:tailEnd type="triangle" w="lg" len="lg"/>
+          </a:ln>
+        </p:spPr>
+        <p:style>
+          <a:lnRef idx="1">
+            <a:schemeClr val="dk1"/>
+          </a:lnRef>
+          <a:fillRef idx="0">
+            <a:schemeClr val="dk1"/>
+          </a:fillRef>
+          <a:effectRef idx="0">
+            <a:schemeClr val="dk1"/>
+          </a:effectRef>
+          <a:fontRef idx="minor">
+            <a:schemeClr val="tx1"/>
+          </a:fontRef>
+        </p:style>
+      </p:cxnSp>
+      <p:sp>
+        <p:nvSpPr>
+          <p:cNvPr id="78" name="TextBox 77">
+            <a:extLst>
+              <a:ext uri="{FF2B5EF4-FFF2-40B4-BE49-F238E27FC236}">
+                <a16:creationId xmlns:a16="http://schemas.microsoft.com/office/drawing/2014/main" id="{3B4426BF-FE43-4051-9E17-4BFEB0FC8091}"/>
+              </a:ext>
+            </a:extLst>
+          </p:cNvPr>
+          <p:cNvSpPr txBox="1"/>
+          <p:nvPr/>
+        </p:nvSpPr>
+        <p:spPr>
+          <a:xfrm>
+            <a:off x="6114865" y="-4011"/>
+            <a:ext cx="653143" cy="369332"/>
+          </a:xfrm>
+          <a:prstGeom prst="rect">
+            <a:avLst/>
+          </a:prstGeom>
+          <a:noFill/>
+        </p:spPr>
+        <p:txBody>
+          <a:bodyPr wrap="square" rtlCol="0">
+            <a:spAutoFit/>
+          </a:bodyPr>
+          <a:lstStyle/>
+          <a:p>
+            <a:pPr algn="ctr"/>
+            <a:r>
+              <a:rPr lang="en-US" dirty="0"/>
+              <a:t>Add</a:t>
+            </a:r>
+          </a:p>
+        </p:txBody>
+      </p:sp>
+      <p:sp>
+        <p:nvSpPr>
+          <p:cNvPr id="79" name="TextBox 78">
+            <a:extLst>
+              <a:ext uri="{FF2B5EF4-FFF2-40B4-BE49-F238E27FC236}">
+                <a16:creationId xmlns:a16="http://schemas.microsoft.com/office/drawing/2014/main" id="{E967DEA7-1EBE-415E-9D3E-0EAB9262DEAE}"/>
+              </a:ext>
+            </a:extLst>
+          </p:cNvPr>
+          <p:cNvSpPr txBox="1"/>
+          <p:nvPr/>
+        </p:nvSpPr>
+        <p:spPr>
+          <a:xfrm>
+            <a:off x="6827744" y="-4011"/>
+            <a:ext cx="653143" cy="369332"/>
+          </a:xfrm>
+          <a:prstGeom prst="rect">
+            <a:avLst/>
+          </a:prstGeom>
+          <a:noFill/>
+        </p:spPr>
+        <p:txBody>
+          <a:bodyPr wrap="square" rtlCol="0">
+            <a:spAutoFit/>
+          </a:bodyPr>
+          <a:lstStyle/>
+          <a:p>
+            <a:pPr algn="ctr"/>
+            <a:r>
+              <a:rPr lang="en-US" dirty="0"/>
+              <a:t>BN</a:t>
+            </a:r>
+          </a:p>
+        </p:txBody>
+      </p:sp>
+      <p:sp>
+        <p:nvSpPr>
+          <p:cNvPr id="80" name="Cube 79">
+            <a:extLst>
+              <a:ext uri="{FF2B5EF4-FFF2-40B4-BE49-F238E27FC236}">
+                <a16:creationId xmlns:a16="http://schemas.microsoft.com/office/drawing/2014/main" id="{FDECA8FE-971C-4BE0-B2AD-E22D70AA5B2F}"/>
+              </a:ext>
+            </a:extLst>
+          </p:cNvPr>
+          <p:cNvSpPr/>
+          <p:nvPr/>
+        </p:nvSpPr>
+        <p:spPr>
+          <a:xfrm>
+            <a:off x="6980754" y="479704"/>
+            <a:ext cx="365760" cy="3897086"/>
+          </a:xfrm>
+          <a:prstGeom prst="cube">
+            <a:avLst>
+              <a:gd name="adj" fmla="val 11275"/>
+            </a:avLst>
+          </a:prstGeom>
+        </p:spPr>
+        <p:style>
+          <a:lnRef idx="2">
+            <a:schemeClr val="dk1"/>
+          </a:lnRef>
+          <a:fillRef idx="1">
+            <a:schemeClr val="lt1"/>
+          </a:fillRef>
+          <a:effectRef idx="0">
+            <a:schemeClr val="dk1"/>
+          </a:effectRef>
+          <a:fontRef idx="minor">
+            <a:schemeClr val="dk1"/>
+          </a:fontRef>
+        </p:style>
+        <p:txBody>
+          <a:bodyPr rtlCol="0" anchor="ctr"/>
+          <a:lstStyle/>
+          <a:p>
+            <a:pPr algn="ctr"/>
+            <a:endParaRPr lang="en-US"/>
+          </a:p>
+        </p:txBody>
+      </p:sp>
+      <p:cxnSp>
+        <p:nvCxnSpPr>
+          <p:cNvPr id="81" name="Straight Arrow Connector 80">
+            <a:extLst>
+              <a:ext uri="{FF2B5EF4-FFF2-40B4-BE49-F238E27FC236}">
+                <a16:creationId xmlns:a16="http://schemas.microsoft.com/office/drawing/2014/main" id="{E4070692-EF2F-405A-ACF9-8ABC7151938D}"/>
+              </a:ext>
+            </a:extLst>
+          </p:cNvPr>
+          <p:cNvCxnSpPr>
+            <a:cxnSpLocks/>
+          </p:cNvCxnSpPr>
+          <p:nvPr/>
+        </p:nvCxnSpPr>
+        <p:spPr>
+          <a:xfrm>
+            <a:off x="7346514" y="2313787"/>
+            <a:ext cx="466344" cy="0"/>
+          </a:xfrm>
+          <a:prstGeom prst="straightConnector1">
+            <a:avLst/>
+          </a:prstGeom>
+          <a:ln>
+            <a:tailEnd type="triangle" w="lg" len="lg"/>
+          </a:ln>
+        </p:spPr>
+        <p:style>
+          <a:lnRef idx="1">
+            <a:schemeClr val="dk1"/>
+          </a:lnRef>
+          <a:fillRef idx="0">
+            <a:schemeClr val="dk1"/>
+          </a:fillRef>
+          <a:effectRef idx="0">
+            <a:schemeClr val="dk1"/>
+          </a:effectRef>
+          <a:fontRef idx="minor">
+            <a:schemeClr val="tx1"/>
+          </a:fontRef>
+        </p:style>
+      </p:cxnSp>
+      <p:sp>
+        <p:nvSpPr>
+          <p:cNvPr id="83" name="Cube 82">
+            <a:extLst>
+              <a:ext uri="{FF2B5EF4-FFF2-40B4-BE49-F238E27FC236}">
+                <a16:creationId xmlns:a16="http://schemas.microsoft.com/office/drawing/2014/main" id="{D2C27C0C-819C-44D8-92F4-A7FB1A4A38A9}"/>
+              </a:ext>
+            </a:extLst>
+          </p:cNvPr>
+          <p:cNvSpPr/>
+          <p:nvPr/>
+        </p:nvSpPr>
+        <p:spPr>
+          <a:xfrm>
+            <a:off x="7814721" y="479704"/>
+            <a:ext cx="365760" cy="3897086"/>
+          </a:xfrm>
+          <a:prstGeom prst="cube">
+            <a:avLst>
+              <a:gd name="adj" fmla="val 11275"/>
+            </a:avLst>
+          </a:prstGeom>
+        </p:spPr>
+        <p:style>
+          <a:lnRef idx="2">
+            <a:schemeClr val="dk1"/>
+          </a:lnRef>
+          <a:fillRef idx="1">
+            <a:schemeClr val="lt1"/>
+          </a:fillRef>
+          <a:effectRef idx="0">
+            <a:schemeClr val="dk1"/>
+          </a:effectRef>
+          <a:fontRef idx="minor">
+            <a:schemeClr val="dk1"/>
+          </a:fontRef>
+        </p:style>
+        <p:txBody>
+          <a:bodyPr rtlCol="0" anchor="ctr"/>
+          <a:lstStyle/>
+          <a:p>
+            <a:pPr algn="ctr"/>
+            <a:endParaRPr lang="en-US"/>
+          </a:p>
+        </p:txBody>
+      </p:sp>
+      <p:cxnSp>
+        <p:nvCxnSpPr>
+          <p:cNvPr id="84" name="Straight Arrow Connector 83">
+            <a:extLst>
+              <a:ext uri="{FF2B5EF4-FFF2-40B4-BE49-F238E27FC236}">
+                <a16:creationId xmlns:a16="http://schemas.microsoft.com/office/drawing/2014/main" id="{D0C0BC1F-AF2C-4FE2-BAF6-CF57E3A2D9B7}"/>
+              </a:ext>
+            </a:extLst>
+          </p:cNvPr>
+          <p:cNvCxnSpPr>
+            <a:cxnSpLocks/>
+          </p:cNvCxnSpPr>
+          <p:nvPr/>
+        </p:nvCxnSpPr>
+        <p:spPr>
+          <a:xfrm flipV="1">
+            <a:off x="8186955" y="2313787"/>
+            <a:ext cx="274320" cy="0"/>
+          </a:xfrm>
+          <a:prstGeom prst="straightConnector1">
+            <a:avLst/>
+          </a:prstGeom>
+          <a:ln>
+            <a:tailEnd type="triangle" w="lg" len="lg"/>
+          </a:ln>
+        </p:spPr>
+        <p:style>
+          <a:lnRef idx="1">
+            <a:schemeClr val="dk1"/>
+          </a:lnRef>
+          <a:fillRef idx="0">
+            <a:schemeClr val="dk1"/>
+          </a:fillRef>
+          <a:effectRef idx="0">
+            <a:schemeClr val="dk1"/>
+          </a:effectRef>
+          <a:fontRef idx="minor">
+            <a:schemeClr val="tx1"/>
+          </a:fontRef>
+        </p:style>
+      </p:cxnSp>
+      <p:sp>
+        <p:nvSpPr>
+          <p:cNvPr id="85" name="Cube 84">
+            <a:extLst>
+              <a:ext uri="{FF2B5EF4-FFF2-40B4-BE49-F238E27FC236}">
+                <a16:creationId xmlns:a16="http://schemas.microsoft.com/office/drawing/2014/main" id="{0C0A4818-D7C3-471E-B51E-C0E89FBB3D1F}"/>
+              </a:ext>
+            </a:extLst>
+          </p:cNvPr>
+          <p:cNvSpPr/>
+          <p:nvPr/>
+        </p:nvSpPr>
+        <p:spPr>
+          <a:xfrm>
+            <a:off x="8471155" y="479704"/>
+            <a:ext cx="365760" cy="3897086"/>
+          </a:xfrm>
+          <a:prstGeom prst="cube">
+            <a:avLst>
+              <a:gd name="adj" fmla="val 11275"/>
+            </a:avLst>
+          </a:prstGeom>
+        </p:spPr>
+        <p:style>
+          <a:lnRef idx="2">
+            <a:schemeClr val="dk1"/>
+          </a:lnRef>
+          <a:fillRef idx="1">
+            <a:schemeClr val="lt1"/>
+          </a:fillRef>
+          <a:effectRef idx="0">
+            <a:schemeClr val="dk1"/>
+          </a:effectRef>
+          <a:fontRef idx="minor">
+            <a:schemeClr val="dk1"/>
+          </a:fontRef>
+        </p:style>
+        <p:txBody>
+          <a:bodyPr rtlCol="0" anchor="ctr"/>
+          <a:lstStyle/>
+          <a:p>
+            <a:pPr algn="ctr"/>
+            <a:endParaRPr lang="en-US"/>
+          </a:p>
+        </p:txBody>
+      </p:sp>
+      <p:sp>
+        <p:nvSpPr>
+          <p:cNvPr id="86" name="TextBox 85">
+            <a:extLst>
+              <a:ext uri="{FF2B5EF4-FFF2-40B4-BE49-F238E27FC236}">
+                <a16:creationId xmlns:a16="http://schemas.microsoft.com/office/drawing/2014/main" id="{5DE40A86-87CE-4D9A-B41E-11DAB2294F95}"/>
+              </a:ext>
+            </a:extLst>
+          </p:cNvPr>
+          <p:cNvSpPr txBox="1"/>
+          <p:nvPr/>
+        </p:nvSpPr>
+        <p:spPr>
+          <a:xfrm>
+            <a:off x="7636174" y="-4011"/>
+            <a:ext cx="653143" cy="369332"/>
+          </a:xfrm>
+          <a:prstGeom prst="rect">
+            <a:avLst/>
+          </a:prstGeom>
+          <a:noFill/>
+        </p:spPr>
+        <p:txBody>
+          <a:bodyPr wrap="square" rtlCol="0">
+            <a:spAutoFit/>
+          </a:bodyPr>
+          <a:lstStyle/>
+          <a:p>
+            <a:r>
+              <a:rPr lang="en-US" dirty="0"/>
+              <a:t>Conv</a:t>
+            </a:r>
+          </a:p>
+        </p:txBody>
+      </p:sp>
+      <p:sp>
+        <p:nvSpPr>
+          <p:cNvPr id="87" name="TextBox 86">
+            <a:extLst>
+              <a:ext uri="{FF2B5EF4-FFF2-40B4-BE49-F238E27FC236}">
+                <a16:creationId xmlns:a16="http://schemas.microsoft.com/office/drawing/2014/main" id="{1AF3E2DF-C9BB-4A4C-89E3-433C22E239CA}"/>
+              </a:ext>
+            </a:extLst>
+          </p:cNvPr>
+          <p:cNvSpPr txBox="1"/>
+          <p:nvPr/>
+        </p:nvSpPr>
+        <p:spPr>
+          <a:xfrm>
+            <a:off x="8362389" y="-4011"/>
+            <a:ext cx="653143" cy="369332"/>
+          </a:xfrm>
+          <a:prstGeom prst="rect">
+            <a:avLst/>
+          </a:prstGeom>
+          <a:noFill/>
+        </p:spPr>
+        <p:txBody>
+          <a:bodyPr wrap="square" rtlCol="0">
+            <a:spAutoFit/>
+          </a:bodyPr>
+          <a:lstStyle/>
+          <a:p>
+            <a:pPr algn="ctr"/>
+            <a:r>
+              <a:rPr lang="en-US" dirty="0"/>
+              <a:t>BN</a:t>
+            </a:r>
+          </a:p>
+        </p:txBody>
+      </p:sp>
+      <p:cxnSp>
+        <p:nvCxnSpPr>
+          <p:cNvPr id="88" name="Straight Arrow Connector 87">
+            <a:extLst>
+              <a:ext uri="{FF2B5EF4-FFF2-40B4-BE49-F238E27FC236}">
+                <a16:creationId xmlns:a16="http://schemas.microsoft.com/office/drawing/2014/main" id="{0A225AEE-E8C1-4DCF-B2A1-EE159398AC5F}"/>
+              </a:ext>
+            </a:extLst>
+          </p:cNvPr>
+          <p:cNvCxnSpPr>
+            <a:cxnSpLocks/>
+          </p:cNvCxnSpPr>
+          <p:nvPr/>
+        </p:nvCxnSpPr>
+        <p:spPr>
+          <a:xfrm flipV="1">
+            <a:off x="6589444" y="2313787"/>
+            <a:ext cx="365760" cy="0"/>
+          </a:xfrm>
+          <a:prstGeom prst="straightConnector1">
+            <a:avLst/>
+          </a:prstGeom>
+          <a:ln>
+            <a:tailEnd type="triangle" w="lg" len="lg"/>
+          </a:ln>
+        </p:spPr>
+        <p:style>
+          <a:lnRef idx="1">
+            <a:schemeClr val="dk1"/>
+          </a:lnRef>
+          <a:fillRef idx="0">
+            <a:schemeClr val="dk1"/>
+          </a:fillRef>
+          <a:effectRef idx="0">
+            <a:schemeClr val="dk1"/>
+          </a:effectRef>
+          <a:fontRef idx="minor">
+            <a:schemeClr val="tx1"/>
+          </a:fontRef>
+        </p:style>
+      </p:cxnSp>
+      <p:sp>
+        <p:nvSpPr>
+          <p:cNvPr id="77" name="Cube 76">
+            <a:extLst>
+              <a:ext uri="{FF2B5EF4-FFF2-40B4-BE49-F238E27FC236}">
+                <a16:creationId xmlns:a16="http://schemas.microsoft.com/office/drawing/2014/main" id="{EEE90503-9DDC-4945-9224-DF9649A52A47}"/>
+              </a:ext>
+            </a:extLst>
+          </p:cNvPr>
+          <p:cNvSpPr/>
+          <p:nvPr/>
+        </p:nvSpPr>
+        <p:spPr>
+          <a:xfrm>
+            <a:off x="6293100" y="479704"/>
+            <a:ext cx="365760" cy="3897086"/>
+          </a:xfrm>
+          <a:prstGeom prst="cube">
+            <a:avLst>
+              <a:gd name="adj" fmla="val 11275"/>
+            </a:avLst>
+          </a:prstGeom>
+        </p:spPr>
+        <p:style>
+          <a:lnRef idx="2">
+            <a:schemeClr val="dk1"/>
+          </a:lnRef>
+          <a:fillRef idx="1">
+            <a:schemeClr val="lt1"/>
+          </a:fillRef>
+          <a:effectRef idx="0">
+            <a:schemeClr val="dk1"/>
+          </a:effectRef>
+          <a:fontRef idx="minor">
+            <a:schemeClr val="dk1"/>
+          </a:fontRef>
+        </p:style>
+        <p:txBody>
+          <a:bodyPr rtlCol="0" anchor="ctr"/>
+          <a:lstStyle/>
+          <a:p>
+            <a:pPr algn="ctr"/>
+            <a:endParaRPr lang="en-US"/>
+          </a:p>
+        </p:txBody>
+      </p:sp>
+      <p:sp>
+        <p:nvSpPr>
+          <p:cNvPr id="89" name="Cube 88">
+            <a:extLst>
+              <a:ext uri="{FF2B5EF4-FFF2-40B4-BE49-F238E27FC236}">
+                <a16:creationId xmlns:a16="http://schemas.microsoft.com/office/drawing/2014/main" id="{2C8D9E33-E8C7-49B7-B8C6-7D9E265A7669}"/>
+              </a:ext>
+            </a:extLst>
+          </p:cNvPr>
+          <p:cNvSpPr/>
+          <p:nvPr/>
+        </p:nvSpPr>
+        <p:spPr>
+          <a:xfrm>
+            <a:off x="9137316" y="479704"/>
+            <a:ext cx="365760" cy="3897086"/>
+          </a:xfrm>
+          <a:prstGeom prst="cube">
+            <a:avLst>
+              <a:gd name="adj" fmla="val 11275"/>
+            </a:avLst>
+          </a:prstGeom>
+        </p:spPr>
+        <p:style>
+          <a:lnRef idx="2">
+            <a:schemeClr val="dk1"/>
+          </a:lnRef>
+          <a:fillRef idx="1">
+            <a:schemeClr val="lt1"/>
+          </a:fillRef>
+          <a:effectRef idx="0">
+            <a:schemeClr val="dk1"/>
+          </a:effectRef>
+          <a:fontRef idx="minor">
+            <a:schemeClr val="dk1"/>
+          </a:fontRef>
+        </p:style>
+        <p:txBody>
+          <a:bodyPr rtlCol="0" anchor="ctr"/>
+          <a:lstStyle/>
+          <a:p>
+            <a:pPr algn="ctr"/>
+            <a:endParaRPr lang="en-US"/>
+          </a:p>
+        </p:txBody>
+      </p:sp>
+      <p:sp>
+        <p:nvSpPr>
+          <p:cNvPr id="90" name="TextBox 89">
+            <a:extLst>
+              <a:ext uri="{FF2B5EF4-FFF2-40B4-BE49-F238E27FC236}">
+                <a16:creationId xmlns:a16="http://schemas.microsoft.com/office/drawing/2014/main" id="{A9AABB0D-4D0C-4A3D-9426-3A7E7D976205}"/>
+              </a:ext>
+            </a:extLst>
+          </p:cNvPr>
+          <p:cNvSpPr txBox="1"/>
+          <p:nvPr/>
+        </p:nvSpPr>
+        <p:spPr>
+          <a:xfrm>
+            <a:off x="8978742" y="-4011"/>
+            <a:ext cx="653143" cy="369332"/>
+          </a:xfrm>
+          <a:prstGeom prst="rect">
+            <a:avLst/>
+          </a:prstGeom>
+          <a:noFill/>
+        </p:spPr>
+        <p:txBody>
+          <a:bodyPr wrap="square" rtlCol="0">
+            <a:spAutoFit/>
+          </a:bodyPr>
+          <a:lstStyle/>
+          <a:p>
+            <a:pPr algn="ctr"/>
+            <a:r>
+              <a:rPr lang="en-US" dirty="0"/>
+              <a:t>GAP</a:t>
+            </a:r>
+          </a:p>
+        </p:txBody>
+      </p:sp>
+      <p:cxnSp>
+        <p:nvCxnSpPr>
+          <p:cNvPr id="91" name="Straight Arrow Connector 90">
+            <a:extLst>
+              <a:ext uri="{FF2B5EF4-FFF2-40B4-BE49-F238E27FC236}">
+                <a16:creationId xmlns:a16="http://schemas.microsoft.com/office/drawing/2014/main" id="{45C3289D-2581-478B-9B19-C4D5D5BB2408}"/>
+              </a:ext>
+            </a:extLst>
+          </p:cNvPr>
+          <p:cNvCxnSpPr>
+            <a:cxnSpLocks/>
+          </p:cNvCxnSpPr>
+          <p:nvPr/>
+        </p:nvCxnSpPr>
+        <p:spPr>
+          <a:xfrm flipV="1">
+            <a:off x="8862996" y="2313787"/>
+            <a:ext cx="274320" cy="0"/>
+          </a:xfrm>
+          <a:prstGeom prst="straightConnector1">
+            <a:avLst/>
+          </a:prstGeom>
+          <a:ln>
+            <a:tailEnd type="triangle" w="lg" len="lg"/>
+          </a:ln>
+        </p:spPr>
+        <p:style>
+          <a:lnRef idx="1">
+            <a:schemeClr val="dk1"/>
+          </a:lnRef>
+          <a:fillRef idx="0">
+            <a:schemeClr val="dk1"/>
+          </a:fillRef>
+          <a:effectRef idx="0">
+            <a:schemeClr val="dk1"/>
+          </a:effectRef>
+          <a:fontRef idx="minor">
+            <a:schemeClr val="tx1"/>
+          </a:fontRef>
+        </p:style>
+      </p:cxnSp>
+      <p:sp>
+        <p:nvSpPr>
+          <p:cNvPr id="53" name="TextBox 52">
+            <a:extLst>
+              <a:ext uri="{FF2B5EF4-FFF2-40B4-BE49-F238E27FC236}">
+                <a16:creationId xmlns:a16="http://schemas.microsoft.com/office/drawing/2014/main" id="{974A19B5-C730-4D74-A298-69F892580240}"/>
+              </a:ext>
+            </a:extLst>
+          </p:cNvPr>
+          <p:cNvSpPr txBox="1"/>
+          <p:nvPr/>
+        </p:nvSpPr>
+        <p:spPr>
+          <a:xfrm>
+            <a:off x="2652898" y="2395644"/>
+            <a:ext cx="653143" cy="369332"/>
+          </a:xfrm>
+          <a:prstGeom prst="rect">
+            <a:avLst/>
+          </a:prstGeom>
+          <a:noFill/>
+        </p:spPr>
+        <p:txBody>
+          <a:bodyPr wrap="square" rtlCol="0">
+            <a:spAutoFit/>
+          </a:bodyPr>
+          <a:lstStyle/>
+          <a:p>
+            <a:r>
+              <a:rPr lang="en-US" dirty="0" err="1"/>
+              <a:t>ReLu</a:t>
+            </a:r>
+            <a:endParaRPr lang="en-US" dirty="0"/>
+          </a:p>
+        </p:txBody>
+      </p:sp>
+      <p:sp>
+        <p:nvSpPr>
+          <p:cNvPr id="46" name="Cube 45">
+            <a:extLst>
+              <a:ext uri="{FF2B5EF4-FFF2-40B4-BE49-F238E27FC236}">
+                <a16:creationId xmlns:a16="http://schemas.microsoft.com/office/drawing/2014/main" id="{E2C6B2C8-2842-4888-A788-697BE7334D26}"/>
+              </a:ext>
+            </a:extLst>
+          </p:cNvPr>
+          <p:cNvSpPr/>
+          <p:nvPr/>
+        </p:nvSpPr>
+        <p:spPr>
+          <a:xfrm>
+            <a:off x="2289290" y="479704"/>
+            <a:ext cx="365760" cy="3897086"/>
+          </a:xfrm>
+          <a:prstGeom prst="cube">
+            <a:avLst>
+              <a:gd name="adj" fmla="val 11275"/>
+            </a:avLst>
+          </a:prstGeom>
+        </p:spPr>
+        <p:style>
+          <a:lnRef idx="2">
+            <a:schemeClr val="dk1"/>
+          </a:lnRef>
+          <a:fillRef idx="1">
+            <a:schemeClr val="lt1"/>
+          </a:fillRef>
+          <a:effectRef idx="0">
+            <a:schemeClr val="dk1"/>
+          </a:effectRef>
+          <a:fontRef idx="minor">
+            <a:schemeClr val="dk1"/>
+          </a:fontRef>
+        </p:style>
+        <p:txBody>
+          <a:bodyPr rtlCol="0" anchor="ctr"/>
+          <a:lstStyle/>
+          <a:p>
+            <a:pPr algn="ctr"/>
+            <a:endParaRPr lang="en-US"/>
+          </a:p>
+        </p:txBody>
+      </p:sp>
+      <p:sp>
+        <p:nvSpPr>
+          <p:cNvPr id="63" name="TextBox 62">
+            <a:extLst>
+              <a:ext uri="{FF2B5EF4-FFF2-40B4-BE49-F238E27FC236}">
+                <a16:creationId xmlns:a16="http://schemas.microsoft.com/office/drawing/2014/main" id="{C6A90F18-4F44-404C-BB3A-6B75294ED656}"/>
+              </a:ext>
+            </a:extLst>
+          </p:cNvPr>
+          <p:cNvSpPr txBox="1"/>
+          <p:nvPr/>
+        </p:nvSpPr>
+        <p:spPr>
+          <a:xfrm>
+            <a:off x="4192738" y="2395644"/>
+            <a:ext cx="653143" cy="369332"/>
+          </a:xfrm>
+          <a:prstGeom prst="rect">
+            <a:avLst/>
+          </a:prstGeom>
+          <a:noFill/>
+        </p:spPr>
+        <p:txBody>
+          <a:bodyPr wrap="square" rtlCol="0">
+            <a:spAutoFit/>
+          </a:bodyPr>
+          <a:lstStyle/>
+          <a:p>
+            <a:r>
+              <a:rPr lang="en-US" dirty="0" err="1"/>
+              <a:t>ReLu</a:t>
+            </a:r>
+            <a:endParaRPr lang="en-US" dirty="0"/>
+          </a:p>
+        </p:txBody>
+      </p:sp>
+      <p:sp>
+        <p:nvSpPr>
+          <p:cNvPr id="66" name="TextBox 65">
+            <a:extLst>
+              <a:ext uri="{FF2B5EF4-FFF2-40B4-BE49-F238E27FC236}">
+                <a16:creationId xmlns:a16="http://schemas.microsoft.com/office/drawing/2014/main" id="{D6A813D6-C709-41FA-B8B0-02AEC08B80E9}"/>
+              </a:ext>
+            </a:extLst>
+          </p:cNvPr>
+          <p:cNvSpPr txBox="1"/>
+          <p:nvPr/>
+        </p:nvSpPr>
+        <p:spPr>
+          <a:xfrm>
+            <a:off x="5742907" y="2395644"/>
+            <a:ext cx="653143" cy="369332"/>
+          </a:xfrm>
+          <a:prstGeom prst="rect">
+            <a:avLst/>
+          </a:prstGeom>
+          <a:noFill/>
+        </p:spPr>
+        <p:txBody>
+          <a:bodyPr wrap="square" rtlCol="0">
+            <a:spAutoFit/>
+          </a:bodyPr>
+          <a:lstStyle/>
+          <a:p>
+            <a:r>
+              <a:rPr lang="en-US" dirty="0" err="1"/>
+              <a:t>ReLu</a:t>
+            </a:r>
+            <a:endParaRPr lang="en-US" dirty="0"/>
+          </a:p>
+        </p:txBody>
+      </p:sp>
+      <p:sp>
+        <p:nvSpPr>
+          <p:cNvPr id="82" name="TextBox 81">
+            <a:extLst>
+              <a:ext uri="{FF2B5EF4-FFF2-40B4-BE49-F238E27FC236}">
+                <a16:creationId xmlns:a16="http://schemas.microsoft.com/office/drawing/2014/main" id="{E82D074E-1DF4-431A-AD8E-99C56CB6DF5A}"/>
+              </a:ext>
+            </a:extLst>
+          </p:cNvPr>
+          <p:cNvSpPr txBox="1"/>
+          <p:nvPr/>
+        </p:nvSpPr>
+        <p:spPr>
+          <a:xfrm>
+            <a:off x="7268794" y="2395644"/>
+            <a:ext cx="653143" cy="369332"/>
+          </a:xfrm>
+          <a:prstGeom prst="rect">
+            <a:avLst/>
+          </a:prstGeom>
+          <a:noFill/>
+        </p:spPr>
+        <p:txBody>
+          <a:bodyPr wrap="square" rtlCol="0">
+            <a:spAutoFit/>
+          </a:bodyPr>
+          <a:lstStyle/>
+          <a:p>
+            <a:r>
+              <a:rPr lang="en-US" dirty="0" err="1"/>
+              <a:t>ReLu</a:t>
+            </a:r>
+            <a:endParaRPr lang="en-US" dirty="0"/>
+          </a:p>
+        </p:txBody>
+      </p:sp>
+      <p:sp>
+        <p:nvSpPr>
+          <p:cNvPr id="92" name="TextBox 91">
+            <a:extLst>
+              <a:ext uri="{FF2B5EF4-FFF2-40B4-BE49-F238E27FC236}">
+                <a16:creationId xmlns:a16="http://schemas.microsoft.com/office/drawing/2014/main" id="{612AB2A1-C7A9-4A23-86CA-89CAD3CE65FB}"/>
+              </a:ext>
+            </a:extLst>
+          </p:cNvPr>
+          <p:cNvSpPr txBox="1"/>
+          <p:nvPr/>
+        </p:nvSpPr>
+        <p:spPr>
+          <a:xfrm>
+            <a:off x="10899671" y="4007458"/>
+            <a:ext cx="653143" cy="369332"/>
+          </a:xfrm>
+          <a:prstGeom prst="rect">
+            <a:avLst/>
+          </a:prstGeom>
+          <a:noFill/>
+        </p:spPr>
+        <p:txBody>
+          <a:bodyPr wrap="square" rtlCol="0">
+            <a:spAutoFit/>
+          </a:bodyPr>
+          <a:lstStyle/>
+          <a:p>
+            <a:pPr algn="ctr"/>
+            <a:r>
+              <a:rPr lang="en-US" dirty="0"/>
+              <a:t>SM</a:t>
+            </a:r>
+          </a:p>
+        </p:txBody>
+      </p:sp>
+    </p:spTree>
+    <p:extLst>
+      <p:ext uri="{BB962C8B-B14F-4D97-AF65-F5344CB8AC3E}">
+        <p14:creationId xmlns:p14="http://schemas.microsoft.com/office/powerpoint/2010/main" val="3929608859"/>
+      </p:ext>
+    </p:extLst>
+  </p:cSld>
+  <p:clrMapOvr>
+    <a:masterClrMapping/>
+  </p:clrMapOvr>
+</p:sld>
+</file>
+
+<file path=ppt/slides/slide7.xml><?xml version="1.0" encoding="utf-8"?>
+<p:sld xmlns:a="http://schemas.openxmlformats.org/drawingml/2006/main" xmlns:r="http://schemas.openxmlformats.org/officeDocument/2006/relationships" xmlns:p="http://schemas.openxmlformats.org/presentationml/2006/main">
+  <p:cSld>
+    <p:spTree>
+      <p:nvGrpSpPr>
+        <p:cNvPr id="1" name=""/>
+        <p:cNvGrpSpPr/>
+        <p:nvPr/>
+      </p:nvGrpSpPr>
+      <p:grpSpPr>
+        <a:xfrm>
+          <a:off x="0" y="0"/>
+          <a:ext cx="0" cy="0"/>
+          <a:chOff x="0" y="0"/>
+          <a:chExt cx="0" cy="0"/>
+        </a:xfrm>
+      </p:grpSpPr>
+      <p:sp>
+        <p:nvSpPr>
+          <p:cNvPr id="5" name="Cube 4">
+            <a:extLst>
+              <a:ext uri="{FF2B5EF4-FFF2-40B4-BE49-F238E27FC236}">
+                <a16:creationId xmlns:a16="http://schemas.microsoft.com/office/drawing/2014/main" id="{CD12023E-850E-4068-A1A0-2E52114F7CF4}"/>
+              </a:ext>
+            </a:extLst>
+          </p:cNvPr>
+          <p:cNvSpPr/>
+          <p:nvPr/>
+        </p:nvSpPr>
+        <p:spPr>
+          <a:xfrm>
+            <a:off x="1724094" y="909937"/>
+            <a:ext cx="413306" cy="3024921"/>
+          </a:xfrm>
+          <a:prstGeom prst="cube">
+            <a:avLst>
+              <a:gd name="adj" fmla="val 11275"/>
+            </a:avLst>
+          </a:prstGeom>
+        </p:spPr>
+        <p:style>
+          <a:lnRef idx="2">
+            <a:schemeClr val="dk1"/>
+          </a:lnRef>
+          <a:fillRef idx="1">
+            <a:schemeClr val="lt1"/>
+          </a:fillRef>
+          <a:effectRef idx="0">
+            <a:schemeClr val="dk1"/>
+          </a:effectRef>
+          <a:fontRef idx="minor">
+            <a:schemeClr val="dk1"/>
+          </a:fontRef>
+        </p:style>
+        <p:txBody>
+          <a:bodyPr rtlCol="0" anchor="ctr"/>
+          <a:lstStyle/>
+          <a:p>
+            <a:pPr algn="ctr"/>
+            <a:endParaRPr lang="en-US"/>
+          </a:p>
+        </p:txBody>
+      </p:sp>
+      <p:sp>
+        <p:nvSpPr>
+          <p:cNvPr id="7" name="TextBox 6">
+            <a:extLst>
+              <a:ext uri="{FF2B5EF4-FFF2-40B4-BE49-F238E27FC236}">
+                <a16:creationId xmlns:a16="http://schemas.microsoft.com/office/drawing/2014/main" id="{8370FE98-8906-4208-ADBB-71CE9C8757B4}"/>
+              </a:ext>
+            </a:extLst>
+          </p:cNvPr>
+          <p:cNvSpPr txBox="1"/>
+          <p:nvPr/>
+        </p:nvSpPr>
+        <p:spPr>
+          <a:xfrm>
+            <a:off x="1632868" y="455977"/>
+            <a:ext cx="653143" cy="369332"/>
+          </a:xfrm>
+          <a:prstGeom prst="rect">
+            <a:avLst/>
+          </a:prstGeom>
+          <a:noFill/>
+        </p:spPr>
+        <p:txBody>
+          <a:bodyPr wrap="square" rtlCol="0">
+            <a:spAutoFit/>
+          </a:bodyPr>
+          <a:lstStyle/>
+          <a:p>
+            <a:r>
+              <a:rPr lang="en-US" dirty="0"/>
+              <a:t>Conv</a:t>
+            </a:r>
+          </a:p>
+        </p:txBody>
+      </p:sp>
+      <p:sp>
+        <p:nvSpPr>
+          <p:cNvPr id="19" name="Cube 18">
+            <a:extLst>
+              <a:ext uri="{FF2B5EF4-FFF2-40B4-BE49-F238E27FC236}">
+                <a16:creationId xmlns:a16="http://schemas.microsoft.com/office/drawing/2014/main" id="{580D88BB-C22C-4836-BE19-A6227C7BF814}"/>
+              </a:ext>
+            </a:extLst>
+          </p:cNvPr>
+          <p:cNvSpPr/>
+          <p:nvPr/>
+        </p:nvSpPr>
+        <p:spPr>
+          <a:xfrm>
+            <a:off x="8582095" y="1898395"/>
+            <a:ext cx="326573" cy="3897086"/>
+          </a:xfrm>
+          <a:prstGeom prst="cube">
+            <a:avLst>
+              <a:gd name="adj" fmla="val 11275"/>
+            </a:avLst>
+          </a:prstGeom>
+        </p:spPr>
+        <p:style>
+          <a:lnRef idx="2">
+            <a:schemeClr val="dk1"/>
+          </a:lnRef>
+          <a:fillRef idx="1">
+            <a:schemeClr val="lt1"/>
+          </a:fillRef>
+          <a:effectRef idx="0">
+            <a:schemeClr val="dk1"/>
+          </a:effectRef>
+          <a:fontRef idx="minor">
+            <a:schemeClr val="dk1"/>
+          </a:fontRef>
+        </p:style>
+        <p:txBody>
+          <a:bodyPr rtlCol="0" anchor="ctr"/>
+          <a:lstStyle/>
+          <a:p>
+            <a:pPr algn="ctr"/>
+            <a:endParaRPr lang="en-US"/>
+          </a:p>
+        </p:txBody>
+      </p:sp>
+      <p:sp>
+        <p:nvSpPr>
+          <p:cNvPr id="20" name="TextBox 19">
+            <a:extLst>
+              <a:ext uri="{FF2B5EF4-FFF2-40B4-BE49-F238E27FC236}">
+                <a16:creationId xmlns:a16="http://schemas.microsoft.com/office/drawing/2014/main" id="{248DB4C9-CF37-48CE-98EE-BC111D2CDDF0}"/>
+              </a:ext>
+            </a:extLst>
+          </p:cNvPr>
+          <p:cNvSpPr txBox="1"/>
+          <p:nvPr/>
+        </p:nvSpPr>
+        <p:spPr>
+          <a:xfrm>
+            <a:off x="8421904" y="1383239"/>
+            <a:ext cx="653143" cy="374395"/>
+          </a:xfrm>
+          <a:prstGeom prst="rect">
+            <a:avLst/>
+          </a:prstGeom>
+          <a:noFill/>
+        </p:spPr>
+        <p:txBody>
+          <a:bodyPr wrap="square" rtlCol="0">
+            <a:spAutoFit/>
+          </a:bodyPr>
+          <a:lstStyle/>
+          <a:p>
+            <a:pPr algn="ctr"/>
+            <a:r>
+              <a:rPr lang="en-US" dirty="0"/>
+              <a:t>FC</a:t>
+            </a:r>
+          </a:p>
+        </p:txBody>
+      </p:sp>
+      <p:sp>
+        <p:nvSpPr>
+          <p:cNvPr id="21" name="Cube 20">
+            <a:extLst>
+              <a:ext uri="{FF2B5EF4-FFF2-40B4-BE49-F238E27FC236}">
+                <a16:creationId xmlns:a16="http://schemas.microsoft.com/office/drawing/2014/main" id="{CC343430-77BF-424D-A4A7-232F0DC32330}"/>
+              </a:ext>
+            </a:extLst>
+          </p:cNvPr>
+          <p:cNvSpPr/>
+          <p:nvPr/>
+        </p:nvSpPr>
+        <p:spPr>
+          <a:xfrm>
+            <a:off x="9542728" y="1916805"/>
+            <a:ext cx="326573" cy="3897086"/>
+          </a:xfrm>
+          <a:prstGeom prst="cube">
+            <a:avLst>
+              <a:gd name="adj" fmla="val 11275"/>
+            </a:avLst>
+          </a:prstGeom>
+        </p:spPr>
+        <p:style>
+          <a:lnRef idx="2">
+            <a:schemeClr val="dk1"/>
+          </a:lnRef>
+          <a:fillRef idx="1">
+            <a:schemeClr val="lt1"/>
+          </a:fillRef>
+          <a:effectRef idx="0">
+            <a:schemeClr val="dk1"/>
+          </a:effectRef>
+          <a:fontRef idx="minor">
+            <a:schemeClr val="dk1"/>
+          </a:fontRef>
+        </p:style>
+        <p:txBody>
+          <a:bodyPr rtlCol="0" anchor="ctr"/>
+          <a:lstStyle/>
+          <a:p>
+            <a:pPr algn="ctr"/>
+            <a:endParaRPr lang="en-US"/>
+          </a:p>
+        </p:txBody>
+      </p:sp>
+      <p:sp>
+        <p:nvSpPr>
+          <p:cNvPr id="22" name="TextBox 21">
+            <a:extLst>
+              <a:ext uri="{FF2B5EF4-FFF2-40B4-BE49-F238E27FC236}">
+                <a16:creationId xmlns:a16="http://schemas.microsoft.com/office/drawing/2014/main" id="{080D28A0-42E2-4368-8205-6A4288503DD8}"/>
+              </a:ext>
+            </a:extLst>
+          </p:cNvPr>
+          <p:cNvSpPr txBox="1"/>
+          <p:nvPr/>
+        </p:nvSpPr>
+        <p:spPr>
+          <a:xfrm>
+            <a:off x="9373109" y="1383239"/>
+            <a:ext cx="653143" cy="374395"/>
+          </a:xfrm>
+          <a:prstGeom prst="rect">
+            <a:avLst/>
+          </a:prstGeom>
+          <a:noFill/>
+        </p:spPr>
+        <p:txBody>
+          <a:bodyPr wrap="square" rtlCol="0">
+            <a:spAutoFit/>
+          </a:bodyPr>
+          <a:lstStyle/>
+          <a:p>
+            <a:pPr algn="ctr"/>
+            <a:r>
+              <a:rPr lang="en-US" dirty="0"/>
+              <a:t>FC</a:t>
+            </a:r>
+          </a:p>
+        </p:txBody>
+      </p:sp>
+      <p:cxnSp>
+        <p:nvCxnSpPr>
+          <p:cNvPr id="40" name="Straight Arrow Connector 39">
+            <a:extLst>
+              <a:ext uri="{FF2B5EF4-FFF2-40B4-BE49-F238E27FC236}">
+                <a16:creationId xmlns:a16="http://schemas.microsoft.com/office/drawing/2014/main" id="{D854C067-5833-4D39-86F7-2FE52AA80244}"/>
+              </a:ext>
+            </a:extLst>
+          </p:cNvPr>
+          <p:cNvCxnSpPr>
+            <a:cxnSpLocks/>
+            <a:stCxn id="5" idx="5"/>
+          </p:cNvCxnSpPr>
+          <p:nvPr/>
+        </p:nvCxnSpPr>
+        <p:spPr>
+          <a:xfrm flipV="1">
+            <a:off x="2137400" y="2314607"/>
+            <a:ext cx="652709" cy="0"/>
+          </a:xfrm>
+          <a:prstGeom prst="straightConnector1">
+            <a:avLst/>
+          </a:prstGeom>
+          <a:ln>
+            <a:tailEnd type="triangle" w="lg" len="lg"/>
+          </a:ln>
+        </p:spPr>
+        <p:style>
+          <a:lnRef idx="1">
+            <a:schemeClr val="dk1"/>
+          </a:lnRef>
+          <a:fillRef idx="0">
+            <a:schemeClr val="dk1"/>
+          </a:fillRef>
+          <a:effectRef idx="0">
+            <a:schemeClr val="dk1"/>
+          </a:effectRef>
+          <a:fontRef idx="minor">
+            <a:schemeClr val="tx1"/>
+          </a:fontRef>
+        </p:style>
+      </p:cxnSp>
+      <p:sp>
+        <p:nvSpPr>
+          <p:cNvPr id="64" name="TextBox 63">
+            <a:extLst>
+              <a:ext uri="{FF2B5EF4-FFF2-40B4-BE49-F238E27FC236}">
+                <a16:creationId xmlns:a16="http://schemas.microsoft.com/office/drawing/2014/main" id="{A78FDA8A-116E-4A76-865B-769006AC892F}"/>
+              </a:ext>
+            </a:extLst>
+          </p:cNvPr>
+          <p:cNvSpPr txBox="1"/>
+          <p:nvPr/>
+        </p:nvSpPr>
+        <p:spPr>
+          <a:xfrm>
+            <a:off x="136995" y="1155036"/>
+            <a:ext cx="1454029" cy="369332"/>
+          </a:xfrm>
+          <a:prstGeom prst="rect">
+            <a:avLst/>
+          </a:prstGeom>
+          <a:noFill/>
+        </p:spPr>
+        <p:txBody>
+          <a:bodyPr wrap="square" rtlCol="0">
+            <a:spAutoFit/>
+          </a:bodyPr>
+          <a:lstStyle/>
+          <a:p>
+            <a:pPr algn="ctr"/>
+            <a:r>
+              <a:rPr lang="en-US" dirty="0"/>
+              <a:t>Depth Image</a:t>
+            </a:r>
+          </a:p>
+        </p:txBody>
+      </p:sp>
+      <p:pic>
+        <p:nvPicPr>
+          <p:cNvPr id="3" name="Picture 2">
+            <a:extLst>
+              <a:ext uri="{FF2B5EF4-FFF2-40B4-BE49-F238E27FC236}">
+                <a16:creationId xmlns:a16="http://schemas.microsoft.com/office/drawing/2014/main" id="{0C500444-ACE4-4C06-994C-A16DBDF17D66}"/>
+              </a:ext>
+            </a:extLst>
+          </p:cNvPr>
+          <p:cNvPicPr>
+            <a:picLocks noChangeAspect="1"/>
+          </p:cNvPicPr>
+          <p:nvPr/>
+        </p:nvPicPr>
+        <p:blipFill>
+          <a:blip r:embed="rId3">
+            <a:extLst>
+              <a:ext uri="{28A0092B-C50C-407E-A947-70E740481C1C}">
+                <a14:useLocalDpi xmlns:a14="http://schemas.microsoft.com/office/drawing/2010/main" val="0"/>
+              </a:ext>
+            </a:extLst>
+          </a:blip>
+          <a:stretch>
+            <a:fillRect/>
+          </a:stretch>
+        </p:blipFill>
+        <p:spPr>
+          <a:xfrm flipH="1">
+            <a:off x="183354" y="1737823"/>
+            <a:ext cx="1218893" cy="926618"/>
+          </a:xfrm>
+          <a:prstGeom prst="rect">
+            <a:avLst/>
+          </a:prstGeom>
+        </p:spPr>
+      </p:pic>
+      <p:cxnSp>
+        <p:nvCxnSpPr>
+          <p:cNvPr id="36" name="Straight Arrow Connector 35">
+            <a:extLst>
+              <a:ext uri="{FF2B5EF4-FFF2-40B4-BE49-F238E27FC236}">
+                <a16:creationId xmlns:a16="http://schemas.microsoft.com/office/drawing/2014/main" id="{FCCC8F6A-2904-4F30-9D17-3B0B5BB736FA}"/>
+              </a:ext>
+            </a:extLst>
+          </p:cNvPr>
+          <p:cNvCxnSpPr>
+            <a:cxnSpLocks/>
+          </p:cNvCxnSpPr>
+          <p:nvPr/>
+        </p:nvCxnSpPr>
+        <p:spPr>
+          <a:xfrm flipV="1">
+            <a:off x="1339327" y="2323812"/>
+            <a:ext cx="420414" cy="18412"/>
+          </a:xfrm>
+          <a:prstGeom prst="straightConnector1">
+            <a:avLst/>
+          </a:prstGeom>
+          <a:ln>
+            <a:tailEnd type="triangle" w="lg" len="lg"/>
+          </a:ln>
+        </p:spPr>
+        <p:style>
+          <a:lnRef idx="1">
+            <a:schemeClr val="dk1"/>
+          </a:lnRef>
+          <a:fillRef idx="0">
+            <a:schemeClr val="dk1"/>
+          </a:fillRef>
+          <a:effectRef idx="0">
+            <a:schemeClr val="dk1"/>
+          </a:effectRef>
+          <a:fontRef idx="minor">
+            <a:schemeClr val="tx1"/>
+          </a:fontRef>
+        </p:style>
+      </p:cxnSp>
+      <p:cxnSp>
+        <p:nvCxnSpPr>
+          <p:cNvPr id="39" name="Straight Arrow Connector 38">
+            <a:extLst>
+              <a:ext uri="{FF2B5EF4-FFF2-40B4-BE49-F238E27FC236}">
+                <a16:creationId xmlns:a16="http://schemas.microsoft.com/office/drawing/2014/main" id="{45D07F38-B835-4BD9-8B14-CC650A74A1CC}"/>
+              </a:ext>
+            </a:extLst>
+          </p:cNvPr>
+          <p:cNvCxnSpPr>
+            <a:cxnSpLocks/>
+          </p:cNvCxnSpPr>
+          <p:nvPr/>
+        </p:nvCxnSpPr>
+        <p:spPr>
+          <a:xfrm>
+            <a:off x="9885630" y="3891182"/>
+            <a:ext cx="711985" cy="0"/>
+          </a:xfrm>
+          <a:prstGeom prst="straightConnector1">
+            <a:avLst/>
+          </a:prstGeom>
+          <a:ln>
+            <a:tailEnd type="triangle" w="lg" len="lg"/>
+          </a:ln>
+        </p:spPr>
+        <p:style>
+          <a:lnRef idx="1">
+            <a:schemeClr val="dk1"/>
+          </a:lnRef>
+          <a:fillRef idx="0">
+            <a:schemeClr val="dk1"/>
+          </a:fillRef>
+          <a:effectRef idx="0">
+            <a:schemeClr val="dk1"/>
+          </a:effectRef>
+          <a:fontRef idx="minor">
+            <a:schemeClr val="tx1"/>
+          </a:fontRef>
+        </p:style>
+      </p:cxnSp>
+      <p:sp>
+        <p:nvSpPr>
+          <p:cNvPr id="41" name="TextBox 40">
+            <a:extLst>
+              <a:ext uri="{FF2B5EF4-FFF2-40B4-BE49-F238E27FC236}">
+                <a16:creationId xmlns:a16="http://schemas.microsoft.com/office/drawing/2014/main" id="{4B7B7306-BD54-4E0B-AD6E-0332F7F3219C}"/>
+              </a:ext>
+            </a:extLst>
+          </p:cNvPr>
+          <p:cNvSpPr txBox="1"/>
+          <p:nvPr/>
+        </p:nvSpPr>
+        <p:spPr>
+          <a:xfrm>
+            <a:off x="10522421" y="3688960"/>
+            <a:ext cx="1334972" cy="369332"/>
+          </a:xfrm>
+          <a:prstGeom prst="rect">
+            <a:avLst/>
+          </a:prstGeom>
+          <a:noFill/>
+        </p:spPr>
+        <p:txBody>
+          <a:bodyPr wrap="square" rtlCol="0">
+            <a:spAutoFit/>
+          </a:bodyPr>
+          <a:lstStyle/>
+          <a:p>
+            <a:pPr algn="ctr"/>
+            <a:r>
+              <a:rPr lang="en-US" dirty="0"/>
+              <a:t>Output</a:t>
+            </a:r>
+          </a:p>
+        </p:txBody>
+      </p:sp>
+      <p:sp>
+        <p:nvSpPr>
+          <p:cNvPr id="43" name="TextBox 42">
+            <a:extLst>
+              <a:ext uri="{FF2B5EF4-FFF2-40B4-BE49-F238E27FC236}">
+                <a16:creationId xmlns:a16="http://schemas.microsoft.com/office/drawing/2014/main" id="{A6A1694A-5C61-41DE-B1B1-7EB4524EC076}"/>
+              </a:ext>
+            </a:extLst>
+          </p:cNvPr>
+          <p:cNvSpPr txBox="1"/>
+          <p:nvPr/>
+        </p:nvSpPr>
+        <p:spPr>
+          <a:xfrm>
+            <a:off x="2440301" y="455977"/>
+            <a:ext cx="1093751" cy="369332"/>
+          </a:xfrm>
+          <a:prstGeom prst="rect">
+            <a:avLst/>
+          </a:prstGeom>
+          <a:noFill/>
+        </p:spPr>
+        <p:txBody>
+          <a:bodyPr wrap="square" rtlCol="0">
+            <a:spAutoFit/>
+          </a:bodyPr>
+          <a:lstStyle/>
+          <a:p>
+            <a:pPr algn="ctr"/>
+            <a:r>
+              <a:rPr lang="en-US" dirty="0"/>
+              <a:t>BN</a:t>
+            </a:r>
+          </a:p>
+        </p:txBody>
+      </p:sp>
+      <p:cxnSp>
+        <p:nvCxnSpPr>
+          <p:cNvPr id="45" name="Straight Arrow Connector 44">
+            <a:extLst>
+              <a:ext uri="{FF2B5EF4-FFF2-40B4-BE49-F238E27FC236}">
+                <a16:creationId xmlns:a16="http://schemas.microsoft.com/office/drawing/2014/main" id="{C2D07871-9DA6-405B-8D58-30FBA393E6E2}"/>
+              </a:ext>
+            </a:extLst>
+          </p:cNvPr>
+          <p:cNvCxnSpPr>
+            <a:cxnSpLocks/>
+            <a:stCxn id="51" idx="5"/>
+            <a:endCxn id="48" idx="2"/>
+          </p:cNvCxnSpPr>
+          <p:nvPr/>
+        </p:nvCxnSpPr>
+        <p:spPr>
+          <a:xfrm>
+            <a:off x="4221983" y="2395422"/>
+            <a:ext cx="632485" cy="1476074"/>
+          </a:xfrm>
+          <a:prstGeom prst="straightConnector1">
+            <a:avLst/>
+          </a:prstGeom>
+          <a:ln>
+            <a:tailEnd type="triangle" w="lg" len="lg"/>
+          </a:ln>
+        </p:spPr>
+        <p:style>
+          <a:lnRef idx="1">
+            <a:schemeClr val="dk1"/>
+          </a:lnRef>
+          <a:fillRef idx="0">
+            <a:schemeClr val="dk1"/>
+          </a:fillRef>
+          <a:effectRef idx="0">
+            <a:schemeClr val="dk1"/>
+          </a:effectRef>
+          <a:fontRef idx="minor">
+            <a:schemeClr val="tx1"/>
+          </a:fontRef>
+        </p:style>
+      </p:cxnSp>
+      <p:sp>
+        <p:nvSpPr>
+          <p:cNvPr id="48" name="Cube 47">
+            <a:extLst>
+              <a:ext uri="{FF2B5EF4-FFF2-40B4-BE49-F238E27FC236}">
+                <a16:creationId xmlns:a16="http://schemas.microsoft.com/office/drawing/2014/main" id="{6A496D3E-6FE0-4987-85E8-B46D07572D9D}"/>
+              </a:ext>
+            </a:extLst>
+          </p:cNvPr>
+          <p:cNvSpPr/>
+          <p:nvPr/>
+        </p:nvSpPr>
+        <p:spPr>
+          <a:xfrm>
+            <a:off x="4854468" y="1898395"/>
+            <a:ext cx="435613" cy="3897086"/>
+          </a:xfrm>
+          <a:prstGeom prst="cube">
+            <a:avLst>
+              <a:gd name="adj" fmla="val 11275"/>
+            </a:avLst>
+          </a:prstGeom>
+        </p:spPr>
+        <p:style>
+          <a:lnRef idx="2">
+            <a:schemeClr val="dk1"/>
+          </a:lnRef>
+          <a:fillRef idx="1">
+            <a:schemeClr val="lt1"/>
+          </a:fillRef>
+          <a:effectRef idx="0">
+            <a:schemeClr val="dk1"/>
+          </a:effectRef>
+          <a:fontRef idx="minor">
+            <a:schemeClr val="dk1"/>
+          </a:fontRef>
+        </p:style>
+        <p:txBody>
+          <a:bodyPr rtlCol="0" anchor="ctr"/>
+          <a:lstStyle/>
+          <a:p>
+            <a:pPr algn="ctr"/>
+            <a:endParaRPr lang="en-US"/>
+          </a:p>
+        </p:txBody>
+      </p:sp>
+      <p:cxnSp>
+        <p:nvCxnSpPr>
+          <p:cNvPr id="49" name="Straight Arrow Connector 48">
+            <a:extLst>
+              <a:ext uri="{FF2B5EF4-FFF2-40B4-BE49-F238E27FC236}">
+                <a16:creationId xmlns:a16="http://schemas.microsoft.com/office/drawing/2014/main" id="{686C4C8B-E74E-4C14-891C-541450F44E84}"/>
+              </a:ext>
+            </a:extLst>
+          </p:cNvPr>
+          <p:cNvCxnSpPr>
+            <a:cxnSpLocks/>
+            <a:stCxn id="70" idx="5"/>
+            <a:endCxn id="48" idx="2"/>
+          </p:cNvCxnSpPr>
+          <p:nvPr/>
+        </p:nvCxnSpPr>
+        <p:spPr>
+          <a:xfrm flipV="1">
+            <a:off x="3167613" y="3871496"/>
+            <a:ext cx="1686855" cy="1666928"/>
+          </a:xfrm>
+          <a:prstGeom prst="straightConnector1">
+            <a:avLst/>
+          </a:prstGeom>
+          <a:ln>
+            <a:tailEnd type="triangle" w="lg" len="lg"/>
+          </a:ln>
+        </p:spPr>
+        <p:style>
+          <a:lnRef idx="1">
+            <a:schemeClr val="dk1"/>
+          </a:lnRef>
+          <a:fillRef idx="0">
+            <a:schemeClr val="dk1"/>
+          </a:fillRef>
+          <a:effectRef idx="0">
+            <a:schemeClr val="dk1"/>
+          </a:effectRef>
+          <a:fontRef idx="minor">
+            <a:schemeClr val="tx1"/>
+          </a:fontRef>
+        </p:style>
+      </p:cxnSp>
+      <p:sp>
+        <p:nvSpPr>
+          <p:cNvPr id="50" name="TextBox 49">
+            <a:extLst>
+              <a:ext uri="{FF2B5EF4-FFF2-40B4-BE49-F238E27FC236}">
+                <a16:creationId xmlns:a16="http://schemas.microsoft.com/office/drawing/2014/main" id="{6A261161-9331-4D18-B1CA-E1B22A6885A1}"/>
+              </a:ext>
+            </a:extLst>
+          </p:cNvPr>
+          <p:cNvSpPr txBox="1"/>
+          <p:nvPr/>
+        </p:nvSpPr>
+        <p:spPr>
+          <a:xfrm>
+            <a:off x="4785181" y="1383239"/>
+            <a:ext cx="653143" cy="369332"/>
+          </a:xfrm>
+          <a:prstGeom prst="rect">
+            <a:avLst/>
+          </a:prstGeom>
+          <a:noFill/>
+        </p:spPr>
+        <p:txBody>
+          <a:bodyPr wrap="square" rtlCol="0">
+            <a:spAutoFit/>
+          </a:bodyPr>
+          <a:lstStyle/>
+          <a:p>
+            <a:pPr algn="ctr"/>
+            <a:r>
+              <a:rPr lang="en-US" dirty="0"/>
+              <a:t>Sum</a:t>
+            </a:r>
+          </a:p>
+        </p:txBody>
+      </p:sp>
+      <p:cxnSp>
+        <p:nvCxnSpPr>
+          <p:cNvPr id="52" name="Straight Arrow Connector 51">
+            <a:extLst>
+              <a:ext uri="{FF2B5EF4-FFF2-40B4-BE49-F238E27FC236}">
+                <a16:creationId xmlns:a16="http://schemas.microsoft.com/office/drawing/2014/main" id="{360F92DA-07E5-4AB9-AD72-53E117F6BD6D}"/>
+              </a:ext>
+            </a:extLst>
+          </p:cNvPr>
+          <p:cNvCxnSpPr>
+            <a:cxnSpLocks/>
+          </p:cNvCxnSpPr>
+          <p:nvPr/>
+        </p:nvCxnSpPr>
+        <p:spPr>
+          <a:xfrm flipV="1">
+            <a:off x="5292574" y="3891182"/>
+            <a:ext cx="541587" cy="0"/>
+          </a:xfrm>
+          <a:prstGeom prst="straightConnector1">
+            <a:avLst/>
+          </a:prstGeom>
+          <a:ln>
+            <a:tailEnd type="triangle" w="lg" len="lg"/>
+          </a:ln>
+        </p:spPr>
+        <p:style>
+          <a:lnRef idx="1">
+            <a:schemeClr val="dk1"/>
+          </a:lnRef>
+          <a:fillRef idx="0">
+            <a:schemeClr val="dk1"/>
+          </a:fillRef>
+          <a:effectRef idx="0">
+            <a:schemeClr val="dk1"/>
+          </a:effectRef>
+          <a:fontRef idx="minor">
+            <a:schemeClr val="tx1"/>
+          </a:fontRef>
+        </p:style>
+      </p:cxnSp>
+      <p:sp>
+        <p:nvSpPr>
+          <p:cNvPr id="57" name="TextBox 56">
+            <a:extLst>
+              <a:ext uri="{FF2B5EF4-FFF2-40B4-BE49-F238E27FC236}">
+                <a16:creationId xmlns:a16="http://schemas.microsoft.com/office/drawing/2014/main" id="{CE1F5D62-86C8-4C8C-984F-93F32C8B1501}"/>
+              </a:ext>
+            </a:extLst>
+          </p:cNvPr>
+          <p:cNvSpPr txBox="1"/>
+          <p:nvPr/>
+        </p:nvSpPr>
+        <p:spPr>
+          <a:xfrm>
+            <a:off x="5736386" y="1383239"/>
+            <a:ext cx="653143" cy="369332"/>
+          </a:xfrm>
+          <a:prstGeom prst="rect">
+            <a:avLst/>
+          </a:prstGeom>
+          <a:noFill/>
+        </p:spPr>
+        <p:txBody>
+          <a:bodyPr wrap="square" rtlCol="0">
+            <a:spAutoFit/>
+          </a:bodyPr>
+          <a:lstStyle/>
+          <a:p>
+            <a:pPr algn="ctr"/>
+            <a:r>
+              <a:rPr lang="en-US" dirty="0"/>
+              <a:t>Conv</a:t>
+            </a:r>
+          </a:p>
+        </p:txBody>
+      </p:sp>
+      <p:sp>
+        <p:nvSpPr>
+          <p:cNvPr id="58" name="Cube 57">
+            <a:extLst>
+              <a:ext uri="{FF2B5EF4-FFF2-40B4-BE49-F238E27FC236}">
+                <a16:creationId xmlns:a16="http://schemas.microsoft.com/office/drawing/2014/main" id="{AC313D6C-2EDF-4DD0-BF91-371A878F81AA}"/>
+              </a:ext>
+            </a:extLst>
+          </p:cNvPr>
+          <p:cNvSpPr/>
+          <p:nvPr/>
+        </p:nvSpPr>
+        <p:spPr>
+          <a:xfrm>
+            <a:off x="5834161" y="1898395"/>
+            <a:ext cx="435613" cy="3897086"/>
+          </a:xfrm>
+          <a:prstGeom prst="cube">
+            <a:avLst>
+              <a:gd name="adj" fmla="val 11275"/>
+            </a:avLst>
+          </a:prstGeom>
+        </p:spPr>
+        <p:style>
+          <a:lnRef idx="2">
+            <a:schemeClr val="dk1"/>
+          </a:lnRef>
+          <a:fillRef idx="1">
+            <a:schemeClr val="lt1"/>
+          </a:fillRef>
+          <a:effectRef idx="0">
+            <a:schemeClr val="dk1"/>
+          </a:effectRef>
+          <a:fontRef idx="minor">
+            <a:schemeClr val="dk1"/>
+          </a:fontRef>
+        </p:style>
+        <p:txBody>
+          <a:bodyPr rtlCol="0" anchor="ctr"/>
+          <a:lstStyle/>
+          <a:p>
+            <a:pPr algn="ctr"/>
+            <a:endParaRPr lang="en-US"/>
+          </a:p>
+        </p:txBody>
+      </p:sp>
+      <p:sp>
+        <p:nvSpPr>
+          <p:cNvPr id="63" name="Cube 62">
+            <a:extLst>
+              <a:ext uri="{FF2B5EF4-FFF2-40B4-BE49-F238E27FC236}">
+                <a16:creationId xmlns:a16="http://schemas.microsoft.com/office/drawing/2014/main" id="{0593D692-664E-415A-B1CE-E85A039CBD88}"/>
+              </a:ext>
+            </a:extLst>
+          </p:cNvPr>
+          <p:cNvSpPr/>
+          <p:nvPr/>
+        </p:nvSpPr>
+        <p:spPr>
+          <a:xfrm>
+            <a:off x="7783686" y="1906308"/>
+            <a:ext cx="435613" cy="3897086"/>
+          </a:xfrm>
+          <a:prstGeom prst="cube">
+            <a:avLst>
+              <a:gd name="adj" fmla="val 11275"/>
+            </a:avLst>
+          </a:prstGeom>
+        </p:spPr>
+        <p:style>
+          <a:lnRef idx="2">
+            <a:schemeClr val="dk1"/>
+          </a:lnRef>
+          <a:fillRef idx="1">
+            <a:schemeClr val="lt1"/>
+          </a:fillRef>
+          <a:effectRef idx="0">
+            <a:schemeClr val="dk1"/>
+          </a:effectRef>
+          <a:fontRef idx="minor">
+            <a:schemeClr val="dk1"/>
+          </a:fontRef>
+        </p:style>
+        <p:txBody>
+          <a:bodyPr rtlCol="0" anchor="ctr"/>
+          <a:lstStyle/>
+          <a:p>
+            <a:pPr algn="ctr"/>
+            <a:endParaRPr lang="en-US"/>
+          </a:p>
+        </p:txBody>
+      </p:sp>
+      <p:cxnSp>
+        <p:nvCxnSpPr>
+          <p:cNvPr id="65" name="Straight Arrow Connector 64">
+            <a:extLst>
+              <a:ext uri="{FF2B5EF4-FFF2-40B4-BE49-F238E27FC236}">
+                <a16:creationId xmlns:a16="http://schemas.microsoft.com/office/drawing/2014/main" id="{3C629AE6-AF5F-4EB1-913A-3165BB6792C0}"/>
+              </a:ext>
+            </a:extLst>
+          </p:cNvPr>
+          <p:cNvCxnSpPr>
+            <a:cxnSpLocks/>
+          </p:cNvCxnSpPr>
+          <p:nvPr/>
+        </p:nvCxnSpPr>
+        <p:spPr>
+          <a:xfrm flipV="1">
+            <a:off x="6268996" y="3891182"/>
+            <a:ext cx="489151" cy="0"/>
+          </a:xfrm>
+          <a:prstGeom prst="straightConnector1">
+            <a:avLst/>
+          </a:prstGeom>
+          <a:ln>
+            <a:tailEnd type="triangle" w="lg" len="lg"/>
+          </a:ln>
+        </p:spPr>
+        <p:style>
+          <a:lnRef idx="1">
+            <a:schemeClr val="dk1"/>
+          </a:lnRef>
+          <a:fillRef idx="0">
+            <a:schemeClr val="dk1"/>
+          </a:fillRef>
+          <a:effectRef idx="0">
+            <a:schemeClr val="dk1"/>
+          </a:effectRef>
+          <a:fontRef idx="minor">
+            <a:schemeClr val="tx1"/>
+          </a:fontRef>
+        </p:style>
+      </p:cxnSp>
+      <p:sp>
+        <p:nvSpPr>
+          <p:cNvPr id="66" name="TextBox 65">
+            <a:extLst>
+              <a:ext uri="{FF2B5EF4-FFF2-40B4-BE49-F238E27FC236}">
+                <a16:creationId xmlns:a16="http://schemas.microsoft.com/office/drawing/2014/main" id="{DB0C7D6E-E744-495F-AF00-3005CF4F889D}"/>
+              </a:ext>
+            </a:extLst>
+          </p:cNvPr>
+          <p:cNvSpPr txBox="1"/>
+          <p:nvPr/>
+        </p:nvSpPr>
+        <p:spPr>
+          <a:xfrm>
+            <a:off x="7447220" y="1383239"/>
+            <a:ext cx="1093751" cy="369332"/>
+          </a:xfrm>
+          <a:prstGeom prst="rect">
+            <a:avLst/>
+          </a:prstGeom>
+          <a:noFill/>
+        </p:spPr>
+        <p:txBody>
+          <a:bodyPr wrap="square" rtlCol="0">
+            <a:spAutoFit/>
+          </a:bodyPr>
+          <a:lstStyle/>
+          <a:p>
+            <a:pPr algn="ctr"/>
+            <a:r>
+              <a:rPr lang="en-US" dirty="0"/>
+              <a:t>Max-Pool</a:t>
+            </a:r>
+          </a:p>
+        </p:txBody>
+      </p:sp>
+      <p:sp>
+        <p:nvSpPr>
+          <p:cNvPr id="75" name="TextBox 74">
+            <a:extLst>
+              <a:ext uri="{FF2B5EF4-FFF2-40B4-BE49-F238E27FC236}">
+                <a16:creationId xmlns:a16="http://schemas.microsoft.com/office/drawing/2014/main" id="{1EDF3A8C-5113-4314-9D34-88A16D13B9CA}"/>
+              </a:ext>
+            </a:extLst>
+          </p:cNvPr>
+          <p:cNvSpPr txBox="1"/>
+          <p:nvPr/>
+        </p:nvSpPr>
+        <p:spPr>
+          <a:xfrm>
+            <a:off x="95505" y="5333632"/>
+            <a:ext cx="1454029" cy="369332"/>
+          </a:xfrm>
+          <a:prstGeom prst="rect">
+            <a:avLst/>
+          </a:prstGeom>
+          <a:noFill/>
+        </p:spPr>
+        <p:txBody>
+          <a:bodyPr wrap="square" rtlCol="0">
+            <a:spAutoFit/>
+          </a:bodyPr>
+          <a:lstStyle/>
+          <a:p>
+            <a:pPr algn="ctr"/>
+            <a:r>
+              <a:rPr lang="en-US" dirty="0"/>
+              <a:t>Z Value</a:t>
+            </a:r>
+          </a:p>
+        </p:txBody>
+      </p:sp>
+      <p:sp>
+        <p:nvSpPr>
+          <p:cNvPr id="42" name="TextBox 41">
+            <a:extLst>
+              <a:ext uri="{FF2B5EF4-FFF2-40B4-BE49-F238E27FC236}">
+                <a16:creationId xmlns:a16="http://schemas.microsoft.com/office/drawing/2014/main" id="{E642D3A5-A484-4BCF-8E91-F37B636D6C0B}"/>
+              </a:ext>
+            </a:extLst>
+          </p:cNvPr>
+          <p:cNvSpPr txBox="1"/>
+          <p:nvPr/>
+        </p:nvSpPr>
+        <p:spPr>
+          <a:xfrm>
+            <a:off x="2211092" y="2456766"/>
+            <a:ext cx="458419" cy="369332"/>
+          </a:xfrm>
+          <a:prstGeom prst="rect">
+            <a:avLst/>
+          </a:prstGeom>
+          <a:noFill/>
+        </p:spPr>
+        <p:txBody>
+          <a:bodyPr wrap="square" rtlCol="0">
+            <a:spAutoFit/>
+          </a:bodyPr>
+          <a:lstStyle/>
+          <a:p>
+            <a:r>
+              <a:rPr lang="en-US" dirty="0"/>
+              <a:t>LR</a:t>
+            </a:r>
+          </a:p>
+        </p:txBody>
+      </p:sp>
+      <p:sp>
+        <p:nvSpPr>
+          <p:cNvPr id="56" name="Cube 55">
+            <a:extLst>
+              <a:ext uri="{FF2B5EF4-FFF2-40B4-BE49-F238E27FC236}">
+                <a16:creationId xmlns:a16="http://schemas.microsoft.com/office/drawing/2014/main" id="{CFB103BD-2770-440C-9BD6-552DCDBD7CBD}"/>
+              </a:ext>
+            </a:extLst>
+          </p:cNvPr>
+          <p:cNvSpPr/>
+          <p:nvPr/>
+        </p:nvSpPr>
+        <p:spPr>
+          <a:xfrm>
+            <a:off x="2754307" y="909937"/>
+            <a:ext cx="413306" cy="3024921"/>
+          </a:xfrm>
+          <a:prstGeom prst="cube">
+            <a:avLst>
+              <a:gd name="adj" fmla="val 11275"/>
+            </a:avLst>
+          </a:prstGeom>
+        </p:spPr>
+        <p:style>
+          <a:lnRef idx="2">
+            <a:schemeClr val="dk1"/>
+          </a:lnRef>
+          <a:fillRef idx="1">
+            <a:schemeClr val="lt1"/>
+          </a:fillRef>
+          <a:effectRef idx="0">
+            <a:schemeClr val="dk1"/>
+          </a:effectRef>
+          <a:fontRef idx="minor">
+            <a:schemeClr val="dk1"/>
+          </a:fontRef>
+        </p:style>
+        <p:txBody>
+          <a:bodyPr rtlCol="0" anchor="ctr"/>
+          <a:lstStyle/>
+          <a:p>
+            <a:pPr algn="ctr"/>
+            <a:endParaRPr lang="en-US"/>
+          </a:p>
+        </p:txBody>
+      </p:sp>
+      <p:sp>
+        <p:nvSpPr>
+          <p:cNvPr id="67" name="Cube 66">
+            <a:extLst>
+              <a:ext uri="{FF2B5EF4-FFF2-40B4-BE49-F238E27FC236}">
+                <a16:creationId xmlns:a16="http://schemas.microsoft.com/office/drawing/2014/main" id="{594074B4-E838-4E1E-9999-C14A33A5EA3F}"/>
+              </a:ext>
+            </a:extLst>
+          </p:cNvPr>
+          <p:cNvSpPr/>
+          <p:nvPr/>
+        </p:nvSpPr>
+        <p:spPr>
+          <a:xfrm>
+            <a:off x="1724094" y="4757529"/>
+            <a:ext cx="413306" cy="1608390"/>
+          </a:xfrm>
+          <a:prstGeom prst="cube">
+            <a:avLst>
+              <a:gd name="adj" fmla="val 11275"/>
+            </a:avLst>
+          </a:prstGeom>
+        </p:spPr>
+        <p:style>
+          <a:lnRef idx="2">
+            <a:schemeClr val="dk1"/>
+          </a:lnRef>
+          <a:fillRef idx="1">
+            <a:schemeClr val="lt1"/>
+          </a:fillRef>
+          <a:effectRef idx="0">
+            <a:schemeClr val="dk1"/>
+          </a:effectRef>
+          <a:fontRef idx="minor">
+            <a:schemeClr val="dk1"/>
+          </a:fontRef>
+        </p:style>
+        <p:txBody>
+          <a:bodyPr rtlCol="0" anchor="ctr"/>
+          <a:lstStyle/>
+          <a:p>
+            <a:pPr algn="ctr"/>
+            <a:endParaRPr lang="en-US"/>
+          </a:p>
+        </p:txBody>
+      </p:sp>
+      <p:sp>
+        <p:nvSpPr>
+          <p:cNvPr id="68" name="TextBox 67">
+            <a:extLst>
+              <a:ext uri="{FF2B5EF4-FFF2-40B4-BE49-F238E27FC236}">
+                <a16:creationId xmlns:a16="http://schemas.microsoft.com/office/drawing/2014/main" id="{E83BDF73-B75D-4690-A3AD-65ED0F4AD587}"/>
+              </a:ext>
+            </a:extLst>
+          </p:cNvPr>
+          <p:cNvSpPr txBox="1"/>
+          <p:nvPr/>
+        </p:nvSpPr>
+        <p:spPr>
+          <a:xfrm>
+            <a:off x="1630922" y="4288821"/>
+            <a:ext cx="653143" cy="369332"/>
+          </a:xfrm>
+          <a:prstGeom prst="rect">
+            <a:avLst/>
+          </a:prstGeom>
+          <a:noFill/>
+        </p:spPr>
+        <p:txBody>
+          <a:bodyPr wrap="square" rtlCol="0">
+            <a:spAutoFit/>
+          </a:bodyPr>
+          <a:lstStyle/>
+          <a:p>
+            <a:pPr algn="ctr"/>
+            <a:r>
+              <a:rPr lang="en-US" dirty="0"/>
+              <a:t>FC</a:t>
+            </a:r>
+          </a:p>
+        </p:txBody>
+      </p:sp>
+      <p:cxnSp>
+        <p:nvCxnSpPr>
+          <p:cNvPr id="69" name="Straight Arrow Connector 68">
+            <a:extLst>
+              <a:ext uri="{FF2B5EF4-FFF2-40B4-BE49-F238E27FC236}">
+                <a16:creationId xmlns:a16="http://schemas.microsoft.com/office/drawing/2014/main" id="{3A1DA7DB-E906-4EA9-BDB0-6F73BDA46C7D}"/>
+              </a:ext>
+            </a:extLst>
+          </p:cNvPr>
+          <p:cNvCxnSpPr>
+            <a:cxnSpLocks/>
+          </p:cNvCxnSpPr>
+          <p:nvPr/>
+        </p:nvCxnSpPr>
+        <p:spPr>
+          <a:xfrm flipV="1">
+            <a:off x="1292407" y="5499886"/>
+            <a:ext cx="420414" cy="0"/>
+          </a:xfrm>
+          <a:prstGeom prst="straightConnector1">
+            <a:avLst/>
+          </a:prstGeom>
+          <a:ln>
+            <a:tailEnd type="triangle" w="lg" len="lg"/>
+          </a:ln>
+        </p:spPr>
+        <p:style>
+          <a:lnRef idx="1">
+            <a:schemeClr val="dk1"/>
+          </a:lnRef>
+          <a:fillRef idx="0">
+            <a:schemeClr val="dk1"/>
+          </a:fillRef>
+          <a:effectRef idx="0">
+            <a:schemeClr val="dk1"/>
+          </a:effectRef>
+          <a:fontRef idx="minor">
+            <a:schemeClr val="tx1"/>
+          </a:fontRef>
+        </p:style>
+      </p:cxnSp>
+      <p:sp>
+        <p:nvSpPr>
+          <p:cNvPr id="70" name="Cube 69">
+            <a:extLst>
+              <a:ext uri="{FF2B5EF4-FFF2-40B4-BE49-F238E27FC236}">
+                <a16:creationId xmlns:a16="http://schemas.microsoft.com/office/drawing/2014/main" id="{62D8A2CC-E817-465C-83AF-0E0C339F3F76}"/>
+              </a:ext>
+            </a:extLst>
+          </p:cNvPr>
+          <p:cNvSpPr/>
+          <p:nvPr/>
+        </p:nvSpPr>
+        <p:spPr>
+          <a:xfrm>
+            <a:off x="2754307" y="4757529"/>
+            <a:ext cx="413306" cy="1608390"/>
+          </a:xfrm>
+          <a:prstGeom prst="cube">
+            <a:avLst>
+              <a:gd name="adj" fmla="val 11275"/>
+            </a:avLst>
+          </a:prstGeom>
+        </p:spPr>
+        <p:style>
+          <a:lnRef idx="2">
+            <a:schemeClr val="dk1"/>
+          </a:lnRef>
+          <a:fillRef idx="1">
+            <a:schemeClr val="lt1"/>
+          </a:fillRef>
+          <a:effectRef idx="0">
+            <a:schemeClr val="dk1"/>
+          </a:effectRef>
+          <a:fontRef idx="minor">
+            <a:schemeClr val="dk1"/>
+          </a:fontRef>
+        </p:style>
+        <p:txBody>
+          <a:bodyPr rtlCol="0" anchor="ctr"/>
+          <a:lstStyle/>
+          <a:p>
+            <a:pPr algn="ctr"/>
+            <a:endParaRPr lang="en-US"/>
+          </a:p>
+        </p:txBody>
+      </p:sp>
+      <p:sp>
+        <p:nvSpPr>
+          <p:cNvPr id="71" name="TextBox 70">
+            <a:extLst>
+              <a:ext uri="{FF2B5EF4-FFF2-40B4-BE49-F238E27FC236}">
+                <a16:creationId xmlns:a16="http://schemas.microsoft.com/office/drawing/2014/main" id="{A699B399-6C68-4B4F-9542-93D597C70D4C}"/>
+              </a:ext>
+            </a:extLst>
+          </p:cNvPr>
+          <p:cNvSpPr txBox="1"/>
+          <p:nvPr/>
+        </p:nvSpPr>
+        <p:spPr>
+          <a:xfrm>
+            <a:off x="2595819" y="4288821"/>
+            <a:ext cx="653143" cy="369332"/>
+          </a:xfrm>
+          <a:prstGeom prst="rect">
+            <a:avLst/>
+          </a:prstGeom>
+          <a:noFill/>
+        </p:spPr>
+        <p:txBody>
+          <a:bodyPr wrap="square" rtlCol="0">
+            <a:spAutoFit/>
+          </a:bodyPr>
+          <a:lstStyle/>
+          <a:p>
+            <a:pPr algn="ctr"/>
+            <a:r>
+              <a:rPr lang="en-US" dirty="0"/>
+              <a:t>Tile</a:t>
+            </a:r>
+          </a:p>
+        </p:txBody>
+      </p:sp>
+      <p:cxnSp>
+        <p:nvCxnSpPr>
+          <p:cNvPr id="72" name="Straight Arrow Connector 71">
+            <a:extLst>
+              <a:ext uri="{FF2B5EF4-FFF2-40B4-BE49-F238E27FC236}">
+                <a16:creationId xmlns:a16="http://schemas.microsoft.com/office/drawing/2014/main" id="{A17D7B88-976B-4655-891E-6018057FDF78}"/>
+              </a:ext>
+            </a:extLst>
+          </p:cNvPr>
+          <p:cNvCxnSpPr>
+            <a:cxnSpLocks/>
+          </p:cNvCxnSpPr>
+          <p:nvPr/>
+        </p:nvCxnSpPr>
+        <p:spPr>
+          <a:xfrm flipV="1">
+            <a:off x="2128345" y="5519351"/>
+            <a:ext cx="625962" cy="0"/>
+          </a:xfrm>
+          <a:prstGeom prst="straightConnector1">
+            <a:avLst/>
+          </a:prstGeom>
+          <a:ln>
+            <a:tailEnd type="triangle" w="lg" len="lg"/>
+          </a:ln>
+        </p:spPr>
+        <p:style>
+          <a:lnRef idx="1">
+            <a:schemeClr val="dk1"/>
+          </a:lnRef>
+          <a:fillRef idx="0">
+            <a:schemeClr val="dk1"/>
+          </a:fillRef>
+          <a:effectRef idx="0">
+            <a:schemeClr val="dk1"/>
+          </a:effectRef>
+          <a:fontRef idx="minor">
+            <a:schemeClr val="tx1"/>
+          </a:fontRef>
+        </p:style>
+      </p:cxnSp>
+      <p:sp>
+        <p:nvSpPr>
+          <p:cNvPr id="73" name="TextBox 72">
+            <a:extLst>
+              <a:ext uri="{FF2B5EF4-FFF2-40B4-BE49-F238E27FC236}">
+                <a16:creationId xmlns:a16="http://schemas.microsoft.com/office/drawing/2014/main" id="{23B64F79-A0FD-43CA-821C-9D131ED2919F}"/>
+              </a:ext>
+            </a:extLst>
+          </p:cNvPr>
+          <p:cNvSpPr txBox="1"/>
+          <p:nvPr/>
+        </p:nvSpPr>
+        <p:spPr>
+          <a:xfrm>
+            <a:off x="2091121" y="5618728"/>
+            <a:ext cx="653143" cy="369332"/>
+          </a:xfrm>
+          <a:prstGeom prst="rect">
+            <a:avLst/>
+          </a:prstGeom>
+          <a:noFill/>
+        </p:spPr>
+        <p:txBody>
+          <a:bodyPr wrap="square" rtlCol="0">
+            <a:spAutoFit/>
+          </a:bodyPr>
+          <a:lstStyle/>
+          <a:p>
+            <a:pPr algn="ctr"/>
+            <a:r>
+              <a:rPr lang="en-US" dirty="0"/>
+              <a:t>LR</a:t>
+            </a:r>
+          </a:p>
+        </p:txBody>
+      </p:sp>
+      <p:sp>
+        <p:nvSpPr>
+          <p:cNvPr id="74" name="TextBox 73">
+            <a:extLst>
+              <a:ext uri="{FF2B5EF4-FFF2-40B4-BE49-F238E27FC236}">
+                <a16:creationId xmlns:a16="http://schemas.microsoft.com/office/drawing/2014/main" id="{8FE34DF8-2535-4CBF-843F-7CAFD0E15FCE}"/>
+              </a:ext>
+            </a:extLst>
+          </p:cNvPr>
+          <p:cNvSpPr txBox="1"/>
+          <p:nvPr/>
+        </p:nvSpPr>
+        <p:spPr>
+          <a:xfrm>
+            <a:off x="6202779" y="4031256"/>
+            <a:ext cx="653143" cy="369332"/>
+          </a:xfrm>
+          <a:prstGeom prst="rect">
+            <a:avLst/>
+          </a:prstGeom>
+          <a:noFill/>
+        </p:spPr>
+        <p:txBody>
+          <a:bodyPr wrap="square" rtlCol="0">
+            <a:spAutoFit/>
+          </a:bodyPr>
+          <a:lstStyle/>
+          <a:p>
+            <a:pPr algn="ctr"/>
+            <a:r>
+              <a:rPr lang="en-US" dirty="0"/>
+              <a:t>LR</a:t>
+            </a:r>
+          </a:p>
+        </p:txBody>
+      </p:sp>
+      <p:cxnSp>
+        <p:nvCxnSpPr>
+          <p:cNvPr id="76" name="Straight Arrow Connector 75">
+            <a:extLst>
+              <a:ext uri="{FF2B5EF4-FFF2-40B4-BE49-F238E27FC236}">
+                <a16:creationId xmlns:a16="http://schemas.microsoft.com/office/drawing/2014/main" id="{A88F96C4-5212-4416-B008-56CF3A7CC6A1}"/>
+              </a:ext>
+            </a:extLst>
+          </p:cNvPr>
+          <p:cNvCxnSpPr>
+            <a:cxnSpLocks/>
+          </p:cNvCxnSpPr>
+          <p:nvPr/>
+        </p:nvCxnSpPr>
+        <p:spPr>
+          <a:xfrm>
+            <a:off x="8229598" y="3891182"/>
+            <a:ext cx="356755" cy="0"/>
+          </a:xfrm>
+          <a:prstGeom prst="straightConnector1">
+            <a:avLst/>
+          </a:prstGeom>
+          <a:ln>
+            <a:tailEnd type="triangle" w="lg" len="lg"/>
+          </a:ln>
+        </p:spPr>
+        <p:style>
+          <a:lnRef idx="1">
+            <a:schemeClr val="dk1"/>
+          </a:lnRef>
+          <a:fillRef idx="0">
+            <a:schemeClr val="dk1"/>
+          </a:fillRef>
+          <a:effectRef idx="0">
+            <a:schemeClr val="dk1"/>
+          </a:effectRef>
+          <a:fontRef idx="minor">
+            <a:schemeClr val="tx1"/>
+          </a:fontRef>
+        </p:style>
+      </p:cxnSp>
+      <p:cxnSp>
+        <p:nvCxnSpPr>
+          <p:cNvPr id="77" name="Straight Arrow Connector 76">
+            <a:extLst>
+              <a:ext uri="{FF2B5EF4-FFF2-40B4-BE49-F238E27FC236}">
+                <a16:creationId xmlns:a16="http://schemas.microsoft.com/office/drawing/2014/main" id="{968665BA-922F-4E85-BDF4-D2E6460BB3C4}"/>
+              </a:ext>
+            </a:extLst>
+          </p:cNvPr>
+          <p:cNvCxnSpPr>
+            <a:cxnSpLocks/>
+          </p:cNvCxnSpPr>
+          <p:nvPr/>
+        </p:nvCxnSpPr>
+        <p:spPr>
+          <a:xfrm>
+            <a:off x="8923214" y="3891182"/>
+            <a:ext cx="586926" cy="0"/>
+          </a:xfrm>
+          <a:prstGeom prst="straightConnector1">
+            <a:avLst/>
+          </a:prstGeom>
+          <a:ln>
+            <a:tailEnd type="triangle" w="lg" len="lg"/>
+          </a:ln>
+        </p:spPr>
+        <p:style>
+          <a:lnRef idx="1">
+            <a:schemeClr val="dk1"/>
+          </a:lnRef>
+          <a:fillRef idx="0">
+            <a:schemeClr val="dk1"/>
+          </a:fillRef>
+          <a:effectRef idx="0">
+            <a:schemeClr val="dk1"/>
+          </a:effectRef>
+          <a:fontRef idx="minor">
+            <a:schemeClr val="tx1"/>
+          </a:fontRef>
+        </p:style>
+      </p:cxnSp>
+      <p:sp>
+        <p:nvSpPr>
+          <p:cNvPr id="78" name="TextBox 77">
+            <a:extLst>
+              <a:ext uri="{FF2B5EF4-FFF2-40B4-BE49-F238E27FC236}">
+                <a16:creationId xmlns:a16="http://schemas.microsoft.com/office/drawing/2014/main" id="{1411CD8D-E07D-4831-9031-5125BCE4F344}"/>
+              </a:ext>
+            </a:extLst>
+          </p:cNvPr>
+          <p:cNvSpPr txBox="1"/>
+          <p:nvPr/>
+        </p:nvSpPr>
+        <p:spPr>
+          <a:xfrm>
+            <a:off x="8915697" y="4031256"/>
+            <a:ext cx="653143" cy="369332"/>
+          </a:xfrm>
+          <a:prstGeom prst="rect">
+            <a:avLst/>
+          </a:prstGeom>
+          <a:noFill/>
+        </p:spPr>
+        <p:txBody>
+          <a:bodyPr wrap="square" rtlCol="0">
+            <a:spAutoFit/>
+          </a:bodyPr>
+          <a:lstStyle/>
+          <a:p>
+            <a:pPr algn="ctr"/>
+            <a:r>
+              <a:rPr lang="en-US" dirty="0"/>
+              <a:t>LR</a:t>
+            </a:r>
+          </a:p>
+        </p:txBody>
+      </p:sp>
+      <p:cxnSp>
+        <p:nvCxnSpPr>
+          <p:cNvPr id="46" name="Straight Arrow Connector 45">
+            <a:extLst>
+              <a:ext uri="{FF2B5EF4-FFF2-40B4-BE49-F238E27FC236}">
+                <a16:creationId xmlns:a16="http://schemas.microsoft.com/office/drawing/2014/main" id="{C04A3BDD-6B03-4DAF-8240-79F1F24C214C}"/>
+              </a:ext>
+            </a:extLst>
+          </p:cNvPr>
+          <p:cNvCxnSpPr>
+            <a:cxnSpLocks/>
+          </p:cNvCxnSpPr>
+          <p:nvPr/>
+        </p:nvCxnSpPr>
+        <p:spPr>
+          <a:xfrm flipV="1">
+            <a:off x="3191770" y="2310932"/>
+            <a:ext cx="652709" cy="0"/>
+          </a:xfrm>
+          <a:prstGeom prst="straightConnector1">
+            <a:avLst/>
+          </a:prstGeom>
+          <a:ln>
+            <a:tailEnd type="triangle" w="lg" len="lg"/>
+          </a:ln>
+        </p:spPr>
+        <p:style>
+          <a:lnRef idx="1">
+            <a:schemeClr val="dk1"/>
+          </a:lnRef>
+          <a:fillRef idx="0">
+            <a:schemeClr val="dk1"/>
+          </a:fillRef>
+          <a:effectRef idx="0">
+            <a:schemeClr val="dk1"/>
+          </a:effectRef>
+          <a:fontRef idx="minor">
+            <a:schemeClr val="tx1"/>
+          </a:fontRef>
+        </p:style>
+      </p:cxnSp>
+      <p:sp>
+        <p:nvSpPr>
+          <p:cNvPr id="47" name="TextBox 46">
+            <a:extLst>
+              <a:ext uri="{FF2B5EF4-FFF2-40B4-BE49-F238E27FC236}">
+                <a16:creationId xmlns:a16="http://schemas.microsoft.com/office/drawing/2014/main" id="{8774308C-704B-4010-8235-E55D4EAA06A6}"/>
+              </a:ext>
+            </a:extLst>
+          </p:cNvPr>
+          <p:cNvSpPr txBox="1"/>
+          <p:nvPr/>
+        </p:nvSpPr>
+        <p:spPr>
+          <a:xfrm>
+            <a:off x="3561048" y="455977"/>
+            <a:ext cx="1093751" cy="369332"/>
+          </a:xfrm>
+          <a:prstGeom prst="rect">
+            <a:avLst/>
+          </a:prstGeom>
+          <a:noFill/>
+        </p:spPr>
+        <p:txBody>
+          <a:bodyPr wrap="square" rtlCol="0">
+            <a:spAutoFit/>
+          </a:bodyPr>
+          <a:lstStyle/>
+          <a:p>
+            <a:r>
+              <a:rPr lang="en-US" dirty="0"/>
+              <a:t>Max-Pool</a:t>
+            </a:r>
+          </a:p>
+        </p:txBody>
+      </p:sp>
+      <p:sp>
+        <p:nvSpPr>
+          <p:cNvPr id="51" name="Cube 50">
+            <a:extLst>
+              <a:ext uri="{FF2B5EF4-FFF2-40B4-BE49-F238E27FC236}">
+                <a16:creationId xmlns:a16="http://schemas.microsoft.com/office/drawing/2014/main" id="{B92326AF-26E6-4BDE-9929-609152771F3D}"/>
+              </a:ext>
+            </a:extLst>
+          </p:cNvPr>
+          <p:cNvSpPr/>
+          <p:nvPr/>
+        </p:nvSpPr>
+        <p:spPr>
+          <a:xfrm>
+            <a:off x="3808677" y="906262"/>
+            <a:ext cx="413306" cy="3024921"/>
+          </a:xfrm>
+          <a:prstGeom prst="cube">
+            <a:avLst>
+              <a:gd name="adj" fmla="val 11275"/>
+            </a:avLst>
+          </a:prstGeom>
+        </p:spPr>
+        <p:style>
+          <a:lnRef idx="2">
+            <a:schemeClr val="dk1"/>
+          </a:lnRef>
+          <a:fillRef idx="1">
+            <a:schemeClr val="lt1"/>
+          </a:fillRef>
+          <a:effectRef idx="0">
+            <a:schemeClr val="dk1"/>
+          </a:effectRef>
+          <a:fontRef idx="minor">
+            <a:schemeClr val="dk1"/>
+          </a:fontRef>
+        </p:style>
+        <p:txBody>
+          <a:bodyPr rtlCol="0" anchor="ctr"/>
+          <a:lstStyle/>
+          <a:p>
+            <a:pPr algn="ctr"/>
+            <a:endParaRPr lang="en-US"/>
+          </a:p>
+        </p:txBody>
+      </p:sp>
+      <p:sp>
+        <p:nvSpPr>
+          <p:cNvPr id="53" name="TextBox 52">
+            <a:extLst>
+              <a:ext uri="{FF2B5EF4-FFF2-40B4-BE49-F238E27FC236}">
+                <a16:creationId xmlns:a16="http://schemas.microsoft.com/office/drawing/2014/main" id="{E5A44986-41BB-4D29-8220-BD98D076B291}"/>
+              </a:ext>
+            </a:extLst>
+          </p:cNvPr>
+          <p:cNvSpPr txBox="1"/>
+          <p:nvPr/>
+        </p:nvSpPr>
+        <p:spPr>
+          <a:xfrm>
+            <a:off x="6663076" y="1383239"/>
+            <a:ext cx="653143" cy="369332"/>
+          </a:xfrm>
+          <a:prstGeom prst="rect">
+            <a:avLst/>
+          </a:prstGeom>
+          <a:noFill/>
+        </p:spPr>
+        <p:txBody>
+          <a:bodyPr wrap="square" rtlCol="0">
+            <a:spAutoFit/>
+          </a:bodyPr>
+          <a:lstStyle/>
+          <a:p>
+            <a:pPr algn="ctr"/>
+            <a:r>
+              <a:rPr lang="en-US" dirty="0"/>
+              <a:t>Drop</a:t>
+            </a:r>
+          </a:p>
+        </p:txBody>
+      </p:sp>
+      <p:sp>
+        <p:nvSpPr>
+          <p:cNvPr id="54" name="Cube 53">
+            <a:extLst>
+              <a:ext uri="{FF2B5EF4-FFF2-40B4-BE49-F238E27FC236}">
+                <a16:creationId xmlns:a16="http://schemas.microsoft.com/office/drawing/2014/main" id="{16C24879-164D-4AA7-A430-694D83C3456D}"/>
+              </a:ext>
+            </a:extLst>
+          </p:cNvPr>
+          <p:cNvSpPr/>
+          <p:nvPr/>
+        </p:nvSpPr>
+        <p:spPr>
+          <a:xfrm>
+            <a:off x="6765176" y="1925083"/>
+            <a:ext cx="435613" cy="3897086"/>
+          </a:xfrm>
+          <a:prstGeom prst="cube">
+            <a:avLst>
+              <a:gd name="adj" fmla="val 11275"/>
+            </a:avLst>
+          </a:prstGeom>
+        </p:spPr>
+        <p:style>
+          <a:lnRef idx="2">
+            <a:schemeClr val="dk1"/>
+          </a:lnRef>
+          <a:fillRef idx="1">
+            <a:schemeClr val="lt1"/>
+          </a:fillRef>
+          <a:effectRef idx="0">
+            <a:schemeClr val="dk1"/>
+          </a:effectRef>
+          <a:fontRef idx="minor">
+            <a:schemeClr val="dk1"/>
+          </a:fontRef>
+        </p:style>
+        <p:txBody>
+          <a:bodyPr rtlCol="0" anchor="ctr"/>
+          <a:lstStyle/>
+          <a:p>
+            <a:pPr algn="ctr"/>
+            <a:endParaRPr lang="en-US"/>
+          </a:p>
+        </p:txBody>
+      </p:sp>
+      <p:cxnSp>
+        <p:nvCxnSpPr>
+          <p:cNvPr id="55" name="Straight Arrow Connector 54">
+            <a:extLst>
+              <a:ext uri="{FF2B5EF4-FFF2-40B4-BE49-F238E27FC236}">
+                <a16:creationId xmlns:a16="http://schemas.microsoft.com/office/drawing/2014/main" id="{41FD52D0-F2AB-49BA-A511-5414F9457A51}"/>
+              </a:ext>
+            </a:extLst>
+          </p:cNvPr>
+          <p:cNvCxnSpPr>
+            <a:cxnSpLocks/>
+          </p:cNvCxnSpPr>
+          <p:nvPr/>
+        </p:nvCxnSpPr>
+        <p:spPr>
+          <a:xfrm>
+            <a:off x="7196760" y="3891182"/>
+            <a:ext cx="586926" cy="0"/>
+          </a:xfrm>
+          <a:prstGeom prst="straightConnector1">
+            <a:avLst/>
+          </a:prstGeom>
+          <a:ln>
+            <a:tailEnd type="triangle" w="lg" len="lg"/>
+          </a:ln>
+        </p:spPr>
+        <p:style>
+          <a:lnRef idx="1">
+            <a:schemeClr val="dk1"/>
+          </a:lnRef>
+          <a:fillRef idx="0">
+            <a:schemeClr val="dk1"/>
+          </a:fillRef>
+          <a:effectRef idx="0">
+            <a:schemeClr val="dk1"/>
+          </a:effectRef>
+          <a:fontRef idx="minor">
+            <a:schemeClr val="tx1"/>
+          </a:fontRef>
+        </p:style>
+      </p:cxnSp>
+      <p:sp>
+        <p:nvSpPr>
+          <p:cNvPr id="60" name="TextBox 59">
+            <a:extLst>
+              <a:ext uri="{FF2B5EF4-FFF2-40B4-BE49-F238E27FC236}">
+                <a16:creationId xmlns:a16="http://schemas.microsoft.com/office/drawing/2014/main" id="{C5A6DDEE-F166-460E-9D83-611E5C4804A5}"/>
+              </a:ext>
+            </a:extLst>
+          </p:cNvPr>
+          <p:cNvSpPr txBox="1"/>
+          <p:nvPr/>
+        </p:nvSpPr>
+        <p:spPr>
+          <a:xfrm>
+            <a:off x="9915050" y="4031256"/>
+            <a:ext cx="653143" cy="369332"/>
+          </a:xfrm>
+          <a:prstGeom prst="rect">
+            <a:avLst/>
+          </a:prstGeom>
+          <a:noFill/>
+        </p:spPr>
+        <p:txBody>
+          <a:bodyPr wrap="square" rtlCol="0">
+            <a:spAutoFit/>
+          </a:bodyPr>
+          <a:lstStyle/>
+          <a:p>
+            <a:pPr algn="ctr"/>
+            <a:r>
+              <a:rPr lang="en-US" dirty="0"/>
+              <a:t>SM</a:t>
+            </a:r>
+          </a:p>
+        </p:txBody>
+      </p:sp>
+    </p:spTree>
+    <p:extLst>
+      <p:ext uri="{BB962C8B-B14F-4D97-AF65-F5344CB8AC3E}">
+        <p14:creationId xmlns:p14="http://schemas.microsoft.com/office/powerpoint/2010/main" val="1486628997"/>
       </p:ext>
     </p:extLst>
   </p:cSld>
